--- a/Customer Churn Prediction In Telecom Industry-edited.pptx
+++ b/Customer Churn Prediction In Telecom Industry-edited.pptx
@@ -1,38 +1,38 @@
 
 <file path=ppt/presentation.xml><?xml version="1.0" encoding="utf-8"?>
-<p:presentation xmlns:p="http://schemas.openxmlformats.org/presentationml/2006/main" xmlns:r="http://schemas.openxmlformats.org/officeDocument/2006/relationships" xmlns:a="http://schemas.openxmlformats.org/drawingml/2006/main" saveSubsetFonts="1">
+<p:presentation xmlns:a="http://schemas.openxmlformats.org/drawingml/2006/main" xmlns:r="http://schemas.openxmlformats.org/officeDocument/2006/relationships" xmlns:p="http://schemas.openxmlformats.org/presentationml/2006/main" saveSubsetFonts="1">
   <p:sldMasterIdLst>
     <p:sldMasterId id="2147483648" r:id="rId1"/>
   </p:sldMasterIdLst>
   <p:notesMasterIdLst>
-    <p:notesMasterId r:id="rId2"/>
+    <p:notesMasterId r:id="rId19"/>
   </p:notesMasterIdLst>
   <p:sldIdLst>
-    <p:sldId id="257" r:id="rId3"/>
-    <p:sldId id="258" r:id="rId4"/>
-    <p:sldId id="259" r:id="rId5"/>
-    <p:sldId id="260" r:id="rId6"/>
-    <p:sldId id="261" r:id="rId7"/>
-    <p:sldId id="262" r:id="rId8"/>
-    <p:sldId id="263" r:id="rId9"/>
-    <p:sldId id="264" r:id="rId10"/>
-    <p:sldId id="265" r:id="rId11"/>
-    <p:sldId id="266" r:id="rId12"/>
-    <p:sldId id="267" r:id="rId13"/>
-    <p:sldId id="268" r:id="rId14"/>
-    <p:sldId id="269" r:id="rId15"/>
-    <p:sldId id="270" r:id="rId16"/>
-    <p:sldId id="271" r:id="rId17"/>
-    <p:sldId id="272" r:id="rId18"/>
-    <p:sldId id="273" r:id="rId19"/>
+    <p:sldId id="257" r:id="rId2"/>
+    <p:sldId id="258" r:id="rId3"/>
+    <p:sldId id="259" r:id="rId4"/>
+    <p:sldId id="260" r:id="rId5"/>
+    <p:sldId id="261" r:id="rId6"/>
+    <p:sldId id="262" r:id="rId7"/>
+    <p:sldId id="263" r:id="rId8"/>
+    <p:sldId id="264" r:id="rId9"/>
+    <p:sldId id="265" r:id="rId10"/>
+    <p:sldId id="266" r:id="rId11"/>
+    <p:sldId id="267" r:id="rId12"/>
+    <p:sldId id="268" r:id="rId13"/>
+    <p:sldId id="269" r:id="rId14"/>
+    <p:sldId id="270" r:id="rId15"/>
+    <p:sldId id="271" r:id="rId16"/>
+    <p:sldId id="272" r:id="rId17"/>
+    <p:sldId id="273" r:id="rId18"/>
   </p:sldIdLst>
-  <p:sldSz type="screen4x3" cy="6858000" cx="9144000"/>
+  <p:sldSz cx="9144000" cy="6858000" type="screen4x3"/>
   <p:notesSz cx="6858000" cy="9144000"/>
   <p:defaultTextStyle>
     <a:defPPr>
       <a:defRPr lang="en-US"/>
     </a:defPPr>
-    <a:lvl1pPr algn="l" defTabSz="914400" eaLnBrk="1" hangingPunct="1" latinLnBrk="0" marL="0" rtl="0">
+    <a:lvl1pPr marL="0" algn="l" defTabSz="914400" rtl="0" eaLnBrk="1" latinLnBrk="0" hangingPunct="1">
       <a:defRPr sz="1800" kern="1200">
         <a:solidFill>
           <a:schemeClr val="tx1"/>
@@ -42,7 +42,7 @@
         <a:cs typeface="+mn-cs"/>
       </a:defRPr>
     </a:lvl1pPr>
-    <a:lvl2pPr algn="l" defTabSz="914400" eaLnBrk="1" hangingPunct="1" latinLnBrk="0" marL="457200" rtl="0">
+    <a:lvl2pPr marL="457200" algn="l" defTabSz="914400" rtl="0" eaLnBrk="1" latinLnBrk="0" hangingPunct="1">
       <a:defRPr sz="1800" kern="1200">
         <a:solidFill>
           <a:schemeClr val="tx1"/>
@@ -52,7 +52,7 @@
         <a:cs typeface="+mn-cs"/>
       </a:defRPr>
     </a:lvl2pPr>
-    <a:lvl3pPr algn="l" defTabSz="914400" eaLnBrk="1" hangingPunct="1" latinLnBrk="0" marL="914400" rtl="0">
+    <a:lvl3pPr marL="914400" algn="l" defTabSz="914400" rtl="0" eaLnBrk="1" latinLnBrk="0" hangingPunct="1">
       <a:defRPr sz="1800" kern="1200">
         <a:solidFill>
           <a:schemeClr val="tx1"/>
@@ -62,7 +62,7 @@
         <a:cs typeface="+mn-cs"/>
       </a:defRPr>
     </a:lvl3pPr>
-    <a:lvl4pPr algn="l" defTabSz="914400" eaLnBrk="1" hangingPunct="1" latinLnBrk="0" marL="1371600" rtl="0">
+    <a:lvl4pPr marL="1371600" algn="l" defTabSz="914400" rtl="0" eaLnBrk="1" latinLnBrk="0" hangingPunct="1">
       <a:defRPr sz="1800" kern="1200">
         <a:solidFill>
           <a:schemeClr val="tx1"/>
@@ -72,7 +72,7 @@
         <a:cs typeface="+mn-cs"/>
       </a:defRPr>
     </a:lvl4pPr>
-    <a:lvl5pPr algn="l" defTabSz="914400" eaLnBrk="1" hangingPunct="1" latinLnBrk="0" marL="1828800" rtl="0">
+    <a:lvl5pPr marL="1828800" algn="l" defTabSz="914400" rtl="0" eaLnBrk="1" latinLnBrk="0" hangingPunct="1">
       <a:defRPr sz="1800" kern="1200">
         <a:solidFill>
           <a:schemeClr val="tx1"/>
@@ -82,7 +82,7 @@
         <a:cs typeface="+mn-cs"/>
       </a:defRPr>
     </a:lvl5pPr>
-    <a:lvl6pPr algn="l" defTabSz="914400" eaLnBrk="1" hangingPunct="1" latinLnBrk="0" marL="2286000" rtl="0">
+    <a:lvl6pPr marL="2286000" algn="l" defTabSz="914400" rtl="0" eaLnBrk="1" latinLnBrk="0" hangingPunct="1">
       <a:defRPr sz="1800" kern="1200">
         <a:solidFill>
           <a:schemeClr val="tx1"/>
@@ -92,7 +92,7 @@
         <a:cs typeface="+mn-cs"/>
       </a:defRPr>
     </a:lvl6pPr>
-    <a:lvl7pPr algn="l" defTabSz="914400" eaLnBrk="1" hangingPunct="1" latinLnBrk="0" marL="2743200" rtl="0">
+    <a:lvl7pPr marL="2743200" algn="l" defTabSz="914400" rtl="0" eaLnBrk="1" latinLnBrk="0" hangingPunct="1">
       <a:defRPr sz="1800" kern="1200">
         <a:solidFill>
           <a:schemeClr val="tx1"/>
@@ -102,7 +102,7 @@
         <a:cs typeface="+mn-cs"/>
       </a:defRPr>
     </a:lvl7pPr>
-    <a:lvl8pPr algn="l" defTabSz="914400" eaLnBrk="1" hangingPunct="1" latinLnBrk="0" marL="3200400" rtl="0">
+    <a:lvl8pPr marL="3200400" algn="l" defTabSz="914400" rtl="0" eaLnBrk="1" latinLnBrk="0" hangingPunct="1">
       <a:defRPr sz="1800" kern="1200">
         <a:solidFill>
           <a:schemeClr val="tx1"/>
@@ -112,7 +112,7 @@
         <a:cs typeface="+mn-cs"/>
       </a:defRPr>
     </a:lvl8pPr>
-    <a:lvl9pPr algn="l" defTabSz="914400" eaLnBrk="1" hangingPunct="1" latinLnBrk="0" marL="3657600" rtl="0">
+    <a:lvl9pPr marL="3657600" algn="l" defTabSz="914400" rtl="0" eaLnBrk="1" latinLnBrk="0" hangingPunct="1">
       <a:defRPr sz="1800" kern="1200">
         <a:solidFill>
           <a:schemeClr val="tx1"/>
@@ -136,7 +136,7 @@
     </p:bg>
     <p:spTree>
       <p:nvGrpSpPr>
-        <p:cNvPr id="61" name=""/>
+        <p:cNvPr id="1" name=""/>
         <p:cNvGrpSpPr/>
         <p:nvPr/>
       </p:nvGrpSpPr>
@@ -163,10 +163,12 @@
             <a:off x="0" y="0"/>
             <a:ext cx="2971800" cy="457200"/>
           </a:xfrm>
-          <a:prstGeom prst="rect"/>
-        </p:spPr>
-        <p:txBody>
-          <a:bodyPr bIns="45720" lIns="91440" rIns="91440" rtlCol="0" tIns="45720" vert="horz"/>
+          <a:prstGeom prst="rect">
+            <a:avLst/>
+          </a:prstGeom>
+        </p:spPr>
+        <p:txBody>
+          <a:bodyPr vert="horz" lIns="91440" tIns="45720" rIns="91440" bIns="45720" rtlCol="0"/>
           <a:lstStyle>
             <a:lvl1pPr algn="l">
               <a:defRPr sz="1200"/>
@@ -192,10 +194,12 @@
             <a:off x="3884613" y="0"/>
             <a:ext cx="2971800" cy="457200"/>
           </a:xfrm>
-          <a:prstGeom prst="rect"/>
-        </p:spPr>
-        <p:txBody>
-          <a:bodyPr bIns="45720" lIns="91440" rIns="91440" rtlCol="0" tIns="45720" vert="horz"/>
+          <a:prstGeom prst="rect">
+            <a:avLst/>
+          </a:prstGeom>
+        </p:spPr>
+        <p:txBody>
+          <a:bodyPr vert="horz" lIns="91440" tIns="45720" rIns="91440" bIns="45720" rtlCol="0"/>
           <a:lstStyle>
             <a:lvl1pPr algn="r">
               <a:defRPr sz="1200"/>
@@ -204,6 +208,8 @@
           <a:p>
             <a:fld id="{A7801B31-51B9-4178-B4CF-AA1F7186D430}" type="datetimeFigureOut">
               <a:rPr lang="en-IN" smtClean="0"/>
+              <a:pPr/>
+              <a:t>20-01-2018</a:t>
             </a:fld>
             <a:endParaRPr lang="en-IN"/>
           </a:p>
@@ -213,7 +219,7 @@
         <p:nvSpPr>
           <p:cNvPr id="1048737" name="Slide Image Placeholder 3"/>
           <p:cNvSpPr>
-            <a:spLocks noChangeAspect="1" noRot="1" noGrp="1"/>
+            <a:spLocks noGrp="1" noRot="1" noChangeAspect="1"/>
           </p:cNvSpPr>
           <p:nvPr>
             <p:ph type="sldImg" idx="2"/>
@@ -224,7 +230,9 @@
             <a:off x="1143000" y="685800"/>
             <a:ext cx="4572000" cy="3429000"/>
           </a:xfrm>
-          <a:prstGeom prst="rect"/>
+          <a:prstGeom prst="rect">
+            <a:avLst/>
+          </a:prstGeom>
           <a:noFill/>
           <a:ln w="12700">
             <a:solidFill>
@@ -233,7 +241,8 @@
           </a:ln>
         </p:spPr>
         <p:txBody>
-          <a:bodyPr anchor="ctr" bIns="45720" lIns="91440" rIns="91440" rtlCol="0" tIns="45720" vert="horz"/>
+          <a:bodyPr vert="horz" lIns="91440" tIns="45720" rIns="91440" bIns="45720" rtlCol="0" anchor="ctr"/>
+          <a:lstStyle/>
           <a:p>
             <a:endParaRPr lang="en-IN"/>
           </a:p>
@@ -254,12 +263,15 @@
             <a:off x="685800" y="4343400"/>
             <a:ext cx="5486400" cy="4114800"/>
           </a:xfrm>
-          <a:prstGeom prst="rect"/>
-        </p:spPr>
-        <p:txBody>
-          <a:bodyPr bIns="45720" lIns="91440" rIns="91440" rtlCol="0" tIns="45720" vert="horz">
+          <a:prstGeom prst="rect">
+            <a:avLst/>
+          </a:prstGeom>
+        </p:spPr>
+        <p:txBody>
+          <a:bodyPr vert="horz" lIns="91440" tIns="45720" rIns="91440" bIns="45720" rtlCol="0">
             <a:normAutofit/>
           </a:bodyPr>
+          <a:lstStyle/>
           <a:p>
             <a:pPr lvl="0"/>
             <a:r>
@@ -313,10 +325,12 @@
             <a:off x="0" y="8685213"/>
             <a:ext cx="2971800" cy="457200"/>
           </a:xfrm>
-          <a:prstGeom prst="rect"/>
-        </p:spPr>
-        <p:txBody>
-          <a:bodyPr anchor="b" bIns="45720" lIns="91440" rIns="91440" rtlCol="0" tIns="45720" vert="horz"/>
+          <a:prstGeom prst="rect">
+            <a:avLst/>
+          </a:prstGeom>
+        </p:spPr>
+        <p:txBody>
+          <a:bodyPr vert="horz" lIns="91440" tIns="45720" rIns="91440" bIns="45720" rtlCol="0" anchor="b"/>
           <a:lstStyle>
             <a:lvl1pPr algn="l">
               <a:defRPr sz="1200"/>
@@ -342,10 +356,12 @@
             <a:off x="3884613" y="8685213"/>
             <a:ext cx="2971800" cy="457200"/>
           </a:xfrm>
-          <a:prstGeom prst="rect"/>
-        </p:spPr>
-        <p:txBody>
-          <a:bodyPr anchor="b" bIns="45720" lIns="91440" rIns="91440" rtlCol="0" tIns="45720" vert="horz"/>
+          <a:prstGeom prst="rect">
+            <a:avLst/>
+          </a:prstGeom>
+        </p:spPr>
+        <p:txBody>
+          <a:bodyPr vert="horz" lIns="91440" tIns="45720" rIns="91440" bIns="45720" rtlCol="0" anchor="b"/>
           <a:lstStyle>
             <a:lvl1pPr algn="r">
               <a:defRPr sz="1200"/>
@@ -354,6 +370,8 @@
           <a:p>
             <a:fld id="{C9236E78-45CE-48F6-ABE3-7B2C19E3EA7E}" type="slidenum">
               <a:rPr lang="en-IN" smtClean="0"/>
+              <a:pPr/>
+              <a:t>‹#›</a:t>
             </a:fld>
             <a:endParaRPr lang="en-IN"/>
           </a:p>
@@ -361,9 +379,9 @@
       </p:sp>
     </p:spTree>
   </p:cSld>
-  <p:clrMap accent1="accent1" accent2="accent2" accent3="accent3" accent4="accent4" accent5="accent5" accent6="accent6" bg1="lt1" bg2="lt2" tx1="dk1" tx2="dk2" hlink="hlink" folHlink="folHlink"/>
+  <p:clrMap bg1="lt1" tx1="dk1" bg2="lt2" tx2="dk2" accent1="accent1" accent2="accent2" accent3="accent3" accent4="accent4" accent5="accent5" accent6="accent6" hlink="hlink" folHlink="folHlink"/>
   <p:notesStyle>
-    <a:lvl1pPr algn="l" defTabSz="914400" eaLnBrk="1" hangingPunct="1" latinLnBrk="0" marL="0" rtl="0">
+    <a:lvl1pPr marL="0" algn="l" defTabSz="914400" rtl="0" eaLnBrk="1" latinLnBrk="0" hangingPunct="1">
       <a:defRPr sz="1200" kern="1200">
         <a:solidFill>
           <a:schemeClr val="tx1"/>
@@ -373,7 +391,7 @@
         <a:cs typeface="+mn-cs"/>
       </a:defRPr>
     </a:lvl1pPr>
-    <a:lvl2pPr algn="l" defTabSz="914400" eaLnBrk="1" hangingPunct="1" latinLnBrk="0" marL="457200" rtl="0">
+    <a:lvl2pPr marL="457200" algn="l" defTabSz="914400" rtl="0" eaLnBrk="1" latinLnBrk="0" hangingPunct="1">
       <a:defRPr sz="1200" kern="1200">
         <a:solidFill>
           <a:schemeClr val="tx1"/>
@@ -383,7 +401,7 @@
         <a:cs typeface="+mn-cs"/>
       </a:defRPr>
     </a:lvl2pPr>
-    <a:lvl3pPr algn="l" defTabSz="914400" eaLnBrk="1" hangingPunct="1" latinLnBrk="0" marL="914400" rtl="0">
+    <a:lvl3pPr marL="914400" algn="l" defTabSz="914400" rtl="0" eaLnBrk="1" latinLnBrk="0" hangingPunct="1">
       <a:defRPr sz="1200" kern="1200">
         <a:solidFill>
           <a:schemeClr val="tx1"/>
@@ -393,7 +411,7 @@
         <a:cs typeface="+mn-cs"/>
       </a:defRPr>
     </a:lvl3pPr>
-    <a:lvl4pPr algn="l" defTabSz="914400" eaLnBrk="1" hangingPunct="1" latinLnBrk="0" marL="1371600" rtl="0">
+    <a:lvl4pPr marL="1371600" algn="l" defTabSz="914400" rtl="0" eaLnBrk="1" latinLnBrk="0" hangingPunct="1">
       <a:defRPr sz="1200" kern="1200">
         <a:solidFill>
           <a:schemeClr val="tx1"/>
@@ -403,7 +421,7 @@
         <a:cs typeface="+mn-cs"/>
       </a:defRPr>
     </a:lvl4pPr>
-    <a:lvl5pPr algn="l" defTabSz="914400" eaLnBrk="1" hangingPunct="1" latinLnBrk="0" marL="1828800" rtl="0">
+    <a:lvl5pPr marL="1828800" algn="l" defTabSz="914400" rtl="0" eaLnBrk="1" latinLnBrk="0" hangingPunct="1">
       <a:defRPr sz="1200" kern="1200">
         <a:solidFill>
           <a:schemeClr val="tx1"/>
@@ -413,7 +431,7 @@
         <a:cs typeface="+mn-cs"/>
       </a:defRPr>
     </a:lvl5pPr>
-    <a:lvl6pPr algn="l" defTabSz="914400" eaLnBrk="1" hangingPunct="1" latinLnBrk="0" marL="2286000" rtl="0">
+    <a:lvl6pPr marL="2286000" algn="l" defTabSz="914400" rtl="0" eaLnBrk="1" latinLnBrk="0" hangingPunct="1">
       <a:defRPr sz="1200" kern="1200">
         <a:solidFill>
           <a:schemeClr val="tx1"/>
@@ -423,7 +441,7 @@
         <a:cs typeface="+mn-cs"/>
       </a:defRPr>
     </a:lvl6pPr>
-    <a:lvl7pPr algn="l" defTabSz="914400" eaLnBrk="1" hangingPunct="1" latinLnBrk="0" marL="2743200" rtl="0">
+    <a:lvl7pPr marL="2743200" algn="l" defTabSz="914400" rtl="0" eaLnBrk="1" latinLnBrk="0" hangingPunct="1">
       <a:defRPr sz="1200" kern="1200">
         <a:solidFill>
           <a:schemeClr val="tx1"/>
@@ -433,7 +451,7 @@
         <a:cs typeface="+mn-cs"/>
       </a:defRPr>
     </a:lvl7pPr>
-    <a:lvl8pPr algn="l" defTabSz="914400" eaLnBrk="1" hangingPunct="1" latinLnBrk="0" marL="3200400" rtl="0">
+    <a:lvl8pPr marL="3200400" algn="l" defTabSz="914400" rtl="0" eaLnBrk="1" latinLnBrk="0" hangingPunct="1">
       <a:defRPr sz="1200" kern="1200">
         <a:solidFill>
           <a:schemeClr val="tx1"/>
@@ -443,7 +461,7 @@
         <a:cs typeface="+mn-cs"/>
       </a:defRPr>
     </a:lvl8pPr>
-    <a:lvl9pPr algn="l" defTabSz="914400" eaLnBrk="1" hangingPunct="1" latinLnBrk="0" marL="3657600" rtl="0">
+    <a:lvl9pPr marL="3657600" algn="l" defTabSz="914400" rtl="0" eaLnBrk="1" latinLnBrk="0" hangingPunct="1">
       <a:defRPr sz="1200" kern="1200">
         <a:solidFill>
           <a:schemeClr val="tx1"/>
@@ -462,7 +480,7 @@
   <p:cSld>
     <p:spTree>
       <p:nvGrpSpPr>
-        <p:cNvPr id="43" name=""/>
+        <p:cNvPr id="1" name=""/>
         <p:cNvGrpSpPr/>
         <p:nvPr/>
       </p:nvGrpSpPr>
@@ -478,7 +496,7 @@
         <p:nvSpPr>
           <p:cNvPr id="1048647" name="Slide Image Placeholder 1"/>
           <p:cNvSpPr>
-            <a:spLocks noChangeAspect="1" noRot="1" noGrp="1"/>
+            <a:spLocks noGrp="1" noRot="1" noChangeAspect="1"/>
           </p:cNvSpPr>
           <p:nvPr>
             <p:ph type="sldImg"/>
@@ -501,8 +519,9 @@
           <a:bodyPr>
             <a:normAutofit/>
           </a:bodyPr>
-          <a:p>
-            <a:endParaRPr dirty="0" lang="en-IN"/>
+          <a:lstStyle/>
+          <a:p>
+            <a:endParaRPr lang="en-IN" dirty="0"/>
           </a:p>
         </p:txBody>
       </p:sp>
@@ -519,9 +538,12 @@
         <p:spPr/>
         <p:txBody>
           <a:bodyPr/>
+          <a:lstStyle/>
           <a:p>
             <a:fld id="{C9236E78-45CE-48F6-ABE3-7B2C19E3EA7E}" type="slidenum">
               <a:rPr lang="en-IN" smtClean="0"/>
+              <a:pPr/>
+              <a:t>8</a:t>
             </a:fld>
             <a:endParaRPr lang="en-IN"/>
           </a:p>
@@ -536,11 +558,11 @@
 </file>
 
 <file path=ppt/slideLayouts/slideLayout1.xml><?xml version="1.0" encoding="utf-8"?>
-<p:sldLayout xmlns:a="http://schemas.openxmlformats.org/drawingml/2006/main" xmlns:r="http://schemas.openxmlformats.org/officeDocument/2006/relationships" xmlns:p="http://schemas.openxmlformats.org/presentationml/2006/main" preserve="1" type="title">
+<p:sldLayout xmlns:a="http://schemas.openxmlformats.org/drawingml/2006/main" xmlns:r="http://schemas.openxmlformats.org/officeDocument/2006/relationships" xmlns:p="http://schemas.openxmlformats.org/presentationml/2006/main" type="title" preserve="1">
   <p:cSld name="Title Slide">
     <p:spTree>
       <p:nvGrpSpPr>
-        <p:cNvPr id="24" name=""/>
+        <p:cNvPr id="1" name=""/>
         <p:cNvGrpSpPr/>
         <p:nvPr/>
       </p:nvGrpSpPr>
@@ -570,6 +592,7 @@
         </p:spPr>
         <p:txBody>
           <a:bodyPr/>
+          <a:lstStyle/>
           <a:p>
             <a:r>
               <a:rPr lang="en-US" smtClean="0"/>
@@ -598,7 +621,7 @@
         <p:txBody>
           <a:bodyPr/>
           <a:lstStyle>
-            <a:lvl1pPr algn="ctr" indent="0" marL="0">
+            <a:lvl1pPr marL="0" indent="0" algn="ctr">
               <a:buNone/>
               <a:defRPr>
                 <a:solidFill>
@@ -608,7 +631,7 @@
                 </a:solidFill>
               </a:defRPr>
             </a:lvl1pPr>
-            <a:lvl2pPr algn="ctr" indent="0" marL="457200">
+            <a:lvl2pPr marL="457200" indent="0" algn="ctr">
               <a:buNone/>
               <a:defRPr>
                 <a:solidFill>
@@ -618,7 +641,7 @@
                 </a:solidFill>
               </a:defRPr>
             </a:lvl2pPr>
-            <a:lvl3pPr algn="ctr" indent="0" marL="914400">
+            <a:lvl3pPr marL="914400" indent="0" algn="ctr">
               <a:buNone/>
               <a:defRPr>
                 <a:solidFill>
@@ -628,7 +651,7 @@
                 </a:solidFill>
               </a:defRPr>
             </a:lvl3pPr>
-            <a:lvl4pPr algn="ctr" indent="0" marL="1371600">
+            <a:lvl4pPr marL="1371600" indent="0" algn="ctr">
               <a:buNone/>
               <a:defRPr>
                 <a:solidFill>
@@ -638,7 +661,7 @@
                 </a:solidFill>
               </a:defRPr>
             </a:lvl4pPr>
-            <a:lvl5pPr algn="ctr" indent="0" marL="1828800">
+            <a:lvl5pPr marL="1828800" indent="0" algn="ctr">
               <a:buNone/>
               <a:defRPr>
                 <a:solidFill>
@@ -648,7 +671,7 @@
                 </a:solidFill>
               </a:defRPr>
             </a:lvl5pPr>
-            <a:lvl6pPr algn="ctr" indent="0" marL="2286000">
+            <a:lvl6pPr marL="2286000" indent="0" algn="ctr">
               <a:buNone/>
               <a:defRPr>
                 <a:solidFill>
@@ -658,7 +681,7 @@
                 </a:solidFill>
               </a:defRPr>
             </a:lvl6pPr>
-            <a:lvl7pPr algn="ctr" indent="0" marL="2743200">
+            <a:lvl7pPr marL="2743200" indent="0" algn="ctr">
               <a:buNone/>
               <a:defRPr>
                 <a:solidFill>
@@ -668,7 +691,7 @@
                 </a:solidFill>
               </a:defRPr>
             </a:lvl7pPr>
-            <a:lvl8pPr algn="ctr" indent="0" marL="3200400">
+            <a:lvl8pPr marL="3200400" indent="0" algn="ctr">
               <a:buNone/>
               <a:defRPr>
                 <a:solidFill>
@@ -678,7 +701,7 @@
                 </a:solidFill>
               </a:defRPr>
             </a:lvl8pPr>
-            <a:lvl9pPr algn="ctr" indent="0" marL="3657600">
+            <a:lvl9pPr marL="3657600" indent="0" algn="ctr">
               <a:buNone/>
               <a:defRPr>
                 <a:solidFill>
@@ -711,9 +734,12 @@
         <p:spPr/>
         <p:txBody>
           <a:bodyPr/>
+          <a:lstStyle/>
           <a:p>
             <a:fld id="{BD0AFEF7-3319-407A-95C5-AD41993346C6}" type="datetime1">
               <a:rPr lang="en-US" smtClean="0"/>
+              <a:pPr/>
+              <a:t>1/20/2018</a:t>
             </a:fld>
             <a:endParaRPr lang="en-IN"/>
           </a:p>
@@ -732,6 +758,7 @@
         <p:spPr/>
         <p:txBody>
           <a:bodyPr/>
+          <a:lstStyle/>
           <a:p>
             <a:endParaRPr lang="en-IN"/>
           </a:p>
@@ -750,9 +777,12 @@
         <p:spPr/>
         <p:txBody>
           <a:bodyPr/>
+          <a:lstStyle/>
           <a:p>
             <a:fld id="{5D58D9AF-4558-4E0A-A928-CE81B774F127}" type="slidenum">
               <a:rPr lang="en-IN" smtClean="0"/>
+              <a:pPr/>
+              <a:t>‹#›</a:t>
             </a:fld>
             <a:endParaRPr lang="en-IN"/>
           </a:p>
@@ -770,11 +800,11 @@
 </file>
 
 <file path=ppt/slideLayouts/slideLayout10.xml><?xml version="1.0" encoding="utf-8"?>
-<p:sldLayout xmlns:a="http://schemas.openxmlformats.org/drawingml/2006/main" xmlns:r="http://schemas.openxmlformats.org/officeDocument/2006/relationships" xmlns:p="http://schemas.openxmlformats.org/presentationml/2006/main" preserve="1" type="vertTx">
+<p:sldLayout xmlns:a="http://schemas.openxmlformats.org/drawingml/2006/main" xmlns:r="http://schemas.openxmlformats.org/officeDocument/2006/relationships" xmlns:p="http://schemas.openxmlformats.org/presentationml/2006/main" type="vertTx" preserve="1">
   <p:cSld name="Title and Vertical Text">
     <p:spTree>
       <p:nvGrpSpPr>
-        <p:cNvPr id="59" name=""/>
+        <p:cNvPr id="1" name=""/>
         <p:cNvGrpSpPr/>
         <p:nvPr/>
       </p:nvGrpSpPr>
@@ -799,6 +829,7 @@
         <p:spPr/>
         <p:txBody>
           <a:bodyPr/>
+          <a:lstStyle/>
           <a:p>
             <a:r>
               <a:rPr lang="en-US" smtClean="0"/>
@@ -821,6 +852,7 @@
         <p:spPr/>
         <p:txBody>
           <a:bodyPr vert="eaVert"/>
+          <a:lstStyle/>
           <a:p>
             <a:pPr lvl="0"/>
             <a:r>
@@ -872,9 +904,12 @@
         <p:spPr/>
         <p:txBody>
           <a:bodyPr/>
+          <a:lstStyle/>
           <a:p>
             <a:fld id="{B46A9CE4-CA11-4BCA-89C1-1D2953A28745}" type="datetime1">
               <a:rPr lang="en-US" smtClean="0"/>
+              <a:pPr/>
+              <a:t>1/20/2018</a:t>
             </a:fld>
             <a:endParaRPr lang="en-IN"/>
           </a:p>
@@ -893,6 +928,7 @@
         <p:spPr/>
         <p:txBody>
           <a:bodyPr/>
+          <a:lstStyle/>
           <a:p>
             <a:endParaRPr lang="en-IN"/>
           </a:p>
@@ -911,9 +947,12 @@
         <p:spPr/>
         <p:txBody>
           <a:bodyPr/>
+          <a:lstStyle/>
           <a:p>
             <a:fld id="{5D58D9AF-4558-4E0A-A928-CE81B774F127}" type="slidenum">
               <a:rPr lang="en-IN" smtClean="0"/>
+              <a:pPr/>
+              <a:t>‹#›</a:t>
             </a:fld>
             <a:endParaRPr lang="en-IN"/>
           </a:p>
@@ -931,11 +970,11 @@
 </file>
 
 <file path=ppt/slideLayouts/slideLayout11.xml><?xml version="1.0" encoding="utf-8"?>
-<p:sldLayout xmlns:a="http://schemas.openxmlformats.org/drawingml/2006/main" xmlns:r="http://schemas.openxmlformats.org/officeDocument/2006/relationships" xmlns:p="http://schemas.openxmlformats.org/presentationml/2006/main" preserve="1" type="vertTitleAndTx">
+<p:sldLayout xmlns:a="http://schemas.openxmlformats.org/drawingml/2006/main" xmlns:r="http://schemas.openxmlformats.org/officeDocument/2006/relationships" xmlns:p="http://schemas.openxmlformats.org/presentationml/2006/main" type="vertTitleAndTx" preserve="1">
   <p:cSld name="Vertical Title and Text">
     <p:spTree>
       <p:nvGrpSpPr>
-        <p:cNvPr id="56" name=""/>
+        <p:cNvPr id="1" name=""/>
         <p:cNvGrpSpPr/>
         <p:nvPr/>
       </p:nvGrpSpPr>
@@ -965,6 +1004,7 @@
         </p:spPr>
         <p:txBody>
           <a:bodyPr vert="eaVert"/>
+          <a:lstStyle/>
           <a:p>
             <a:r>
               <a:rPr lang="en-US" smtClean="0"/>
@@ -992,6 +1032,7 @@
         </p:spPr>
         <p:txBody>
           <a:bodyPr vert="eaVert"/>
+          <a:lstStyle/>
           <a:p>
             <a:pPr lvl="0"/>
             <a:r>
@@ -1043,9 +1084,12 @@
         <p:spPr/>
         <p:txBody>
           <a:bodyPr/>
+          <a:lstStyle/>
           <a:p>
             <a:fld id="{10A78B6A-2252-446B-892E-F59D2A232950}" type="datetime1">
               <a:rPr lang="en-US" smtClean="0"/>
+              <a:pPr/>
+              <a:t>1/20/2018</a:t>
             </a:fld>
             <a:endParaRPr lang="en-IN"/>
           </a:p>
@@ -1064,6 +1108,7 @@
         <p:spPr/>
         <p:txBody>
           <a:bodyPr/>
+          <a:lstStyle/>
           <a:p>
             <a:endParaRPr lang="en-IN"/>
           </a:p>
@@ -1082,9 +1127,12 @@
         <p:spPr/>
         <p:txBody>
           <a:bodyPr/>
+          <a:lstStyle/>
           <a:p>
             <a:fld id="{5D58D9AF-4558-4E0A-A928-CE81B774F127}" type="slidenum">
               <a:rPr lang="en-IN" smtClean="0"/>
+              <a:pPr/>
+              <a:t>‹#›</a:t>
             </a:fld>
             <a:endParaRPr lang="en-IN"/>
           </a:p>
@@ -1102,11 +1150,11 @@
 </file>
 
 <file path=ppt/slideLayouts/slideLayout2.xml><?xml version="1.0" encoding="utf-8"?>
-<p:sldLayout xmlns:a="http://schemas.openxmlformats.org/drawingml/2006/main" xmlns:r="http://schemas.openxmlformats.org/officeDocument/2006/relationships" xmlns:p="http://schemas.openxmlformats.org/presentationml/2006/main" preserve="1" type="obj">
+<p:sldLayout xmlns:a="http://schemas.openxmlformats.org/drawingml/2006/main" xmlns:r="http://schemas.openxmlformats.org/officeDocument/2006/relationships" xmlns:p="http://schemas.openxmlformats.org/presentationml/2006/main" type="obj" preserve="1">
   <p:cSld name="Title and Content">
     <p:spTree>
       <p:nvGrpSpPr>
-        <p:cNvPr id="33" name=""/>
+        <p:cNvPr id="1" name=""/>
         <p:cNvGrpSpPr/>
         <p:nvPr/>
       </p:nvGrpSpPr>
@@ -1131,6 +1179,7 @@
         <p:spPr/>
         <p:txBody>
           <a:bodyPr/>
+          <a:lstStyle/>
           <a:p>
             <a:r>
               <a:rPr lang="en-US" smtClean="0"/>
@@ -1153,6 +1202,7 @@
         <p:spPr/>
         <p:txBody>
           <a:bodyPr/>
+          <a:lstStyle/>
           <a:p>
             <a:pPr lvl="0"/>
             <a:r>
@@ -1204,9 +1254,12 @@
         <p:spPr/>
         <p:txBody>
           <a:bodyPr/>
+          <a:lstStyle/>
           <a:p>
             <a:fld id="{4F2F26B5-F710-420A-BA0B-BAB85524BAB1}" type="datetime1">
               <a:rPr lang="en-US" smtClean="0"/>
+              <a:pPr/>
+              <a:t>1/20/2018</a:t>
             </a:fld>
             <a:endParaRPr lang="en-IN"/>
           </a:p>
@@ -1225,6 +1278,7 @@
         <p:spPr/>
         <p:txBody>
           <a:bodyPr/>
+          <a:lstStyle/>
           <a:p>
             <a:endParaRPr lang="en-IN"/>
           </a:p>
@@ -1243,9 +1297,12 @@
         <p:spPr/>
         <p:txBody>
           <a:bodyPr/>
+          <a:lstStyle/>
           <a:p>
             <a:fld id="{5D58D9AF-4558-4E0A-A928-CE81B774F127}" type="slidenum">
               <a:rPr lang="en-IN" smtClean="0"/>
+              <a:pPr/>
+              <a:t>‹#›</a:t>
             </a:fld>
             <a:endParaRPr lang="en-IN"/>
           </a:p>
@@ -1263,11 +1320,11 @@
 </file>
 
 <file path=ppt/slideLayouts/slideLayout3.xml><?xml version="1.0" encoding="utf-8"?>
-<p:sldLayout xmlns:a="http://schemas.openxmlformats.org/drawingml/2006/main" xmlns:r="http://schemas.openxmlformats.org/officeDocument/2006/relationships" xmlns:p="http://schemas.openxmlformats.org/presentationml/2006/main" preserve="1" type="secHead">
+<p:sldLayout xmlns:a="http://schemas.openxmlformats.org/drawingml/2006/main" xmlns:r="http://schemas.openxmlformats.org/officeDocument/2006/relationships" xmlns:p="http://schemas.openxmlformats.org/presentationml/2006/main" type="secHead" preserve="1">
   <p:cSld name="Section Header">
     <p:spTree>
       <p:nvGrpSpPr>
-        <p:cNvPr id="58" name=""/>
+        <p:cNvPr id="1" name=""/>
         <p:cNvGrpSpPr/>
         <p:nvPr/>
       </p:nvGrpSpPr>
@@ -1299,7 +1356,7 @@
           <a:bodyPr anchor="t"/>
           <a:lstStyle>
             <a:lvl1pPr algn="l">
-              <a:defRPr b="1" cap="all" sz="4000"/>
+              <a:defRPr sz="4000" b="1" cap="all"/>
             </a:lvl1pPr>
           </a:lstStyle>
           <a:p>
@@ -1330,7 +1387,7 @@
         <p:txBody>
           <a:bodyPr anchor="b"/>
           <a:lstStyle>
-            <a:lvl1pPr indent="0" marL="0">
+            <a:lvl1pPr marL="0" indent="0">
               <a:buNone/>
               <a:defRPr sz="2000">
                 <a:solidFill>
@@ -1340,7 +1397,7 @@
                 </a:solidFill>
               </a:defRPr>
             </a:lvl1pPr>
-            <a:lvl2pPr indent="0" marL="457200">
+            <a:lvl2pPr marL="457200" indent="0">
               <a:buNone/>
               <a:defRPr sz="1800">
                 <a:solidFill>
@@ -1350,7 +1407,7 @@
                 </a:solidFill>
               </a:defRPr>
             </a:lvl2pPr>
-            <a:lvl3pPr indent="0" marL="914400">
+            <a:lvl3pPr marL="914400" indent="0">
               <a:buNone/>
               <a:defRPr sz="1600">
                 <a:solidFill>
@@ -1360,7 +1417,7 @@
                 </a:solidFill>
               </a:defRPr>
             </a:lvl3pPr>
-            <a:lvl4pPr indent="0" marL="1371600">
+            <a:lvl4pPr marL="1371600" indent="0">
               <a:buNone/>
               <a:defRPr sz="1400">
                 <a:solidFill>
@@ -1370,7 +1427,7 @@
                 </a:solidFill>
               </a:defRPr>
             </a:lvl4pPr>
-            <a:lvl5pPr indent="0" marL="1828800">
+            <a:lvl5pPr marL="1828800" indent="0">
               <a:buNone/>
               <a:defRPr sz="1400">
                 <a:solidFill>
@@ -1380,7 +1437,7 @@
                 </a:solidFill>
               </a:defRPr>
             </a:lvl5pPr>
-            <a:lvl6pPr indent="0" marL="2286000">
+            <a:lvl6pPr marL="2286000" indent="0">
               <a:buNone/>
               <a:defRPr sz="1400">
                 <a:solidFill>
@@ -1390,7 +1447,7 @@
                 </a:solidFill>
               </a:defRPr>
             </a:lvl6pPr>
-            <a:lvl7pPr indent="0" marL="2743200">
+            <a:lvl7pPr marL="2743200" indent="0">
               <a:buNone/>
               <a:defRPr sz="1400">
                 <a:solidFill>
@@ -1400,7 +1457,7 @@
                 </a:solidFill>
               </a:defRPr>
             </a:lvl7pPr>
-            <a:lvl8pPr indent="0" marL="3200400">
+            <a:lvl8pPr marL="3200400" indent="0">
               <a:buNone/>
               <a:defRPr sz="1400">
                 <a:solidFill>
@@ -1410,7 +1467,7 @@
                 </a:solidFill>
               </a:defRPr>
             </a:lvl8pPr>
-            <a:lvl9pPr indent="0" marL="3657600">
+            <a:lvl9pPr marL="3657600" indent="0">
               <a:buNone/>
               <a:defRPr sz="1400">
                 <a:solidFill>
@@ -1443,9 +1500,12 @@
         <p:spPr/>
         <p:txBody>
           <a:bodyPr/>
+          <a:lstStyle/>
           <a:p>
             <a:fld id="{FAC94E6D-E117-4F22-8941-746F114E969A}" type="datetime1">
               <a:rPr lang="en-US" smtClean="0"/>
+              <a:pPr/>
+              <a:t>1/20/2018</a:t>
             </a:fld>
             <a:endParaRPr lang="en-IN"/>
           </a:p>
@@ -1464,6 +1524,7 @@
         <p:spPr/>
         <p:txBody>
           <a:bodyPr/>
+          <a:lstStyle/>
           <a:p>
             <a:endParaRPr lang="en-IN"/>
           </a:p>
@@ -1482,9 +1543,12 @@
         <p:spPr/>
         <p:txBody>
           <a:bodyPr/>
+          <a:lstStyle/>
           <a:p>
             <a:fld id="{5D58D9AF-4558-4E0A-A928-CE81B774F127}" type="slidenum">
               <a:rPr lang="en-IN" smtClean="0"/>
+              <a:pPr/>
+              <a:t>‹#›</a:t>
             </a:fld>
             <a:endParaRPr lang="en-IN"/>
           </a:p>
@@ -1502,11 +1566,11 @@
 </file>
 
 <file path=ppt/slideLayouts/slideLayout4.xml><?xml version="1.0" encoding="utf-8"?>
-<p:sldLayout xmlns:a="http://schemas.openxmlformats.org/drawingml/2006/main" xmlns:r="http://schemas.openxmlformats.org/officeDocument/2006/relationships" xmlns:p="http://schemas.openxmlformats.org/presentationml/2006/main" preserve="1" type="twoObj">
+<p:sldLayout xmlns:a="http://schemas.openxmlformats.org/drawingml/2006/main" xmlns:r="http://schemas.openxmlformats.org/officeDocument/2006/relationships" xmlns:p="http://schemas.openxmlformats.org/presentationml/2006/main" type="twoObj" preserve="1">
   <p:cSld name="Two Content">
     <p:spTree>
       <p:nvGrpSpPr>
-        <p:cNvPr id="54" name=""/>
+        <p:cNvPr id="1" name=""/>
         <p:cNvGrpSpPr/>
         <p:nvPr/>
       </p:nvGrpSpPr>
@@ -1531,6 +1595,7 @@
         <p:spPr/>
         <p:txBody>
           <a:bodyPr/>
+          <a:lstStyle/>
           <a:p>
             <a:r>
               <a:rPr lang="en-US" smtClean="0"/>
@@ -1723,9 +1788,12 @@
         <p:spPr/>
         <p:txBody>
           <a:bodyPr/>
+          <a:lstStyle/>
           <a:p>
             <a:fld id="{C1A08B55-8F00-4339-B1D3-CD44C9DEFAEF}" type="datetime1">
               <a:rPr lang="en-US" smtClean="0"/>
+              <a:pPr/>
+              <a:t>1/20/2018</a:t>
             </a:fld>
             <a:endParaRPr lang="en-IN"/>
           </a:p>
@@ -1744,6 +1812,7 @@
         <p:spPr/>
         <p:txBody>
           <a:bodyPr/>
+          <a:lstStyle/>
           <a:p>
             <a:endParaRPr lang="en-IN"/>
           </a:p>
@@ -1762,9 +1831,12 @@
         <p:spPr/>
         <p:txBody>
           <a:bodyPr/>
+          <a:lstStyle/>
           <a:p>
             <a:fld id="{5D58D9AF-4558-4E0A-A928-CE81B774F127}" type="slidenum">
               <a:rPr lang="en-IN" smtClean="0"/>
+              <a:pPr/>
+              <a:t>‹#›</a:t>
             </a:fld>
             <a:endParaRPr lang="en-IN"/>
           </a:p>
@@ -1782,11 +1854,11 @@
 </file>
 
 <file path=ppt/slideLayouts/slideLayout5.xml><?xml version="1.0" encoding="utf-8"?>
-<p:sldLayout xmlns:a="http://schemas.openxmlformats.org/drawingml/2006/main" xmlns:r="http://schemas.openxmlformats.org/officeDocument/2006/relationships" xmlns:p="http://schemas.openxmlformats.org/presentationml/2006/main" preserve="1" type="twoTxTwoObj">
+<p:sldLayout xmlns:a="http://schemas.openxmlformats.org/drawingml/2006/main" xmlns:r="http://schemas.openxmlformats.org/officeDocument/2006/relationships" xmlns:p="http://schemas.openxmlformats.org/presentationml/2006/main" type="twoTxTwoObj" preserve="1">
   <p:cSld name="Comparison">
     <p:spTree>
       <p:nvGrpSpPr>
-        <p:cNvPr id="36" name=""/>
+        <p:cNvPr id="1" name=""/>
         <p:cNvGrpSpPr/>
         <p:nvPr/>
       </p:nvGrpSpPr>
@@ -1811,6 +1883,7 @@
         <p:spPr/>
         <p:txBody>
           <a:bodyPr/>
+          <a:lstStyle/>
           <a:p>
             <a:r>
               <a:rPr lang="en-US" smtClean="0"/>
@@ -1839,41 +1912,41 @@
         <p:txBody>
           <a:bodyPr anchor="b"/>
           <a:lstStyle>
-            <a:lvl1pPr indent="0" marL="0">
-              <a:buNone/>
-              <a:defRPr b="1" sz="2400"/>
+            <a:lvl1pPr marL="0" indent="0">
+              <a:buNone/>
+              <a:defRPr sz="2400" b="1"/>
             </a:lvl1pPr>
-            <a:lvl2pPr indent="0" marL="457200">
-              <a:buNone/>
-              <a:defRPr b="1" sz="2000"/>
+            <a:lvl2pPr marL="457200" indent="0">
+              <a:buNone/>
+              <a:defRPr sz="2000" b="1"/>
             </a:lvl2pPr>
-            <a:lvl3pPr indent="0" marL="914400">
-              <a:buNone/>
-              <a:defRPr b="1" sz="1800"/>
+            <a:lvl3pPr marL="914400" indent="0">
+              <a:buNone/>
+              <a:defRPr sz="1800" b="1"/>
             </a:lvl3pPr>
-            <a:lvl4pPr indent="0" marL="1371600">
-              <a:buNone/>
-              <a:defRPr b="1" sz="1600"/>
+            <a:lvl4pPr marL="1371600" indent="0">
+              <a:buNone/>
+              <a:defRPr sz="1600" b="1"/>
             </a:lvl4pPr>
-            <a:lvl5pPr indent="0" marL="1828800">
-              <a:buNone/>
-              <a:defRPr b="1" sz="1600"/>
+            <a:lvl5pPr marL="1828800" indent="0">
+              <a:buNone/>
+              <a:defRPr sz="1600" b="1"/>
             </a:lvl5pPr>
-            <a:lvl6pPr indent="0" marL="2286000">
-              <a:buNone/>
-              <a:defRPr b="1" sz="1600"/>
+            <a:lvl6pPr marL="2286000" indent="0">
+              <a:buNone/>
+              <a:defRPr sz="1600" b="1"/>
             </a:lvl6pPr>
-            <a:lvl7pPr indent="0" marL="2743200">
-              <a:buNone/>
-              <a:defRPr b="1" sz="1600"/>
+            <a:lvl7pPr marL="2743200" indent="0">
+              <a:buNone/>
+              <a:defRPr sz="1600" b="1"/>
             </a:lvl7pPr>
-            <a:lvl8pPr indent="0" marL="3200400">
-              <a:buNone/>
-              <a:defRPr b="1" sz="1600"/>
+            <a:lvl8pPr marL="3200400" indent="0">
+              <a:buNone/>
+              <a:defRPr sz="1600" b="1"/>
             </a:lvl8pPr>
-            <a:lvl9pPr indent="0" marL="3657600">
-              <a:buNone/>
-              <a:defRPr b="1" sz="1600"/>
+            <a:lvl9pPr marL="3657600" indent="0">
+              <a:buNone/>
+              <a:defRPr sz="1600" b="1"/>
             </a:lvl9pPr>
           </a:lstStyle>
           <a:p>
@@ -1989,41 +2062,41 @@
         <p:txBody>
           <a:bodyPr anchor="b"/>
           <a:lstStyle>
-            <a:lvl1pPr indent="0" marL="0">
-              <a:buNone/>
-              <a:defRPr b="1" sz="2400"/>
+            <a:lvl1pPr marL="0" indent="0">
+              <a:buNone/>
+              <a:defRPr sz="2400" b="1"/>
             </a:lvl1pPr>
-            <a:lvl2pPr indent="0" marL="457200">
-              <a:buNone/>
-              <a:defRPr b="1" sz="2000"/>
+            <a:lvl2pPr marL="457200" indent="0">
+              <a:buNone/>
+              <a:defRPr sz="2000" b="1"/>
             </a:lvl2pPr>
-            <a:lvl3pPr indent="0" marL="914400">
-              <a:buNone/>
-              <a:defRPr b="1" sz="1800"/>
+            <a:lvl3pPr marL="914400" indent="0">
+              <a:buNone/>
+              <a:defRPr sz="1800" b="1"/>
             </a:lvl3pPr>
-            <a:lvl4pPr indent="0" marL="1371600">
-              <a:buNone/>
-              <a:defRPr b="1" sz="1600"/>
+            <a:lvl4pPr marL="1371600" indent="0">
+              <a:buNone/>
+              <a:defRPr sz="1600" b="1"/>
             </a:lvl4pPr>
-            <a:lvl5pPr indent="0" marL="1828800">
-              <a:buNone/>
-              <a:defRPr b="1" sz="1600"/>
+            <a:lvl5pPr marL="1828800" indent="0">
+              <a:buNone/>
+              <a:defRPr sz="1600" b="1"/>
             </a:lvl5pPr>
-            <a:lvl6pPr indent="0" marL="2286000">
-              <a:buNone/>
-              <a:defRPr b="1" sz="1600"/>
+            <a:lvl6pPr marL="2286000" indent="0">
+              <a:buNone/>
+              <a:defRPr sz="1600" b="1"/>
             </a:lvl6pPr>
-            <a:lvl7pPr indent="0" marL="2743200">
-              <a:buNone/>
-              <a:defRPr b="1" sz="1600"/>
+            <a:lvl7pPr marL="2743200" indent="0">
+              <a:buNone/>
+              <a:defRPr sz="1600" b="1"/>
             </a:lvl7pPr>
-            <a:lvl8pPr indent="0" marL="3200400">
-              <a:buNone/>
-              <a:defRPr b="1" sz="1600"/>
+            <a:lvl8pPr marL="3200400" indent="0">
+              <a:buNone/>
+              <a:defRPr sz="1600" b="1"/>
             </a:lvl8pPr>
-            <a:lvl9pPr indent="0" marL="3657600">
-              <a:buNone/>
-              <a:defRPr b="1" sz="1600"/>
+            <a:lvl9pPr marL="3657600" indent="0">
+              <a:buNone/>
+              <a:defRPr sz="1600" b="1"/>
             </a:lvl9pPr>
           </a:lstStyle>
           <a:p>
@@ -2133,9 +2206,12 @@
         <p:spPr/>
         <p:txBody>
           <a:bodyPr/>
+          <a:lstStyle/>
           <a:p>
             <a:fld id="{474388DE-5997-4288-B776-D3204D2BA7C1}" type="datetime1">
               <a:rPr lang="en-US" smtClean="0"/>
+              <a:pPr/>
+              <a:t>1/20/2018</a:t>
             </a:fld>
             <a:endParaRPr lang="en-IN"/>
           </a:p>
@@ -2154,6 +2230,7 @@
         <p:spPr/>
         <p:txBody>
           <a:bodyPr/>
+          <a:lstStyle/>
           <a:p>
             <a:endParaRPr lang="en-IN"/>
           </a:p>
@@ -2172,9 +2249,12 @@
         <p:spPr/>
         <p:txBody>
           <a:bodyPr/>
+          <a:lstStyle/>
           <a:p>
             <a:fld id="{5D58D9AF-4558-4E0A-A928-CE81B774F127}" type="slidenum">
               <a:rPr lang="en-IN" smtClean="0"/>
+              <a:pPr/>
+              <a:t>‹#›</a:t>
             </a:fld>
             <a:endParaRPr lang="en-IN"/>
           </a:p>
@@ -2192,11 +2272,11 @@
 </file>
 
 <file path=ppt/slideLayouts/slideLayout6.xml><?xml version="1.0" encoding="utf-8"?>
-<p:sldLayout xmlns:a="http://schemas.openxmlformats.org/drawingml/2006/main" xmlns:r="http://schemas.openxmlformats.org/officeDocument/2006/relationships" xmlns:p="http://schemas.openxmlformats.org/presentationml/2006/main" preserve="1" type="titleOnly">
+<p:sldLayout xmlns:a="http://schemas.openxmlformats.org/drawingml/2006/main" xmlns:r="http://schemas.openxmlformats.org/officeDocument/2006/relationships" xmlns:p="http://schemas.openxmlformats.org/presentationml/2006/main" type="titleOnly" preserve="1">
   <p:cSld name="Title Only">
     <p:spTree>
       <p:nvGrpSpPr>
-        <p:cNvPr id="55" name=""/>
+        <p:cNvPr id="1" name=""/>
         <p:cNvGrpSpPr/>
         <p:nvPr/>
       </p:nvGrpSpPr>
@@ -2221,6 +2301,7 @@
         <p:spPr/>
         <p:txBody>
           <a:bodyPr/>
+          <a:lstStyle/>
           <a:p>
             <a:r>
               <a:rPr lang="en-US" smtClean="0"/>
@@ -2243,9 +2324,12 @@
         <p:spPr/>
         <p:txBody>
           <a:bodyPr/>
+          <a:lstStyle/>
           <a:p>
             <a:fld id="{810A0912-86DE-40A7-BB26-FA736552E5D3}" type="datetime1">
               <a:rPr lang="en-US" smtClean="0"/>
+              <a:pPr/>
+              <a:t>1/20/2018</a:t>
             </a:fld>
             <a:endParaRPr lang="en-IN"/>
           </a:p>
@@ -2264,6 +2348,7 @@
         <p:spPr/>
         <p:txBody>
           <a:bodyPr/>
+          <a:lstStyle/>
           <a:p>
             <a:endParaRPr lang="en-IN"/>
           </a:p>
@@ -2282,9 +2367,12 @@
         <p:spPr/>
         <p:txBody>
           <a:bodyPr/>
+          <a:lstStyle/>
           <a:p>
             <a:fld id="{5D58D9AF-4558-4E0A-A928-CE81B774F127}" type="slidenum">
               <a:rPr lang="en-IN" smtClean="0"/>
+              <a:pPr/>
+              <a:t>‹#›</a:t>
             </a:fld>
             <a:endParaRPr lang="en-IN"/>
           </a:p>
@@ -2302,11 +2390,11 @@
 </file>
 
 <file path=ppt/slideLayouts/slideLayout7.xml><?xml version="1.0" encoding="utf-8"?>
-<p:sldLayout xmlns:a="http://schemas.openxmlformats.org/drawingml/2006/main" xmlns:r="http://schemas.openxmlformats.org/officeDocument/2006/relationships" xmlns:p="http://schemas.openxmlformats.org/presentationml/2006/main" preserve="1" type="blank">
+<p:sldLayout xmlns:a="http://schemas.openxmlformats.org/drawingml/2006/main" xmlns:r="http://schemas.openxmlformats.org/officeDocument/2006/relationships" xmlns:p="http://schemas.openxmlformats.org/presentationml/2006/main" type="blank" preserve="1">
   <p:cSld name="Blank">
     <p:spTree>
       <p:nvGrpSpPr>
-        <p:cNvPr id="52" name=""/>
+        <p:cNvPr id="1" name=""/>
         <p:cNvGrpSpPr/>
         <p:nvPr/>
       </p:nvGrpSpPr>
@@ -2331,9 +2419,12 @@
         <p:spPr/>
         <p:txBody>
           <a:bodyPr/>
+          <a:lstStyle/>
           <a:p>
             <a:fld id="{03C40EDB-F0DD-4835-88DD-5C436AC7DCD6}" type="datetime1">
               <a:rPr lang="en-US" smtClean="0"/>
+              <a:pPr/>
+              <a:t>1/20/2018</a:t>
             </a:fld>
             <a:endParaRPr lang="en-IN"/>
           </a:p>
@@ -2352,6 +2443,7 @@
         <p:spPr/>
         <p:txBody>
           <a:bodyPr/>
+          <a:lstStyle/>
           <a:p>
             <a:endParaRPr lang="en-IN"/>
           </a:p>
@@ -2370,9 +2462,12 @@
         <p:spPr/>
         <p:txBody>
           <a:bodyPr/>
+          <a:lstStyle/>
           <a:p>
             <a:fld id="{5D58D9AF-4558-4E0A-A928-CE81B774F127}" type="slidenum">
               <a:rPr lang="en-IN" smtClean="0"/>
+              <a:pPr/>
+              <a:t>‹#›</a:t>
             </a:fld>
             <a:endParaRPr lang="en-IN"/>
           </a:p>
@@ -2390,11 +2485,11 @@
 </file>
 
 <file path=ppt/slideLayouts/slideLayout8.xml><?xml version="1.0" encoding="utf-8"?>
-<p:sldLayout xmlns:a="http://schemas.openxmlformats.org/drawingml/2006/main" xmlns:r="http://schemas.openxmlformats.org/officeDocument/2006/relationships" xmlns:p="http://schemas.openxmlformats.org/presentationml/2006/main" preserve="1" type="objTx">
+<p:sldLayout xmlns:a="http://schemas.openxmlformats.org/drawingml/2006/main" xmlns:r="http://schemas.openxmlformats.org/officeDocument/2006/relationships" xmlns:p="http://schemas.openxmlformats.org/presentationml/2006/main" type="objTx" preserve="1">
   <p:cSld name="Content with Caption">
     <p:spTree>
       <p:nvGrpSpPr>
-        <p:cNvPr id="60" name=""/>
+        <p:cNvPr id="1" name=""/>
         <p:cNvGrpSpPr/>
         <p:nvPr/>
       </p:nvGrpSpPr>
@@ -2426,7 +2521,7 @@
           <a:bodyPr anchor="b"/>
           <a:lstStyle>
             <a:lvl1pPr algn="l">
-              <a:defRPr b="1" sz="2000"/>
+              <a:defRPr sz="2000" b="1"/>
             </a:lvl1pPr>
           </a:lstStyle>
           <a:p>
@@ -2542,39 +2637,39 @@
         <p:txBody>
           <a:bodyPr/>
           <a:lstStyle>
-            <a:lvl1pPr indent="0" marL="0">
+            <a:lvl1pPr marL="0" indent="0">
               <a:buNone/>
               <a:defRPr sz="1400"/>
             </a:lvl1pPr>
-            <a:lvl2pPr indent="0" marL="457200">
+            <a:lvl2pPr marL="457200" indent="0">
               <a:buNone/>
               <a:defRPr sz="1200"/>
             </a:lvl2pPr>
-            <a:lvl3pPr indent="0" marL="914400">
+            <a:lvl3pPr marL="914400" indent="0">
               <a:buNone/>
               <a:defRPr sz="1000"/>
             </a:lvl3pPr>
-            <a:lvl4pPr indent="0" marL="1371600">
+            <a:lvl4pPr marL="1371600" indent="0">
               <a:buNone/>
               <a:defRPr sz="900"/>
             </a:lvl4pPr>
-            <a:lvl5pPr indent="0" marL="1828800">
+            <a:lvl5pPr marL="1828800" indent="0">
               <a:buNone/>
               <a:defRPr sz="900"/>
             </a:lvl5pPr>
-            <a:lvl6pPr indent="0" marL="2286000">
+            <a:lvl6pPr marL="2286000" indent="0">
               <a:buNone/>
               <a:defRPr sz="900"/>
             </a:lvl6pPr>
-            <a:lvl7pPr indent="0" marL="2743200">
+            <a:lvl7pPr marL="2743200" indent="0">
               <a:buNone/>
               <a:defRPr sz="900"/>
             </a:lvl7pPr>
-            <a:lvl8pPr indent="0" marL="3200400">
+            <a:lvl8pPr marL="3200400" indent="0">
               <a:buNone/>
               <a:defRPr sz="900"/>
             </a:lvl8pPr>
-            <a:lvl9pPr indent="0" marL="3657600">
+            <a:lvl9pPr marL="3657600" indent="0">
               <a:buNone/>
               <a:defRPr sz="900"/>
             </a:lvl9pPr>
@@ -2601,9 +2696,12 @@
         <p:spPr/>
         <p:txBody>
           <a:bodyPr/>
+          <a:lstStyle/>
           <a:p>
             <a:fld id="{555A8E3D-FBE7-4907-AF96-D945EF7CB5D4}" type="datetime1">
               <a:rPr lang="en-US" smtClean="0"/>
+              <a:pPr/>
+              <a:t>1/20/2018</a:t>
             </a:fld>
             <a:endParaRPr lang="en-IN"/>
           </a:p>
@@ -2622,6 +2720,7 @@
         <p:spPr/>
         <p:txBody>
           <a:bodyPr/>
+          <a:lstStyle/>
           <a:p>
             <a:endParaRPr lang="en-IN"/>
           </a:p>
@@ -2640,9 +2739,12 @@
         <p:spPr/>
         <p:txBody>
           <a:bodyPr/>
+          <a:lstStyle/>
           <a:p>
             <a:fld id="{5D58D9AF-4558-4E0A-A928-CE81B774F127}" type="slidenum">
               <a:rPr lang="en-IN" smtClean="0"/>
+              <a:pPr/>
+              <a:t>‹#›</a:t>
             </a:fld>
             <a:endParaRPr lang="en-IN"/>
           </a:p>
@@ -2660,11 +2762,11 @@
 </file>
 
 <file path=ppt/slideLayouts/slideLayout9.xml><?xml version="1.0" encoding="utf-8"?>
-<p:sldLayout xmlns:a="http://schemas.openxmlformats.org/drawingml/2006/main" xmlns:r="http://schemas.openxmlformats.org/officeDocument/2006/relationships" xmlns:p="http://schemas.openxmlformats.org/presentationml/2006/main" preserve="1" type="picTx">
+<p:sldLayout xmlns:a="http://schemas.openxmlformats.org/drawingml/2006/main" xmlns:r="http://schemas.openxmlformats.org/officeDocument/2006/relationships" xmlns:p="http://schemas.openxmlformats.org/presentationml/2006/main" type="picTx" preserve="1">
   <p:cSld name="Picture with Caption">
     <p:spTree>
       <p:nvGrpSpPr>
-        <p:cNvPr id="57" name=""/>
+        <p:cNvPr id="1" name=""/>
         <p:cNvGrpSpPr/>
         <p:nvPr/>
       </p:nvGrpSpPr>
@@ -2696,7 +2798,7 @@
           <a:bodyPr anchor="b"/>
           <a:lstStyle>
             <a:lvl1pPr algn="l">
-              <a:defRPr b="1" sz="2000"/>
+              <a:defRPr sz="2000" b="1"/>
             </a:lvl1pPr>
           </a:lstStyle>
           <a:p>
@@ -2727,39 +2829,39 @@
         <p:txBody>
           <a:bodyPr/>
           <a:lstStyle>
-            <a:lvl1pPr indent="0" marL="0">
+            <a:lvl1pPr marL="0" indent="0">
               <a:buNone/>
               <a:defRPr sz="3200"/>
             </a:lvl1pPr>
-            <a:lvl2pPr indent="0" marL="457200">
+            <a:lvl2pPr marL="457200" indent="0">
               <a:buNone/>
               <a:defRPr sz="2800"/>
             </a:lvl2pPr>
-            <a:lvl3pPr indent="0" marL="914400">
+            <a:lvl3pPr marL="914400" indent="0">
               <a:buNone/>
               <a:defRPr sz="2400"/>
             </a:lvl3pPr>
-            <a:lvl4pPr indent="0" marL="1371600">
+            <a:lvl4pPr marL="1371600" indent="0">
               <a:buNone/>
               <a:defRPr sz="2000"/>
             </a:lvl4pPr>
-            <a:lvl5pPr indent="0" marL="1828800">
+            <a:lvl5pPr marL="1828800" indent="0">
               <a:buNone/>
               <a:defRPr sz="2000"/>
             </a:lvl5pPr>
-            <a:lvl6pPr indent="0" marL="2286000">
+            <a:lvl6pPr marL="2286000" indent="0">
               <a:buNone/>
               <a:defRPr sz="2000"/>
             </a:lvl6pPr>
-            <a:lvl7pPr indent="0" marL="2743200">
+            <a:lvl7pPr marL="2743200" indent="0">
               <a:buNone/>
               <a:defRPr sz="2000"/>
             </a:lvl7pPr>
-            <a:lvl8pPr indent="0" marL="3200400">
+            <a:lvl8pPr marL="3200400" indent="0">
               <a:buNone/>
               <a:defRPr sz="2000"/>
             </a:lvl8pPr>
-            <a:lvl9pPr indent="0" marL="3657600">
+            <a:lvl9pPr marL="3657600" indent="0">
               <a:buNone/>
               <a:defRPr sz="2000"/>
             </a:lvl9pPr>
@@ -2788,39 +2890,39 @@
         <p:txBody>
           <a:bodyPr/>
           <a:lstStyle>
-            <a:lvl1pPr indent="0" marL="0">
+            <a:lvl1pPr marL="0" indent="0">
               <a:buNone/>
               <a:defRPr sz="1400"/>
             </a:lvl1pPr>
-            <a:lvl2pPr indent="0" marL="457200">
+            <a:lvl2pPr marL="457200" indent="0">
               <a:buNone/>
               <a:defRPr sz="1200"/>
             </a:lvl2pPr>
-            <a:lvl3pPr indent="0" marL="914400">
+            <a:lvl3pPr marL="914400" indent="0">
               <a:buNone/>
               <a:defRPr sz="1000"/>
             </a:lvl3pPr>
-            <a:lvl4pPr indent="0" marL="1371600">
+            <a:lvl4pPr marL="1371600" indent="0">
               <a:buNone/>
               <a:defRPr sz="900"/>
             </a:lvl4pPr>
-            <a:lvl5pPr indent="0" marL="1828800">
+            <a:lvl5pPr marL="1828800" indent="0">
               <a:buNone/>
               <a:defRPr sz="900"/>
             </a:lvl5pPr>
-            <a:lvl6pPr indent="0" marL="2286000">
+            <a:lvl6pPr marL="2286000" indent="0">
               <a:buNone/>
               <a:defRPr sz="900"/>
             </a:lvl6pPr>
-            <a:lvl7pPr indent="0" marL="2743200">
+            <a:lvl7pPr marL="2743200" indent="0">
               <a:buNone/>
               <a:defRPr sz="900"/>
             </a:lvl7pPr>
-            <a:lvl8pPr indent="0" marL="3200400">
+            <a:lvl8pPr marL="3200400" indent="0">
               <a:buNone/>
               <a:defRPr sz="900"/>
             </a:lvl8pPr>
-            <a:lvl9pPr indent="0" marL="3657600">
+            <a:lvl9pPr marL="3657600" indent="0">
               <a:buNone/>
               <a:defRPr sz="900"/>
             </a:lvl9pPr>
@@ -2847,9 +2949,12 @@
         <p:spPr/>
         <p:txBody>
           <a:bodyPr/>
+          <a:lstStyle/>
           <a:p>
             <a:fld id="{D90C18D7-8307-4759-977F-15D7E3A6E274}" type="datetime1">
               <a:rPr lang="en-US" smtClean="0"/>
+              <a:pPr/>
+              <a:t>1/20/2018</a:t>
             </a:fld>
             <a:endParaRPr lang="en-IN"/>
           </a:p>
@@ -2868,6 +2973,7 @@
         <p:spPr/>
         <p:txBody>
           <a:bodyPr/>
+          <a:lstStyle/>
           <a:p>
             <a:endParaRPr lang="en-IN"/>
           </a:p>
@@ -2886,9 +2992,12 @@
         <p:spPr/>
         <p:txBody>
           <a:bodyPr/>
+          <a:lstStyle/>
           <a:p>
             <a:fld id="{5D58D9AF-4558-4E0A-A928-CE81B774F127}" type="slidenum">
               <a:rPr lang="en-IN" smtClean="0"/>
+              <a:pPr/>
+              <a:t>‹#›</a:t>
             </a:fld>
             <a:endParaRPr lang="en-IN"/>
           </a:p>
@@ -2915,7 +3024,7 @@
     </p:bg>
     <p:spTree>
       <p:nvGrpSpPr>
-        <p:cNvPr id="12" name=""/>
+        <p:cNvPr id="1" name=""/>
         <p:cNvGrpSpPr/>
         <p:nvPr/>
       </p:nvGrpSpPr>
@@ -2942,12 +3051,15 @@
             <a:off x="457200" y="274638"/>
             <a:ext cx="8229600" cy="1143000"/>
           </a:xfrm>
-          <a:prstGeom prst="rect"/>
-        </p:spPr>
-        <p:txBody>
-          <a:bodyPr anchor="ctr" bIns="45720" lIns="91440" rIns="91440" rtlCol="0" tIns="45720" vert="horz">
+          <a:prstGeom prst="rect">
+            <a:avLst/>
+          </a:prstGeom>
+        </p:spPr>
+        <p:txBody>
+          <a:bodyPr vert="horz" lIns="91440" tIns="45720" rIns="91440" bIns="45720" rtlCol="0" anchor="ctr">
             <a:normAutofit/>
           </a:bodyPr>
+          <a:lstStyle/>
           <a:p>
             <a:r>
               <a:rPr lang="en-US" smtClean="0"/>
@@ -2972,12 +3084,15 @@
             <a:off x="457200" y="1600200"/>
             <a:ext cx="8229600" cy="4525963"/>
           </a:xfrm>
-          <a:prstGeom prst="rect"/>
-        </p:spPr>
-        <p:txBody>
-          <a:bodyPr bIns="45720" lIns="91440" rIns="91440" rtlCol="0" tIns="45720" vert="horz">
+          <a:prstGeom prst="rect">
+            <a:avLst/>
+          </a:prstGeom>
+        </p:spPr>
+        <p:txBody>
+          <a:bodyPr vert="horz" lIns="91440" tIns="45720" rIns="91440" bIns="45720" rtlCol="0">
             <a:normAutofit/>
           </a:bodyPr>
+          <a:lstStyle/>
           <a:p>
             <a:pPr lvl="0"/>
             <a:r>
@@ -3031,10 +3146,12 @@
             <a:off x="457200" y="6356350"/>
             <a:ext cx="2133600" cy="365125"/>
           </a:xfrm>
-          <a:prstGeom prst="rect"/>
-        </p:spPr>
-        <p:txBody>
-          <a:bodyPr anchor="ctr" bIns="45720" lIns="91440" rIns="91440" rtlCol="0" tIns="45720" vert="horz"/>
+          <a:prstGeom prst="rect">
+            <a:avLst/>
+          </a:prstGeom>
+        </p:spPr>
+        <p:txBody>
+          <a:bodyPr vert="horz" lIns="91440" tIns="45720" rIns="91440" bIns="45720" rtlCol="0" anchor="ctr"/>
           <a:lstStyle>
             <a:lvl1pPr algn="l">
               <a:defRPr sz="1200">
@@ -3049,6 +3166,8 @@
           <a:p>
             <a:fld id="{28571D32-21DD-4AC8-9B6C-8A1768543DF2}" type="datetime1">
               <a:rPr lang="en-US" smtClean="0"/>
+              <a:pPr/>
+              <a:t>1/20/2018</a:t>
             </a:fld>
             <a:endParaRPr lang="en-IN"/>
           </a:p>
@@ -3069,10 +3188,12 @@
             <a:off x="3124200" y="6356350"/>
             <a:ext cx="2895600" cy="365125"/>
           </a:xfrm>
-          <a:prstGeom prst="rect"/>
-        </p:spPr>
-        <p:txBody>
-          <a:bodyPr anchor="ctr" bIns="45720" lIns="91440" rIns="91440" rtlCol="0" tIns="45720" vert="horz"/>
+          <a:prstGeom prst="rect">
+            <a:avLst/>
+          </a:prstGeom>
+        </p:spPr>
+        <p:txBody>
+          <a:bodyPr vert="horz" lIns="91440" tIns="45720" rIns="91440" bIns="45720" rtlCol="0" anchor="ctr"/>
           <a:lstStyle>
             <a:lvl1pPr algn="ctr">
               <a:defRPr sz="1200">
@@ -3104,10 +3225,12 @@
             <a:off x="6553200" y="6356350"/>
             <a:ext cx="2133600" cy="365125"/>
           </a:xfrm>
-          <a:prstGeom prst="rect"/>
-        </p:spPr>
-        <p:txBody>
-          <a:bodyPr anchor="ctr" bIns="45720" lIns="91440" rIns="91440" rtlCol="0" tIns="45720" vert="horz"/>
+          <a:prstGeom prst="rect">
+            <a:avLst/>
+          </a:prstGeom>
+        </p:spPr>
+        <p:txBody>
+          <a:bodyPr vert="horz" lIns="91440" tIns="45720" rIns="91440" bIns="45720" rtlCol="0" anchor="ctr"/>
           <a:lstStyle>
             <a:lvl1pPr algn="r">
               <a:defRPr sz="1200">
@@ -3122,6 +3245,8 @@
           <a:p>
             <a:fld id="{5D58D9AF-4558-4E0A-A928-CE81B774F127}" type="slidenum">
               <a:rPr lang="en-IN" smtClean="0"/>
+              <a:pPr/>
+              <a:t>‹#›</a:t>
             </a:fld>
             <a:endParaRPr lang="en-IN"/>
           </a:p>
@@ -3129,7 +3254,7 @@
       </p:sp>
     </p:spTree>
   </p:cSld>
-  <p:clrMap accent1="accent1" accent2="accent2" accent3="accent3" accent4="accent4" accent5="accent5" accent6="accent6" bg1="lt1" bg2="lt2" tx1="dk1" tx2="dk2" hlink="hlink" folHlink="folHlink"/>
+  <p:clrMap bg1="lt1" tx1="dk1" bg2="lt2" tx2="dk2" accent1="accent1" accent2="accent2" accent3="accent3" accent4="accent4" accent5="accent5" accent6="accent6" hlink="hlink" folHlink="folHlink"/>
   <p:sldLayoutIdLst>
     <p:sldLayoutId id="2147483649" r:id="rId1"/>
     <p:sldLayoutId id="2147483650" r:id="rId2"/>
@@ -3146,10 +3271,10 @@
   <p:transition>
     <p:wipe dir="d"/>
   </p:transition>
-  <p:hf dt="1" ftr="0" hdr="0" sldNum="1"/>
+  <p:hf hdr="0" ftr="0"/>
   <p:txStyles>
     <p:titleStyle>
-      <a:lvl1pPr algn="ctr" defTabSz="914400" eaLnBrk="1" hangingPunct="1" latinLnBrk="0" rtl="0">
+      <a:lvl1pPr algn="ctr" defTabSz="914400" rtl="0" eaLnBrk="1" latinLnBrk="0" hangingPunct="1">
         <a:spcBef>
           <a:spcPct val="0"/>
         </a:spcBef>
@@ -3165,7 +3290,7 @@
       </a:lvl1pPr>
     </p:titleStyle>
     <p:bodyStyle>
-      <a:lvl1pPr algn="l" defTabSz="914400" eaLnBrk="1" hangingPunct="1" indent="-342900" latinLnBrk="0" marL="342900" rtl="0">
+      <a:lvl1pPr marL="342900" indent="-342900" algn="l" defTabSz="914400" rtl="0" eaLnBrk="1" latinLnBrk="0" hangingPunct="1">
         <a:spcBef>
           <a:spcPct val="20000"/>
         </a:spcBef>
@@ -3180,7 +3305,7 @@
           <a:cs typeface="+mn-cs"/>
         </a:defRPr>
       </a:lvl1pPr>
-      <a:lvl2pPr algn="l" defTabSz="914400" eaLnBrk="1" hangingPunct="1" indent="-285750" latinLnBrk="0" marL="742950" rtl="0">
+      <a:lvl2pPr marL="742950" indent="-285750" algn="l" defTabSz="914400" rtl="0" eaLnBrk="1" latinLnBrk="0" hangingPunct="1">
         <a:spcBef>
           <a:spcPct val="20000"/>
         </a:spcBef>
@@ -3195,7 +3320,7 @@
           <a:cs typeface="+mn-cs"/>
         </a:defRPr>
       </a:lvl2pPr>
-      <a:lvl3pPr algn="l" defTabSz="914400" eaLnBrk="1" hangingPunct="1" indent="-228600" latinLnBrk="0" marL="1143000" rtl="0">
+      <a:lvl3pPr marL="1143000" indent="-228600" algn="l" defTabSz="914400" rtl="0" eaLnBrk="1" latinLnBrk="0" hangingPunct="1">
         <a:spcBef>
           <a:spcPct val="20000"/>
         </a:spcBef>
@@ -3210,7 +3335,7 @@
           <a:cs typeface="+mn-cs"/>
         </a:defRPr>
       </a:lvl3pPr>
-      <a:lvl4pPr algn="l" defTabSz="914400" eaLnBrk="1" hangingPunct="1" indent="-228600" latinLnBrk="0" marL="1600200" rtl="0">
+      <a:lvl4pPr marL="1600200" indent="-228600" algn="l" defTabSz="914400" rtl="0" eaLnBrk="1" latinLnBrk="0" hangingPunct="1">
         <a:spcBef>
           <a:spcPct val="20000"/>
         </a:spcBef>
@@ -3225,7 +3350,7 @@
           <a:cs typeface="+mn-cs"/>
         </a:defRPr>
       </a:lvl4pPr>
-      <a:lvl5pPr algn="l" defTabSz="914400" eaLnBrk="1" hangingPunct="1" indent="-228600" latinLnBrk="0" marL="2057400" rtl="0">
+      <a:lvl5pPr marL="2057400" indent="-228600" algn="l" defTabSz="914400" rtl="0" eaLnBrk="1" latinLnBrk="0" hangingPunct="1">
         <a:spcBef>
           <a:spcPct val="20000"/>
         </a:spcBef>
@@ -3240,7 +3365,7 @@
           <a:cs typeface="+mn-cs"/>
         </a:defRPr>
       </a:lvl5pPr>
-      <a:lvl6pPr algn="l" defTabSz="914400" eaLnBrk="1" hangingPunct="1" indent="-228600" latinLnBrk="0" marL="2514600" rtl="0">
+      <a:lvl6pPr marL="2514600" indent="-228600" algn="l" defTabSz="914400" rtl="0" eaLnBrk="1" latinLnBrk="0" hangingPunct="1">
         <a:spcBef>
           <a:spcPct val="20000"/>
         </a:spcBef>
@@ -3255,7 +3380,7 @@
           <a:cs typeface="+mn-cs"/>
         </a:defRPr>
       </a:lvl6pPr>
-      <a:lvl7pPr algn="l" defTabSz="914400" eaLnBrk="1" hangingPunct="1" indent="-228600" latinLnBrk="0" marL="2971800" rtl="0">
+      <a:lvl7pPr marL="2971800" indent="-228600" algn="l" defTabSz="914400" rtl="0" eaLnBrk="1" latinLnBrk="0" hangingPunct="1">
         <a:spcBef>
           <a:spcPct val="20000"/>
         </a:spcBef>
@@ -3270,7 +3395,7 @@
           <a:cs typeface="+mn-cs"/>
         </a:defRPr>
       </a:lvl7pPr>
-      <a:lvl8pPr algn="l" defTabSz="914400" eaLnBrk="1" hangingPunct="1" indent="-228600" latinLnBrk="0" marL="3429000" rtl="0">
+      <a:lvl8pPr marL="3429000" indent="-228600" algn="l" defTabSz="914400" rtl="0" eaLnBrk="1" latinLnBrk="0" hangingPunct="1">
         <a:spcBef>
           <a:spcPct val="20000"/>
         </a:spcBef>
@@ -3285,7 +3410,7 @@
           <a:cs typeface="+mn-cs"/>
         </a:defRPr>
       </a:lvl8pPr>
-      <a:lvl9pPr algn="l" defTabSz="914400" eaLnBrk="1" hangingPunct="1" indent="-228600" latinLnBrk="0" marL="3886200" rtl="0">
+      <a:lvl9pPr marL="3886200" indent="-228600" algn="l" defTabSz="914400" rtl="0" eaLnBrk="1" latinLnBrk="0" hangingPunct="1">
         <a:spcBef>
           <a:spcPct val="20000"/>
         </a:spcBef>
@@ -3305,7 +3430,7 @@
       <a:defPPr>
         <a:defRPr lang="en-US"/>
       </a:defPPr>
-      <a:lvl1pPr algn="l" defTabSz="914400" eaLnBrk="1" hangingPunct="1" latinLnBrk="0" marL="0" rtl="0">
+      <a:lvl1pPr marL="0" algn="l" defTabSz="914400" rtl="0" eaLnBrk="1" latinLnBrk="0" hangingPunct="1">
         <a:defRPr sz="1800" kern="1200">
           <a:solidFill>
             <a:schemeClr val="tx1"/>
@@ -3315,7 +3440,7 @@
           <a:cs typeface="+mn-cs"/>
         </a:defRPr>
       </a:lvl1pPr>
-      <a:lvl2pPr algn="l" defTabSz="914400" eaLnBrk="1" hangingPunct="1" latinLnBrk="0" marL="457200" rtl="0">
+      <a:lvl2pPr marL="457200" algn="l" defTabSz="914400" rtl="0" eaLnBrk="1" latinLnBrk="0" hangingPunct="1">
         <a:defRPr sz="1800" kern="1200">
           <a:solidFill>
             <a:schemeClr val="tx1"/>
@@ -3325,7 +3450,7 @@
           <a:cs typeface="+mn-cs"/>
         </a:defRPr>
       </a:lvl2pPr>
-      <a:lvl3pPr algn="l" defTabSz="914400" eaLnBrk="1" hangingPunct="1" latinLnBrk="0" marL="914400" rtl="0">
+      <a:lvl3pPr marL="914400" algn="l" defTabSz="914400" rtl="0" eaLnBrk="1" latinLnBrk="0" hangingPunct="1">
         <a:defRPr sz="1800" kern="1200">
           <a:solidFill>
             <a:schemeClr val="tx1"/>
@@ -3335,7 +3460,7 @@
           <a:cs typeface="+mn-cs"/>
         </a:defRPr>
       </a:lvl3pPr>
-      <a:lvl4pPr algn="l" defTabSz="914400" eaLnBrk="1" hangingPunct="1" latinLnBrk="0" marL="1371600" rtl="0">
+      <a:lvl4pPr marL="1371600" algn="l" defTabSz="914400" rtl="0" eaLnBrk="1" latinLnBrk="0" hangingPunct="1">
         <a:defRPr sz="1800" kern="1200">
           <a:solidFill>
             <a:schemeClr val="tx1"/>
@@ -3345,7 +3470,7 @@
           <a:cs typeface="+mn-cs"/>
         </a:defRPr>
       </a:lvl4pPr>
-      <a:lvl5pPr algn="l" defTabSz="914400" eaLnBrk="1" hangingPunct="1" latinLnBrk="0" marL="1828800" rtl="0">
+      <a:lvl5pPr marL="1828800" algn="l" defTabSz="914400" rtl="0" eaLnBrk="1" latinLnBrk="0" hangingPunct="1">
         <a:defRPr sz="1800" kern="1200">
           <a:solidFill>
             <a:schemeClr val="tx1"/>
@@ -3355,7 +3480,7 @@
           <a:cs typeface="+mn-cs"/>
         </a:defRPr>
       </a:lvl5pPr>
-      <a:lvl6pPr algn="l" defTabSz="914400" eaLnBrk="1" hangingPunct="1" latinLnBrk="0" marL="2286000" rtl="0">
+      <a:lvl6pPr marL="2286000" algn="l" defTabSz="914400" rtl="0" eaLnBrk="1" latinLnBrk="0" hangingPunct="1">
         <a:defRPr sz="1800" kern="1200">
           <a:solidFill>
             <a:schemeClr val="tx1"/>
@@ -3365,7 +3490,7 @@
           <a:cs typeface="+mn-cs"/>
         </a:defRPr>
       </a:lvl6pPr>
-      <a:lvl7pPr algn="l" defTabSz="914400" eaLnBrk="1" hangingPunct="1" latinLnBrk="0" marL="2743200" rtl="0">
+      <a:lvl7pPr marL="2743200" algn="l" defTabSz="914400" rtl="0" eaLnBrk="1" latinLnBrk="0" hangingPunct="1">
         <a:defRPr sz="1800" kern="1200">
           <a:solidFill>
             <a:schemeClr val="tx1"/>
@@ -3375,7 +3500,7 @@
           <a:cs typeface="+mn-cs"/>
         </a:defRPr>
       </a:lvl7pPr>
-      <a:lvl8pPr algn="l" defTabSz="914400" eaLnBrk="1" hangingPunct="1" latinLnBrk="0" marL="3200400" rtl="0">
+      <a:lvl8pPr marL="3200400" algn="l" defTabSz="914400" rtl="0" eaLnBrk="1" latinLnBrk="0" hangingPunct="1">
         <a:defRPr sz="1800" kern="1200">
           <a:solidFill>
             <a:schemeClr val="tx1"/>
@@ -3385,7 +3510,7 @@
           <a:cs typeface="+mn-cs"/>
         </a:defRPr>
       </a:lvl8pPr>
-      <a:lvl9pPr algn="l" defTabSz="914400" eaLnBrk="1" hangingPunct="1" latinLnBrk="0" marL="3657600" rtl="0">
+      <a:lvl9pPr marL="3657600" algn="l" defTabSz="914400" rtl="0" eaLnBrk="1" latinLnBrk="0" hangingPunct="1">
         <a:defRPr sz="1800" kern="1200">
           <a:solidFill>
             <a:schemeClr val="tx1"/>
@@ -3405,7 +3530,7 @@
   <p:cSld>
     <p:spTree>
       <p:nvGrpSpPr>
-        <p:cNvPr id="25" name=""/>
+        <p:cNvPr id="1" name=""/>
         <p:cNvGrpSpPr/>
         <p:nvPr/>
       </p:nvGrpSpPr>
@@ -3437,26 +3562,27 @@
           <a:bodyPr>
             <a:noAutofit/>
           </a:bodyPr>
-          <a:p>
-            <a:r>
-              <a:rPr b="1" dirty="0" sz="4800" lang="en-US" smtClean="0">
+          <a:lstStyle/>
+          <a:p>
+            <a:r>
+              <a:rPr lang="en-US" sz="4800" b="1" dirty="0" smtClean="0">
                 <a:cs typeface="Times New Roman" pitchFamily="18" charset="0"/>
               </a:rPr>
               <a:t>Prediction of Customer </a:t>
             </a:r>
             <a:r>
-              <a:rPr b="1" sz="4800" lang="en-US" smtClean="0">
+              <a:rPr lang="en-US" sz="4800" b="1" smtClean="0">
                 <a:cs typeface="Times New Roman" pitchFamily="18" charset="0"/>
               </a:rPr>
               <a:t>Churning in </a:t>
             </a:r>
             <a:r>
-              <a:rPr b="1" dirty="0" sz="4800" lang="en-US" smtClean="0">
+              <a:rPr lang="en-US" sz="4800" b="1" dirty="0" smtClean="0">
                 <a:cs typeface="Times New Roman" pitchFamily="18" charset="0"/>
               </a:rPr>
               <a:t>Telecom Industry</a:t>
             </a:r>
-            <a:endParaRPr dirty="0" sz="4800" lang="en-IN"/>
+            <a:endParaRPr lang="en-IN" sz="4800" dirty="0"/>
           </a:p>
         </p:txBody>
       </p:sp>
@@ -3471,130 +3597,133 @@
             <a:off x="4929190" y="4000504"/>
             <a:ext cx="3857652" cy="2225040"/>
           </a:xfrm>
-          <a:prstGeom prst="rect"/>
+          <a:prstGeom prst="rect">
+            <a:avLst/>
+          </a:prstGeom>
           <a:noFill/>
         </p:spPr>
         <p:txBody>
-          <a:bodyPr rtlCol="0" wrap="square">
+          <a:bodyPr wrap="square" rtlCol="0">
             <a:spAutoFit/>
           </a:bodyPr>
-          <a:p>
-            <a:r>
-              <a:rPr b="1" dirty="0" lang="en-US" u="sng" smtClean="0"/>
+          <a:lstStyle/>
+          <a:p>
+            <a:r>
+              <a:rPr lang="en-US" b="1" u="sng" dirty="0" smtClean="0"/>
               <a:t>Team Members:-</a:t>
             </a:r>
           </a:p>
           <a:p>
             <a:r>
-              <a:rPr dirty="0" lang="en-US" smtClean="0"/>
+              <a:rPr lang="en-US" dirty="0" smtClean="0"/>
               <a:t>1. </a:t>
             </a:r>
             <a:r>
-              <a:rPr dirty="0" lang="en-US" err="1" smtClean="0"/>
+              <a:rPr lang="en-US" dirty="0" err="1" smtClean="0"/>
               <a:t>Sandipa</a:t>
             </a:r>
             <a:r>
-              <a:rPr dirty="0" lang="en-US" smtClean="0"/>
+              <a:rPr lang="en-US" dirty="0" smtClean="0"/>
               <a:t> </a:t>
             </a:r>
             <a:r>
-              <a:rPr dirty="0" lang="en-US" err="1" smtClean="0"/>
+              <a:rPr lang="en-US" dirty="0" err="1" smtClean="0"/>
               <a:t>Bhowmick</a:t>
             </a:r>
-            <a:endParaRPr dirty="0" lang="en-US" smtClean="0"/>
-          </a:p>
-          <a:p>
-            <a:r>
-              <a:rPr dirty="0" lang="en-US" smtClean="0"/>
+            <a:endParaRPr lang="en-US" dirty="0" smtClean="0"/>
+          </a:p>
+          <a:p>
+            <a:r>
+              <a:rPr lang="en-US" dirty="0" smtClean="0"/>
               <a:t>2. </a:t>
             </a:r>
             <a:r>
-              <a:rPr dirty="0" lang="en-US" err="1" smtClean="0"/>
+              <a:rPr lang="en-US" dirty="0" err="1" smtClean="0"/>
               <a:t>Sohom</a:t>
             </a:r>
             <a:r>
-              <a:rPr dirty="0" lang="en-US" smtClean="0"/>
+              <a:rPr lang="en-US" dirty="0" smtClean="0"/>
               <a:t> </a:t>
             </a:r>
             <a:r>
-              <a:rPr dirty="0" lang="en-US" err="1" smtClean="0"/>
+              <a:rPr lang="en-US" dirty="0" err="1" smtClean="0"/>
               <a:t>Banerjee</a:t>
             </a:r>
-            <a:endParaRPr dirty="0" lang="en-US" smtClean="0"/>
-          </a:p>
-          <a:p>
-            <a:r>
-              <a:rPr dirty="0" lang="en-US" smtClean="0"/>
+            <a:endParaRPr lang="en-US" dirty="0" smtClean="0"/>
+          </a:p>
+          <a:p>
+            <a:r>
+              <a:rPr lang="en-US" dirty="0" smtClean="0"/>
               <a:t>3. </a:t>
             </a:r>
             <a:r>
-              <a:rPr dirty="0" lang="en-US" err="1" smtClean="0"/>
+              <a:rPr lang="en-US" dirty="0" err="1" smtClean="0"/>
               <a:t>Soumita</a:t>
             </a:r>
             <a:r>
-              <a:rPr dirty="0" lang="en-US" smtClean="0"/>
+              <a:rPr lang="en-US" dirty="0" smtClean="0"/>
               <a:t> </a:t>
             </a:r>
             <a:r>
-              <a:rPr dirty="0" lang="en-US" err="1" smtClean="0"/>
+              <a:rPr lang="en-US" dirty="0" err="1" smtClean="0"/>
               <a:t>Dutta</a:t>
             </a:r>
-            <a:endParaRPr dirty="0" lang="en-US" smtClean="0"/>
-          </a:p>
-          <a:p>
-            <a:r>
-              <a:rPr dirty="0" lang="en-US" smtClean="0"/>
+            <a:endParaRPr lang="en-US" dirty="0" smtClean="0"/>
+          </a:p>
+          <a:p>
+            <a:r>
+              <a:rPr lang="en-US" dirty="0" smtClean="0"/>
               <a:t>4. </a:t>
             </a:r>
             <a:r>
-              <a:rPr dirty="0" lang="en-US" err="1" smtClean="0"/>
+              <a:rPr lang="en-US" dirty="0" err="1" smtClean="0"/>
               <a:t>Souvik</a:t>
             </a:r>
             <a:r>
-              <a:rPr dirty="0" lang="en-US" smtClean="0"/>
+              <a:rPr lang="en-US" dirty="0" smtClean="0"/>
               <a:t> </a:t>
             </a:r>
             <a:r>
-              <a:rPr dirty="0" lang="en-US" err="1" smtClean="0"/>
+              <a:rPr lang="en-US" dirty="0" err="1" smtClean="0"/>
               <a:t>Datta</a:t>
             </a:r>
-            <a:endParaRPr dirty="0" lang="en-US" smtClean="0"/>
-          </a:p>
-          <a:p>
-            <a:r>
-              <a:rPr dirty="0" lang="en-US" smtClean="0"/>
+            <a:endParaRPr lang="en-US" dirty="0" smtClean="0"/>
+          </a:p>
+          <a:p>
+            <a:r>
+              <a:rPr lang="en-US" dirty="0" smtClean="0"/>
               <a:t>5. </a:t>
             </a:r>
             <a:r>
-              <a:rPr dirty="0" lang="en-US" err="1" smtClean="0"/>
+              <a:rPr lang="en-US" dirty="0" err="1" smtClean="0"/>
               <a:t>Souvik</a:t>
             </a:r>
             <a:r>
-              <a:rPr dirty="0" lang="en-US" smtClean="0"/>
+              <a:rPr lang="en-US" dirty="0" smtClean="0"/>
               <a:t> </a:t>
             </a:r>
             <a:r>
-              <a:rPr dirty="0" lang="en-US" err="1" smtClean="0"/>
+              <a:rPr lang="en-US" dirty="0" err="1" smtClean="0"/>
               <a:t>Mitra</a:t>
             </a:r>
-            <a:endParaRPr dirty="0" lang="en-US" smtClean="0"/>
-          </a:p>
-          <a:p>
-            <a:r>
-              <a:rPr dirty="0" lang="en-US" smtClean="0"/>
+            <a:endParaRPr lang="en-US" dirty="0" smtClean="0"/>
+          </a:p>
+          <a:p>
+            <a:r>
+              <a:rPr lang="en-US" dirty="0" smtClean="0"/>
               <a:t>6. </a:t>
             </a:r>
             <a:r>
-              <a:rPr dirty="0" lang="en-US" err="1" smtClean="0"/>
+              <a:rPr lang="en-US" dirty="0" err="1" smtClean="0"/>
               <a:t>Swarup</a:t>
             </a:r>
             <a:r>
-              <a:rPr dirty="0" lang="en-US" smtClean="0"/>
+              <a:rPr lang="en-US" dirty="0" smtClean="0"/>
               <a:t> Kumar Das</a:t>
             </a:r>
           </a:p>
           <a:p>
-            <a:endParaRPr dirty="0" lang="en-IN"/>
+            <a:endParaRPr lang="en-IN" dirty="0"/>
           </a:p>
         </p:txBody>
       </p:sp>
@@ -3609,60 +3738,63 @@
             <a:off x="857224" y="4000504"/>
             <a:ext cx="3000396" cy="891540"/>
           </a:xfrm>
-          <a:prstGeom prst="rect"/>
+          <a:prstGeom prst="rect">
+            <a:avLst/>
+          </a:prstGeom>
           <a:noFill/>
         </p:spPr>
         <p:txBody>
-          <a:bodyPr rtlCol="0" wrap="square">
+          <a:bodyPr wrap="square" rtlCol="0">
             <a:spAutoFit/>
           </a:bodyPr>
-          <a:p>
-            <a:r>
-              <a:rPr dirty="0" lang="en-US" smtClean="0"/>
+          <a:lstStyle/>
+          <a:p>
+            <a:r>
+              <a:rPr lang="en-US" dirty="0" smtClean="0"/>
               <a:t> </a:t>
             </a:r>
             <a:r>
-              <a:rPr dirty="0" lang="en-US" u="sng" smtClean="0"/>
+              <a:rPr lang="en-US" u="sng" dirty="0" smtClean="0"/>
               <a:t>Project Mentor</a:t>
             </a:r>
             <a:r>
-              <a:rPr dirty="0" lang="en-US" smtClean="0"/>
+              <a:rPr lang="en-US" dirty="0" smtClean="0"/>
               <a:t> :</a:t>
             </a:r>
           </a:p>
           <a:p>
             <a:r>
-              <a:rPr b="1" dirty="0" lang="en-US" smtClean="0"/>
+              <a:rPr lang="en-US" b="1" dirty="0" smtClean="0"/>
               <a:t> Prof. </a:t>
             </a:r>
             <a:r>
-              <a:rPr b="1" dirty="0" lang="en-US" err="1" smtClean="0"/>
+              <a:rPr lang="en-US" b="1" dirty="0" err="1" smtClean="0"/>
               <a:t>Arnab</a:t>
             </a:r>
             <a:r>
-              <a:rPr b="1" dirty="0" lang="en-US" smtClean="0"/>
+              <a:rPr lang="en-US" b="1" dirty="0" smtClean="0"/>
               <a:t> </a:t>
             </a:r>
             <a:r>
-              <a:rPr b="1" dirty="0" lang="en-US" err="1" smtClean="0"/>
+              <a:rPr lang="en-US" b="1" dirty="0" err="1" smtClean="0"/>
               <a:t>Chakraborty</a:t>
             </a:r>
-            <a:endParaRPr b="1" dirty="0" lang="en-US" smtClean="0"/>
-          </a:p>
-          <a:p>
-            <a:r>
-              <a:rPr dirty="0" lang="en-US" smtClean="0"/>
+            <a:endParaRPr lang="en-US" b="1" dirty="0" smtClean="0"/>
+          </a:p>
+          <a:p>
+            <a:r>
+              <a:rPr lang="en-US" dirty="0" smtClean="0"/>
               <a:t> </a:t>
             </a:r>
             <a:r>
-              <a:rPr dirty="0" lang="en-US" err="1" smtClean="0"/>
+              <a:rPr lang="en-US" dirty="0" err="1" smtClean="0"/>
               <a:t>Globsyn</a:t>
             </a:r>
             <a:r>
-              <a:rPr dirty="0" lang="en-US" smtClean="0"/>
+              <a:rPr lang="en-US" dirty="0" smtClean="0"/>
               <a:t> Skills </a:t>
             </a:r>
-            <a:endParaRPr dirty="0" lang="en-IN"/>
+            <a:endParaRPr lang="en-IN" dirty="0"/>
           </a:p>
         </p:txBody>
       </p:sp>
@@ -3677,7 +3809,9 @@
             <a:off x="785786" y="3071810"/>
             <a:ext cx="7643866" cy="142876"/>
           </a:xfrm>
-          <a:prstGeom prst="rect"/>
+          <a:prstGeom prst="rect">
+            <a:avLst/>
+          </a:prstGeom>
         </p:spPr>
         <p:style>
           <a:lnRef idx="2">
@@ -3696,7 +3830,8 @@
           </a:fontRef>
         </p:style>
         <p:txBody>
-          <a:bodyPr anchor="ctr" rtlCol="0"/>
+          <a:bodyPr rtlCol="0" anchor="ctr"/>
+          <a:lstStyle/>
           <a:p>
             <a:pPr algn="ctr"/>
             <a:endParaRPr lang="en-IN"/>
@@ -3716,9 +3851,11 @@
         <p:spPr/>
         <p:txBody>
           <a:bodyPr/>
+          <a:lstStyle/>
           <a:p>
             <a:fld id="{31797B57-5FDA-46CA-A9DC-1CFDBE1898E8}" type="datetime1">
               <a:rPr lang="en-US" smtClean="0"/>
+              <a:pPr/>
               <a:t>1/20/2018</a:t>
             </a:fld>
             <a:endParaRPr lang="en-IN"/>
@@ -3738,9 +3875,11 @@
         <p:spPr/>
         <p:txBody>
           <a:bodyPr/>
+          <a:lstStyle/>
           <a:p>
             <a:fld id="{5D58D9AF-4558-4E0A-A928-CE81B774F127}" type="slidenum">
               <a:rPr lang="en-IN" smtClean="0"/>
+              <a:pPr/>
               <a:t>1</a:t>
             </a:fld>
             <a:endParaRPr lang="en-IN"/>
@@ -3763,7 +3902,7 @@
   <p:cSld>
     <p:spTree>
       <p:nvGrpSpPr>
-        <p:cNvPr id="45" name=""/>
+        <p:cNvPr id="1" name=""/>
         <p:cNvGrpSpPr/>
         <p:nvPr/>
       </p:nvGrpSpPr>
@@ -3795,13 +3934,14 @@
           <a:bodyPr>
             <a:normAutofit/>
           </a:bodyPr>
+          <a:lstStyle/>
           <a:p>
             <a:pPr algn="l"/>
             <a:r>
-              <a:rPr b="1" dirty="0" sz="3600" lang="en-US" smtClean="0"/>
+              <a:rPr lang="en-US" sz="3600" b="1" dirty="0" smtClean="0"/>
               <a:t>KNN(Using Library Function)</a:t>
             </a:r>
-            <a:endParaRPr b="1" dirty="0" sz="3600" lang="en-IN"/>
+            <a:endParaRPr lang="en-IN" sz="3600" b="1" dirty="0"/>
           </a:p>
         </p:txBody>
       </p:sp>
@@ -3825,20 +3965,21 @@
           <a:bodyPr>
             <a:normAutofit fontScale="91667" lnSpcReduction="10000"/>
           </a:bodyPr>
+          <a:lstStyle/>
           <a:p>
             <a:pPr>
               <a:buNone/>
             </a:pPr>
             <a:r>
-              <a:rPr dirty="0" sz="2000" lang="en-IN" smtClean="0"/>
+              <a:rPr lang="en-IN" sz="2000" dirty="0" smtClean="0"/>
               <a:t>A case is classified by a majority vote of its </a:t>
             </a:r>
             <a:r>
-              <a:rPr dirty="0" sz="2000" lang="en-IN" err="1" smtClean="0"/>
+              <a:rPr lang="en-IN" sz="2000" dirty="0" err="1" smtClean="0"/>
               <a:t>neighbors</a:t>
             </a:r>
             <a:r>
-              <a:rPr dirty="0" sz="2000" lang="en-IN" smtClean="0"/>
+              <a:rPr lang="en-IN" sz="2000" dirty="0" smtClean="0"/>
               <a:t>.</a:t>
             </a:r>
           </a:p>
@@ -3847,7 +3988,7 @@
               <a:buNone/>
             </a:pPr>
             <a:r>
-              <a:rPr b="1" dirty="0" sz="2000" lang="en-US" smtClean="0"/>
+              <a:rPr lang="en-US" sz="2000" b="1" dirty="0" smtClean="0"/>
               <a:t>Confusion matrix:                                  Accuracy:              </a:t>
             </a:r>
           </a:p>
@@ -3856,7 +3997,7 @@
               <a:buNone/>
             </a:pPr>
             <a:r>
-              <a:rPr b="1" dirty="0" sz="2000" lang="en-US" u="sng" smtClean="0"/>
+              <a:rPr lang="en-US" sz="2000" b="1" u="sng" dirty="0" smtClean="0"/>
               <a:t>                        </a:t>
             </a:r>
           </a:p>
@@ -3864,26 +4005,32 @@
             <a:pPr>
               <a:buNone/>
             </a:pPr>
-            <a:endParaRPr b="1" dirty="0" sz="2000" lang="en-US" u="sng" smtClean="0"/>
+            <a:endParaRPr lang="en-US" sz="2000" b="1" u="sng" dirty="0" smtClean="0"/>
           </a:p>
           <a:p>
             <a:pPr>
               <a:buNone/>
             </a:pPr>
-            <a:endParaRPr b="1" dirty="0" sz="2000" lang="en-US" u="sng" smtClean="0"/>
+            <a:endParaRPr lang="en-US" sz="2000" b="1" u="sng" dirty="0" smtClean="0"/>
           </a:p>
           <a:p>
             <a:pPr>
               <a:buNone/>
             </a:pPr>
-            <a:endParaRPr b="1" dirty="0" sz="2000" lang="en-US" u="sng" smtClean="0"/>
+            <a:endParaRPr lang="en-US" sz="2000" b="1" u="sng" dirty="0" smtClean="0"/>
           </a:p>
           <a:p>
             <a:pPr>
               <a:buNone/>
             </a:pPr>
-            <a:r>
-              <a:rPr b="1" dirty="0" sz="2000" lang="en-US" smtClean="0"/>
+            <a:endParaRPr lang="en-US" sz="2000" b="1" dirty="0" smtClean="0"/>
+          </a:p>
+          <a:p>
+            <a:pPr>
+              <a:buNone/>
+            </a:pPr>
+            <a:r>
+              <a:rPr lang="en-US" sz="2000" b="1" dirty="0" smtClean="0"/>
               <a:t>Roc Curve:</a:t>
             </a:r>
           </a:p>
@@ -3891,50 +4038,50 @@
             <a:pPr>
               <a:buNone/>
             </a:pPr>
-            <a:endParaRPr b="1" dirty="0" sz="2000" lang="en-US" u="sng" smtClean="0"/>
+            <a:endParaRPr lang="en-US" sz="2000" b="1" u="sng" dirty="0" smtClean="0"/>
           </a:p>
           <a:p>
             <a:pPr>
               <a:buNone/>
             </a:pPr>
-            <a:endParaRPr b="1" dirty="0" sz="2000" lang="en-US" u="sng" smtClean="0"/>
+            <a:endParaRPr lang="en-US" sz="2000" b="1" u="sng" dirty="0" smtClean="0"/>
           </a:p>
           <a:p>
             <a:pPr>
               <a:buNone/>
             </a:pPr>
-            <a:endParaRPr b="1" dirty="0" sz="2000" lang="en-US" u="sng" smtClean="0"/>
+            <a:endParaRPr lang="en-US" sz="2000" b="1" u="sng" dirty="0" smtClean="0"/>
           </a:p>
           <a:p>
             <a:pPr>
               <a:buNone/>
             </a:pPr>
-            <a:endParaRPr b="1" dirty="0" sz="2000" lang="en-US" u="sng" smtClean="0"/>
+            <a:endParaRPr lang="en-US" sz="2000" b="1" u="sng" dirty="0" smtClean="0"/>
           </a:p>
           <a:p>
             <a:pPr>
               <a:buNone/>
             </a:pPr>
-            <a:endParaRPr dirty="0" sz="1400" lang="en-US" smtClean="0"/>
+            <a:endParaRPr lang="en-US" sz="1400" dirty="0" smtClean="0"/>
           </a:p>
           <a:p>
             <a:pPr>
               <a:buNone/>
             </a:pPr>
-            <a:endParaRPr dirty="0" sz="1200" lang="en-US" smtClean="0"/>
+            <a:endParaRPr lang="en-US" sz="1200" dirty="0" smtClean="0"/>
           </a:p>
           <a:p>
             <a:pPr>
               <a:buNone/>
             </a:pPr>
-            <a:endParaRPr dirty="0" sz="1200" lang="en-US" smtClean="0"/>
+            <a:endParaRPr lang="en-US" sz="1200" dirty="0" smtClean="0"/>
           </a:p>
           <a:p>
             <a:pPr>
               <a:buNone/>
             </a:pPr>
             <a:r>
-              <a:rPr dirty="0" sz="1200" lang="en-US" smtClean="0"/>
+              <a:rPr lang="en-US" sz="1200" dirty="0" smtClean="0"/>
               <a:t>				</a:t>
             </a:r>
           </a:p>
@@ -3943,7 +4090,7 @@
               <a:buNone/>
             </a:pPr>
             <a:r>
-              <a:rPr dirty="0" sz="1200" lang="en-US" smtClean="0"/>
+              <a:rPr lang="en-US" sz="1200" dirty="0" smtClean="0"/>
               <a:t>				</a:t>
             </a:r>
           </a:p>
@@ -3951,23 +4098,29 @@
             <a:pPr>
               <a:buNone/>
             </a:pPr>
-            <a:endParaRPr dirty="0" sz="1200" lang="en-US" smtClean="0"/>
+            <a:endParaRPr lang="en-US" sz="1200" dirty="0" smtClean="0"/>
           </a:p>
           <a:p>
             <a:pPr>
               <a:buNone/>
             </a:pPr>
-            <a:r>
-              <a:rPr dirty="0" sz="1200" lang="en-US" smtClean="0"/>
+            <a:endParaRPr lang="en-US" sz="1200" dirty="0" smtClean="0"/>
+          </a:p>
+          <a:p>
+            <a:pPr>
+              <a:buNone/>
+            </a:pPr>
+            <a:r>
+              <a:rPr lang="en-US" sz="1200" dirty="0" smtClean="0"/>
               <a:t>				Fig.3  (ROC curve for Different K values)</a:t>
             </a:r>
-            <a:endParaRPr dirty="0" sz="1200" lang="en-IN" smtClean="0"/>
+            <a:endParaRPr lang="en-IN" sz="1200" dirty="0" smtClean="0"/>
           </a:p>
           <a:p>
             <a:pPr>
               <a:buNone/>
             </a:pPr>
-            <a:endParaRPr b="1" dirty="0" sz="1400" lang="en-US" u="sng" smtClean="0"/>
+            <a:endParaRPr lang="en-US" sz="1400" b="1" u="sng" dirty="0" smtClean="0"/>
           </a:p>
         </p:txBody>
       </p:sp>
@@ -3984,7 +4137,9 @@
             <a:off x="539552" y="1052736"/>
             <a:ext cx="8286808" cy="1588"/>
           </a:xfrm>
-          <a:prstGeom prst="line"/>
+          <a:prstGeom prst="line">
+            <a:avLst/>
+          </a:prstGeom>
           <a:ln>
             <a:solidFill>
               <a:schemeClr val="tx1"/>
@@ -4015,7 +4170,7 @@
           <p:nvPr/>
         </p:nvPicPr>
         <p:blipFill>
-          <a:blip xmlns:r="http://schemas.openxmlformats.org/officeDocument/2006/relationships" r:embed="rId1" cstate="print"/>
+          <a:blip r:embed="rId2" cstate="print"/>
           <a:stretch>
             <a:fillRect/>
           </a:stretch>
@@ -4025,7 +4180,9 @@
             <a:off x="4499992" y="2132856"/>
             <a:ext cx="4167939" cy="1143008"/>
           </a:xfrm>
-          <a:prstGeom prst="rect"/>
+          <a:prstGeom prst="rect">
+            <a:avLst/>
+          </a:prstGeom>
         </p:spPr>
       </p:pic>
       <p:pic>
@@ -4037,7 +4194,7 @@
           <p:nvPr/>
         </p:nvPicPr>
         <p:blipFill>
-          <a:blip xmlns:r="http://schemas.openxmlformats.org/officeDocument/2006/relationships" r:embed="rId2" cstate="print"/>
+          <a:blip r:embed="rId3" cstate="print"/>
           <a:stretch>
             <a:fillRect/>
           </a:stretch>
@@ -4047,7 +4204,9 @@
             <a:off x="4572000" y="3284984"/>
             <a:ext cx="4067361" cy="2711574"/>
           </a:xfrm>
-          <a:prstGeom prst="rect"/>
+          <a:prstGeom prst="rect">
+            <a:avLst/>
+          </a:prstGeom>
         </p:spPr>
       </p:pic>
       <p:sp>
@@ -4063,9 +4222,11 @@
         <p:spPr/>
         <p:txBody>
           <a:bodyPr/>
+          <a:lstStyle/>
           <a:p>
             <a:fld id="{A8E1570B-8F0F-42DB-BA1A-EE8F9565E3F7}" type="datetime1">
               <a:rPr lang="en-US" smtClean="0"/>
+              <a:pPr/>
               <a:t>1/20/2018</a:t>
             </a:fld>
             <a:endParaRPr lang="en-IN"/>
@@ -4085,9 +4246,11 @@
         <p:spPr/>
         <p:txBody>
           <a:bodyPr/>
+          <a:lstStyle/>
           <a:p>
             <a:fld id="{5D58D9AF-4558-4E0A-A928-CE81B774F127}" type="slidenum">
               <a:rPr lang="en-IN" smtClean="0"/>
+              <a:pPr/>
               <a:t>10</a:t>
             </a:fld>
             <a:endParaRPr lang="en-IN"/>
@@ -4103,7 +4266,7 @@
           <p:nvPr/>
         </p:nvPicPr>
         <p:blipFill>
-          <a:blip xmlns:r="http://schemas.openxmlformats.org/officeDocument/2006/relationships" r:embed="rId3" cstate="print"/>
+          <a:blip r:embed="rId4" cstate="print"/>
           <a:srcRect/>
           <a:stretch>
             <a:fillRect/>
@@ -4111,10 +4274,12 @@
         </p:blipFill>
         <p:spPr bwMode="auto">
           <a:xfrm>
-            <a:off x="827584" y="2132856"/>
-            <a:ext cx="2592288" cy="1099759"/>
-          </a:xfrm>
-          <a:prstGeom prst="rect"/>
+            <a:off x="827584" y="1916832"/>
+            <a:ext cx="2232248" cy="1315783"/>
+          </a:xfrm>
+          <a:prstGeom prst="rect">
+            <a:avLst/>
+          </a:prstGeom>
           <a:noFill/>
         </p:spPr>
       </p:pic>
@@ -4127,7 +4292,7 @@
           <p:nvPr/>
         </p:nvPicPr>
         <p:blipFill>
-          <a:blip xmlns:r="http://schemas.openxmlformats.org/officeDocument/2006/relationships" r:embed="rId4" cstate="print"/>
+          <a:blip r:embed="rId5" cstate="print"/>
           <a:srcRect/>
           <a:stretch>
             <a:fillRect/>
@@ -4138,7 +4303,9 @@
             <a:off x="467544" y="3573016"/>
             <a:ext cx="3690157" cy="2520280"/>
           </a:xfrm>
-          <a:prstGeom prst="rect"/>
+          <a:prstGeom prst="rect">
+            <a:avLst/>
+          </a:prstGeom>
           <a:noFill/>
         </p:spPr>
       </p:pic>
@@ -4150,6 +4317,13 @@
   <p:transition>
     <p:wipe dir="d"/>
   </p:transition>
+  <p:timing>
+    <p:tnLst>
+      <p:par>
+        <p:cTn id="1" dur="indefinite" restart="never" nodeType="tmRoot"/>
+      </p:par>
+    </p:tnLst>
+  </p:timing>
 </p:sld>
 </file>
 
@@ -4158,7 +4332,7 @@
   <p:cSld>
     <p:spTree>
       <p:nvGrpSpPr>
-        <p:cNvPr id="46" name=""/>
+        <p:cNvPr id="1" name=""/>
         <p:cNvGrpSpPr/>
         <p:nvPr/>
       </p:nvGrpSpPr>
@@ -4190,13 +4364,14 @@
           <a:bodyPr>
             <a:normAutofit/>
           </a:bodyPr>
+          <a:lstStyle/>
           <a:p>
             <a:pPr algn="l"/>
             <a:r>
-              <a:rPr b="1" dirty="0" sz="3600" lang="en-US" smtClean="0"/>
+              <a:rPr lang="en-US" sz="3600" b="1" dirty="0" smtClean="0"/>
               <a:t>KNN Algorithm</a:t>
             </a:r>
-            <a:endParaRPr dirty="0" sz="3600" lang="en-IN"/>
+            <a:endParaRPr lang="en-IN" sz="3600" dirty="0"/>
           </a:p>
         </p:txBody>
       </p:sp>
@@ -4218,105 +4393,106 @@
         </p:spPr>
         <p:txBody>
           <a:bodyPr/>
+          <a:lstStyle/>
           <a:p>
             <a:pPr>
               <a:buFont typeface="Wingdings" pitchFamily="2" charset="2"/>
               <a:buChar char="q"/>
             </a:pPr>
             <a:r>
-              <a:rPr b="1" dirty="0" lang="en-US" smtClean="0"/>
+              <a:rPr lang="en-US" b="1" dirty="0" smtClean="0"/>
               <a:t>Steps:-</a:t>
             </a:r>
           </a:p>
           <a:p>
-            <a:pPr fontAlgn="base" lvl="1">
+            <a:pPr lvl="1" fontAlgn="base">
               <a:buFont typeface="Courier New" pitchFamily="49" charset="0"/>
               <a:buChar char="o"/>
             </a:pPr>
             <a:r>
-              <a:rPr b="1" dirty="0" sz="1600" lang="en-IN" smtClean="0"/>
+              <a:rPr lang="en-IN" sz="1600" b="1" dirty="0" smtClean="0"/>
               <a:t>Handle</a:t>
             </a:r>
             <a:r>
-              <a:rPr dirty="0" sz="1600" lang="en-IN" smtClean="0"/>
+              <a:rPr lang="en-IN" sz="1600" dirty="0" smtClean="0"/>
               <a:t> </a:t>
             </a:r>
             <a:r>
-              <a:rPr b="1" dirty="0" sz="1600" lang="en-IN" smtClean="0"/>
+              <a:rPr lang="en-IN" sz="1600" b="1" dirty="0" smtClean="0"/>
               <a:t>Data</a:t>
             </a:r>
             <a:r>
-              <a:rPr dirty="0" sz="1600" lang="en-IN" smtClean="0"/>
+              <a:rPr lang="en-IN" sz="1600" dirty="0" smtClean="0"/>
               <a:t>: Open the dataset from CSV and split into test/train datasets.</a:t>
             </a:r>
           </a:p>
           <a:p>
-            <a:pPr fontAlgn="base" lvl="1">
+            <a:pPr lvl="1" fontAlgn="base">
               <a:buFont typeface="Courier New" pitchFamily="49" charset="0"/>
               <a:buChar char="o"/>
             </a:pPr>
             <a:r>
-              <a:rPr b="1" dirty="0" sz="1600" lang="en-IN" smtClean="0"/>
+              <a:rPr lang="en-IN" sz="1600" b="1" dirty="0" smtClean="0"/>
               <a:t>Similarity</a:t>
             </a:r>
             <a:r>
-              <a:rPr dirty="0" sz="1600" lang="en-IN" smtClean="0"/>
+              <a:rPr lang="en-IN" sz="1600" dirty="0" smtClean="0"/>
               <a:t>: Calculate the distance between two data instances.</a:t>
             </a:r>
           </a:p>
           <a:p>
-            <a:pPr fontAlgn="base" lvl="1">
+            <a:pPr lvl="1" fontAlgn="base">
               <a:buFont typeface="Courier New" pitchFamily="49" charset="0"/>
               <a:buChar char="o"/>
             </a:pPr>
             <a:r>
-              <a:rPr b="1" dirty="0" sz="1600" lang="en-IN" err="1" smtClean="0"/>
+              <a:rPr lang="en-IN" sz="1600" b="1" dirty="0" err="1" smtClean="0"/>
               <a:t>Neighbors</a:t>
             </a:r>
             <a:r>
-              <a:rPr dirty="0" sz="1600" lang="en-IN" smtClean="0"/>
+              <a:rPr lang="en-IN" sz="1600" dirty="0" smtClean="0"/>
               <a:t>: Locate k most similar data instances.</a:t>
             </a:r>
           </a:p>
           <a:p>
-            <a:pPr fontAlgn="base" lvl="1">
+            <a:pPr lvl="1" fontAlgn="base">
               <a:buFont typeface="Courier New" pitchFamily="49" charset="0"/>
               <a:buChar char="o"/>
             </a:pPr>
             <a:r>
-              <a:rPr b="1" dirty="0" sz="1600" lang="en-IN" smtClean="0"/>
+              <a:rPr lang="en-IN" sz="1600" b="1" dirty="0" smtClean="0"/>
               <a:t>Predict:</a:t>
             </a:r>
             <a:r>
-              <a:rPr dirty="0" sz="1600" lang="en-IN" smtClean="0"/>
+              <a:rPr lang="en-IN" sz="1600" dirty="0" smtClean="0"/>
               <a:t> Generate a response from a set of data instances.</a:t>
             </a:r>
           </a:p>
           <a:p>
-            <a:pPr fontAlgn="base" lvl="1">
+            <a:pPr lvl="1" fontAlgn="base">
               <a:buFont typeface="Courier New" pitchFamily="49" charset="0"/>
               <a:buChar char="o"/>
             </a:pPr>
             <a:r>
-              <a:rPr b="1" dirty="0" sz="1600" lang="en-IN" smtClean="0"/>
+              <a:rPr lang="en-IN" sz="1600" b="1" dirty="0" smtClean="0"/>
               <a:t>Confusion Matrix</a:t>
             </a:r>
             <a:r>
-              <a:rPr dirty="0" sz="1600" lang="en-IN" smtClean="0"/>
+              <a:rPr lang="en-IN" sz="1600" dirty="0" smtClean="0"/>
               <a:t>: Compute confusion matrix to evaluate the accuracy of a classification</a:t>
             </a:r>
           </a:p>
           <a:p>
-            <a:pPr fontAlgn="base" lvl="1">
+            <a:pPr lvl="1" fontAlgn="base">
               <a:buFont typeface="Courier New" pitchFamily="49" charset="0"/>
               <a:buChar char="o"/>
             </a:pPr>
             <a:r>
-              <a:rPr b="1" dirty="0" sz="1600" lang="en-IN" smtClean="0"/>
+              <a:rPr lang="en-IN" sz="1600" b="1" dirty="0" smtClean="0"/>
               <a:t>Accuracy</a:t>
             </a:r>
             <a:r>
-              <a:rPr dirty="0" sz="1600" lang="en-IN" smtClean="0"/>
+              <a:rPr lang="en-IN" sz="1600" dirty="0" smtClean="0"/>
               <a:t>: Summarize the accuracy of predictions.</a:t>
             </a:r>
           </a:p>
@@ -4324,7 +4500,7 @@
             <a:pPr>
               <a:buNone/>
             </a:pPr>
-            <a:endParaRPr dirty="0" lang="en-IN"/>
+            <a:endParaRPr lang="en-IN" dirty="0"/>
           </a:p>
         </p:txBody>
       </p:sp>
@@ -4341,9 +4517,11 @@
         <p:spPr/>
         <p:txBody>
           <a:bodyPr/>
+          <a:lstStyle/>
           <a:p>
             <a:fld id="{4F2F26B5-F710-420A-BA0B-BAB85524BAB1}" type="datetime1">
               <a:rPr lang="en-US" smtClean="0"/>
+              <a:pPr/>
               <a:t>1/20/2018</a:t>
             </a:fld>
             <a:endParaRPr lang="en-IN"/>
@@ -4363,9 +4541,11 @@
         <p:spPr/>
         <p:txBody>
           <a:bodyPr/>
+          <a:lstStyle/>
           <a:p>
             <a:fld id="{5D58D9AF-4558-4E0A-A928-CE81B774F127}" type="slidenum">
               <a:rPr lang="en-IN" smtClean="0"/>
+              <a:pPr/>
               <a:t>11</a:t>
             </a:fld>
             <a:endParaRPr lang="en-IN"/>
@@ -4385,7 +4565,9 @@
             <a:off x="467544" y="1196752"/>
             <a:ext cx="8208912" cy="0"/>
           </a:xfrm>
-          <a:prstGeom prst="line"/>
+          <a:prstGeom prst="line">
+            <a:avLst/>
+          </a:prstGeom>
           <a:ln>
             <a:solidFill>
               <a:schemeClr val="tx1"/>
@@ -4416,39 +4598,43 @@
           <p:nvPr/>
         </p:nvPicPr>
         <p:blipFill>
-          <a:blip xmlns:r="http://schemas.openxmlformats.org/officeDocument/2006/relationships" r:embed="rId1" cstate="print"/>
+          <a:blip r:embed="rId2" cstate="print"/>
           <a:stretch>
             <a:fillRect/>
           </a:stretch>
         </p:blipFill>
         <p:spPr>
           <a:xfrm>
-            <a:off x="4933020" y="4327806"/>
-            <a:ext cx="3240360" cy="1821306"/>
-          </a:xfrm>
-          <a:prstGeom prst="rect"/>
+            <a:off x="4647987" y="4327806"/>
+            <a:ext cx="3525393" cy="1981514"/>
+          </a:xfrm>
+          <a:prstGeom prst="rect">
+            <a:avLst/>
+          </a:prstGeom>
         </p:spPr>
       </p:pic>
       <p:pic>
         <p:nvPicPr>
-          <p:cNvPr id="2097161" name=""/>
+          <p:cNvPr id="2097161" name="Picture 2097160"/>
           <p:cNvPicPr>
             <a:picLocks/>
           </p:cNvPicPr>
           <p:nvPr/>
         </p:nvPicPr>
         <p:blipFill>
-          <a:blip xmlns:r="http://schemas.openxmlformats.org/officeDocument/2006/relationships" r:embed="rId2"/>
+          <a:blip r:embed="rId3" cstate="print"/>
           <a:stretch>
             <a:fillRect/>
           </a:stretch>
         </p:blipFill>
         <p:spPr>
-          <a:xfrm rot="0">
-            <a:off x="1523999" y="4240223"/>
-            <a:ext cx="1568916" cy="1372345"/>
-          </a:xfrm>
-          <a:prstGeom prst="rect"/>
+          <a:xfrm>
+            <a:off x="1523998" y="4240223"/>
+            <a:ext cx="1823865" cy="1709057"/>
+          </a:xfrm>
+          <a:prstGeom prst="rect">
+            <a:avLst/>
+          </a:prstGeom>
         </p:spPr>
       </p:pic>
       <p:sp>
@@ -4459,83 +4645,26 @@
         </p:nvSpPr>
         <p:spPr>
           <a:xfrm>
-            <a:off x="1236887" y="5767156"/>
+            <a:off x="1331640" y="6021288"/>
             <a:ext cx="2143140" cy="276999"/>
           </a:xfrm>
-          <a:prstGeom prst="rect"/>
+          <a:prstGeom prst="rect">
+            <a:avLst/>
+          </a:prstGeom>
           <a:noFill/>
         </p:spPr>
         <p:txBody>
-          <a:bodyPr rtlCol="0" wrap="square">
+          <a:bodyPr wrap="square" rtlCol="0">
             <a:spAutoFit/>
           </a:bodyPr>
+          <a:lstStyle/>
           <a:p>
             <a:pPr algn="ctr"/>
             <a:r>
-              <a:rPr dirty="0" sz="1200" lang="en-US" smtClean="0"/>
-              <a:t>Fig.4  (</a:t>
-            </a:r>
-            <a:r>
-              <a:rPr dirty="0" sz="1200" lang="en-US" smtClean="0"/>
-              <a:t>E</a:t>
-            </a:r>
-            <a:r>
-              <a:rPr dirty="0" sz="1200" lang="en-US" smtClean="0"/>
-              <a:t>x</a:t>
-            </a:r>
-            <a:r>
-              <a:rPr dirty="0" sz="1200" lang="en-US" smtClean="0"/>
-              <a:t>a</a:t>
-            </a:r>
-            <a:r>
-              <a:rPr dirty="0" sz="1200" lang="en-US" smtClean="0"/>
-              <a:t>m</a:t>
-            </a:r>
-            <a:r>
-              <a:rPr dirty="0" sz="1200" lang="en-US" smtClean="0"/>
-              <a:t>p</a:t>
-            </a:r>
-            <a:r>
-              <a:rPr dirty="0" sz="1200" lang="en-US" smtClean="0"/>
-              <a:t>l</a:t>
-            </a:r>
-            <a:r>
-              <a:rPr dirty="0" sz="1200" lang="en-US" smtClean="0"/>
-              <a:t>e</a:t>
-            </a:r>
-            <a:r>
-              <a:rPr dirty="0" sz="1200" lang="en-US" smtClean="0"/>
-              <a:t> </a:t>
-            </a:r>
-            <a:r>
-              <a:rPr dirty="0" sz="1200" lang="en-US" smtClean="0"/>
-              <a:t>o</a:t>
-            </a:r>
-            <a:r>
-              <a:rPr dirty="0" sz="1200" lang="en-US" smtClean="0"/>
-              <a:t>f</a:t>
-            </a:r>
-            <a:r>
-              <a:rPr dirty="0" sz="1200" lang="en-US" smtClean="0"/>
-              <a:t> </a:t>
-            </a:r>
-            <a:r>
-              <a:rPr dirty="0" sz="1200" lang="en-US" smtClean="0"/>
-              <a:t>K</a:t>
-            </a:r>
-            <a:r>
-              <a:rPr dirty="0" sz="1200" lang="en-US" smtClean="0"/>
-              <a:t>N</a:t>
-            </a:r>
-            <a:r>
-              <a:rPr dirty="0" sz="1200" lang="en-US" smtClean="0"/>
-              <a:t>N</a:t>
-            </a:r>
-            <a:r>
-              <a:rPr dirty="0" sz="1200" lang="en-US" smtClean="0"/>
-              <a:t>)</a:t>
-            </a:r>
-            <a:endParaRPr dirty="0" sz="1200" lang="en-IN"/>
+              <a:rPr lang="en-US" sz="1200" dirty="0" smtClean="0"/>
+              <a:t>Fig.4  (Example of KNN)</a:t>
+            </a:r>
+            <a:endParaRPr lang="en-IN" sz="1200" dirty="0"/>
           </a:p>
         </p:txBody>
       </p:sp>
@@ -4547,6 +4676,13 @@
   <p:transition>
     <p:wipe dir="d"/>
   </p:transition>
+  <p:timing>
+    <p:tnLst>
+      <p:par>
+        <p:cTn id="1" dur="indefinite" restart="never" nodeType="tmRoot"/>
+      </p:par>
+    </p:tnLst>
+  </p:timing>
 </p:sld>
 </file>
 
@@ -4555,7 +4691,7 @@
   <p:cSld>
     <p:spTree>
       <p:nvGrpSpPr>
-        <p:cNvPr id="47" name=""/>
+        <p:cNvPr id="1" name=""/>
         <p:cNvGrpSpPr/>
         <p:nvPr/>
       </p:nvGrpSpPr>
@@ -4587,13 +4723,14 @@
           <a:bodyPr>
             <a:normAutofit/>
           </a:bodyPr>
+          <a:lstStyle/>
           <a:p>
             <a:pPr algn="l"/>
             <a:r>
-              <a:rPr b="1" dirty="0" sz="3600" lang="en-US" smtClean="0"/>
+              <a:rPr lang="en-US" sz="3600" b="1" dirty="0" smtClean="0"/>
               <a:t>Random Forest Classification</a:t>
             </a:r>
-            <a:endParaRPr b="1" dirty="0" sz="3600" lang="en-IN"/>
+            <a:endParaRPr lang="en-IN" sz="3600" b="1" dirty="0"/>
           </a:p>
         </p:txBody>
       </p:sp>
@@ -4617,12 +4754,13 @@
           <a:bodyPr>
             <a:normAutofit/>
           </a:bodyPr>
+          <a:lstStyle/>
           <a:p>
             <a:pPr>
               <a:buNone/>
             </a:pPr>
             <a:r>
-              <a:rPr dirty="0" sz="2000" lang="en-US" smtClean="0"/>
+              <a:rPr lang="en-US" sz="2000" dirty="0" smtClean="0"/>
               <a:t>	Random forest classifier is a supervised classification algorithm. It uses decision trees to classify datasets</a:t>
             </a:r>
           </a:p>
@@ -4631,7 +4769,7 @@
               <a:buNone/>
             </a:pPr>
             <a:r>
-              <a:rPr b="1" dirty="0" sz="2000" lang="en-US" smtClean="0"/>
+              <a:rPr lang="en-US" sz="2000" b="1" dirty="0" smtClean="0"/>
               <a:t>Confusion Matrix:</a:t>
             </a:r>
           </a:p>
@@ -4639,41 +4777,41 @@
             <a:pPr>
               <a:buNone/>
             </a:pPr>
-            <a:endParaRPr dirty="0" sz="2000" lang="en-US" smtClean="0"/>
+            <a:endParaRPr lang="en-US" sz="2000" dirty="0" smtClean="0"/>
           </a:p>
           <a:p>
             <a:pPr>
               <a:buNone/>
             </a:pPr>
-            <a:endParaRPr dirty="0" sz="2000" lang="en-US" smtClean="0"/>
+            <a:endParaRPr lang="en-US" sz="2000" dirty="0" smtClean="0"/>
           </a:p>
           <a:p>
             <a:pPr>
               <a:buNone/>
             </a:pPr>
-            <a:endParaRPr dirty="0" sz="2000" lang="en-US" smtClean="0"/>
+            <a:endParaRPr lang="en-US" sz="2000" dirty="0" smtClean="0"/>
           </a:p>
           <a:p>
             <a:pPr>
               <a:buNone/>
             </a:pPr>
-            <a:endParaRPr dirty="0" sz="2000" lang="en-US" smtClean="0"/>
+            <a:endParaRPr lang="en-US" sz="2000" dirty="0" smtClean="0"/>
           </a:p>
           <a:p>
             <a:pPr>
               <a:buNone/>
             </a:pPr>
-            <a:endParaRPr dirty="0" sz="2000" lang="en-US" smtClean="0"/>
+            <a:endParaRPr lang="en-US" sz="2000" dirty="0" smtClean="0"/>
           </a:p>
           <a:p>
             <a:pPr>
               <a:buNone/>
             </a:pPr>
             <a:r>
-              <a:rPr b="1" dirty="0" sz="2000" lang="en-US" smtClean="0"/>
+              <a:rPr lang="en-US" sz="2000" b="1" dirty="0" smtClean="0"/>
               <a:t>Roc Curve:      </a:t>
             </a:r>
-            <a:endParaRPr b="1" dirty="0" sz="2000" lang="en-IN"/>
+            <a:endParaRPr lang="en-IN" sz="2000" b="1" dirty="0"/>
           </a:p>
         </p:txBody>
       </p:sp>
@@ -4690,7 +4828,9 @@
             <a:off x="500034" y="1142984"/>
             <a:ext cx="8143932" cy="1588"/>
           </a:xfrm>
-          <a:prstGeom prst="line"/>
+          <a:prstGeom prst="line">
+            <a:avLst/>
+          </a:prstGeom>
           <a:ln>
             <a:solidFill>
               <a:schemeClr val="tx1"/>
@@ -4721,17 +4861,19 @@
           <p:nvPr/>
         </p:nvPicPr>
         <p:blipFill>
-          <a:blip xmlns:r="http://schemas.openxmlformats.org/officeDocument/2006/relationships" r:embed="rId1" cstate="print"/>
+          <a:blip r:embed="rId2" cstate="print"/>
           <a:stretch>
             <a:fillRect/>
           </a:stretch>
         </p:blipFill>
         <p:spPr>
           <a:xfrm>
-            <a:off x="2962276" y="2428868"/>
-            <a:ext cx="1752600" cy="1071570"/>
-          </a:xfrm>
-          <a:prstGeom prst="rect"/>
+            <a:off x="2962276" y="2208036"/>
+            <a:ext cx="2113780" cy="1292402"/>
+          </a:xfrm>
+          <a:prstGeom prst="rect">
+            <a:avLst/>
+          </a:prstGeom>
         </p:spPr>
       </p:pic>
       <p:pic>
@@ -4743,17 +4885,19 @@
           <p:nvPr/>
         </p:nvPicPr>
         <p:blipFill>
-          <a:blip xmlns:r="http://schemas.openxmlformats.org/officeDocument/2006/relationships" r:embed="rId2" cstate="print"/>
+          <a:blip r:embed="rId3" cstate="print"/>
           <a:stretch>
             <a:fillRect/>
           </a:stretch>
         </p:blipFill>
         <p:spPr>
           <a:xfrm>
-            <a:off x="2555776" y="3717032"/>
-            <a:ext cx="3841529" cy="2497480"/>
-          </a:xfrm>
-          <a:prstGeom prst="rect"/>
+            <a:off x="2555776" y="3573016"/>
+            <a:ext cx="4063049" cy="2641496"/>
+          </a:xfrm>
+          <a:prstGeom prst="rect">
+            <a:avLst/>
+          </a:prstGeom>
         </p:spPr>
       </p:pic>
       <p:sp>
@@ -4767,28 +4911,23 @@
             <a:off x="3500430" y="6264495"/>
             <a:ext cx="2143140" cy="276999"/>
           </a:xfrm>
-          <a:prstGeom prst="rect"/>
+          <a:prstGeom prst="rect">
+            <a:avLst/>
+          </a:prstGeom>
           <a:noFill/>
         </p:spPr>
         <p:txBody>
-          <a:bodyPr rtlCol="0" wrap="square">
+          <a:bodyPr wrap="square" rtlCol="0">
             <a:spAutoFit/>
           </a:bodyPr>
+          <a:lstStyle/>
           <a:p>
             <a:pPr algn="ctr"/>
             <a:r>
-              <a:rPr dirty="0" sz="1200" lang="en-US" smtClean="0"/>
-              <a:t>Fig.</a:t>
-            </a:r>
-            <a:r>
-              <a:rPr dirty="0" sz="1200" lang="en-US" smtClean="0"/>
-              <a:t>5</a:t>
-            </a:r>
-            <a:r>
-              <a:rPr dirty="0" sz="1200" lang="en-US" smtClean="0"/>
-              <a:t>  (ROC Curve)</a:t>
-            </a:r>
-            <a:endParaRPr dirty="0" sz="1200" lang="en-IN"/>
+              <a:rPr lang="en-US" sz="1200" dirty="0" smtClean="0"/>
+              <a:t>Fig.5  (ROC Curve)</a:t>
+            </a:r>
+            <a:endParaRPr lang="en-IN" sz="1200" dirty="0"/>
           </a:p>
         </p:txBody>
       </p:sp>
@@ -4803,7 +4942,9 @@
             <a:off x="2500298" y="2643182"/>
             <a:ext cx="285752" cy="142876"/>
           </a:xfrm>
-          <a:prstGeom prst="rightArrow"/>
+          <a:prstGeom prst="rightArrow">
+            <a:avLst/>
+          </a:prstGeom>
         </p:spPr>
         <p:style>
           <a:lnRef idx="2">
@@ -4822,7 +4963,8 @@
           </a:fontRef>
         </p:style>
         <p:txBody>
-          <a:bodyPr anchor="ctr" rtlCol="0"/>
+          <a:bodyPr rtlCol="0" anchor="ctr"/>
+          <a:lstStyle/>
           <a:p>
             <a:pPr algn="ctr"/>
             <a:endParaRPr lang="en-IN"/>
@@ -4840,7 +4982,9 @@
             <a:off x="1785918" y="4786322"/>
             <a:ext cx="571504" cy="214314"/>
           </a:xfrm>
-          <a:prstGeom prst="rightArrow"/>
+          <a:prstGeom prst="rightArrow">
+            <a:avLst/>
+          </a:prstGeom>
         </p:spPr>
         <p:style>
           <a:lnRef idx="2">
@@ -4859,7 +5003,8 @@
           </a:fontRef>
         </p:style>
         <p:txBody>
-          <a:bodyPr anchor="ctr" rtlCol="0"/>
+          <a:bodyPr rtlCol="0" anchor="ctr"/>
+          <a:lstStyle/>
           <a:p>
             <a:pPr algn="ctr"/>
             <a:endParaRPr lang="en-IN"/>
@@ -4879,9 +5024,11 @@
         <p:spPr/>
         <p:txBody>
           <a:bodyPr/>
+          <a:lstStyle/>
           <a:p>
             <a:fld id="{FAE28742-D507-4271-A973-95602BB021FA}" type="datetime1">
               <a:rPr lang="en-US" smtClean="0"/>
+              <a:pPr/>
               <a:t>1/20/2018</a:t>
             </a:fld>
             <a:endParaRPr lang="en-IN"/>
@@ -4901,9 +5048,11 @@
         <p:spPr/>
         <p:txBody>
           <a:bodyPr/>
+          <a:lstStyle/>
           <a:p>
             <a:fld id="{5D58D9AF-4558-4E0A-A928-CE81B774F127}" type="slidenum">
               <a:rPr lang="en-IN" smtClean="0"/>
+              <a:pPr/>
               <a:t>12</a:t>
             </a:fld>
             <a:endParaRPr lang="en-IN"/>
@@ -4918,6 +5067,13 @@
   <p:transition>
     <p:wipe dir="d"/>
   </p:transition>
+  <p:timing>
+    <p:tnLst>
+      <p:par>
+        <p:cTn id="1" dur="indefinite" restart="never" nodeType="tmRoot"/>
+      </p:par>
+    </p:tnLst>
+  </p:timing>
 </p:sld>
 </file>
 
@@ -4926,7 +5082,7 @@
   <p:cSld>
     <p:spTree>
       <p:nvGrpSpPr>
-        <p:cNvPr id="48" name=""/>
+        <p:cNvPr id="1" name=""/>
         <p:cNvGrpSpPr/>
         <p:nvPr/>
       </p:nvGrpSpPr>
@@ -4958,13 +5114,14 @@
           <a:bodyPr>
             <a:noAutofit/>
           </a:bodyPr>
+          <a:lstStyle/>
           <a:p>
             <a:pPr algn="l"/>
             <a:r>
-              <a:rPr b="1" dirty="0" sz="3600" lang="en-US" smtClean="0"/>
+              <a:rPr lang="en-US" sz="3600" b="1" dirty="0" smtClean="0"/>
               <a:t>Random Forest Classification (contd.)</a:t>
             </a:r>
-            <a:endParaRPr dirty="0" sz="3600" lang="en-IN"/>
+            <a:endParaRPr lang="en-IN" sz="3600" dirty="0"/>
           </a:p>
         </p:txBody>
       </p:sp>
@@ -4986,22 +5143,23 @@
         </p:spPr>
         <p:txBody>
           <a:bodyPr/>
+          <a:lstStyle/>
           <a:p>
             <a:pPr>
               <a:buNone/>
             </a:pPr>
-            <a:endParaRPr dirty="0" sz="2400" lang="en-US" u="sng" smtClean="0"/>
+            <a:endParaRPr lang="en-US" sz="2400" u="sng" dirty="0" smtClean="0"/>
           </a:p>
           <a:p>
             <a:pPr>
               <a:buNone/>
             </a:pPr>
             <a:r>
-              <a:rPr b="1" dirty="0" sz="2000" lang="en-US" smtClean="0"/>
+              <a:rPr lang="en-US" sz="2000" b="1" dirty="0" smtClean="0"/>
               <a:t>Accuracy:</a:t>
             </a:r>
             <a:r>
-              <a:rPr dirty="0" sz="2400" lang="en-US" smtClean="0"/>
+              <a:rPr lang="en-US" sz="2400" dirty="0" smtClean="0"/>
               <a:t>                                                                           </a:t>
             </a:r>
           </a:p>
@@ -5009,14 +5167,14 @@
             <a:pPr>
               <a:buNone/>
             </a:pPr>
-            <a:endParaRPr dirty="0" sz="2000" lang="en-US" u="sng" smtClean="0"/>
+            <a:endParaRPr lang="en-US" sz="2000" u="sng" dirty="0" smtClean="0"/>
           </a:p>
           <a:p>
             <a:pPr>
               <a:buNone/>
             </a:pPr>
             <a:r>
-              <a:rPr b="1" dirty="0" sz="2000" lang="en-US" smtClean="0"/>
+              <a:rPr lang="en-US" sz="2000" b="1" dirty="0" smtClean="0"/>
               <a:t>Feature Importance:</a:t>
             </a:r>
           </a:p>
@@ -5024,7 +5182,7 @@
             <a:pPr>
               <a:buNone/>
             </a:pPr>
-            <a:endParaRPr dirty="0" sz="2400" lang="en-US" u="sng" smtClean="0"/>
+            <a:endParaRPr lang="en-US" sz="2400" u="sng" dirty="0" smtClean="0"/>
           </a:p>
         </p:txBody>
       </p:sp>
@@ -5041,7 +5199,9 @@
             <a:off x="500034" y="1357298"/>
             <a:ext cx="8143932" cy="1588"/>
           </a:xfrm>
-          <a:prstGeom prst="line"/>
+          <a:prstGeom prst="line">
+            <a:avLst/>
+          </a:prstGeom>
           <a:ln>
             <a:solidFill>
               <a:schemeClr val="tx1"/>
@@ -5072,7 +5232,7 @@
           <p:nvPr/>
         </p:nvPicPr>
         <p:blipFill>
-          <a:blip xmlns:r="http://schemas.openxmlformats.org/officeDocument/2006/relationships" r:embed="rId1" cstate="print"/>
+          <a:blip r:embed="rId2" cstate="print"/>
           <a:stretch>
             <a:fillRect/>
           </a:stretch>
@@ -5082,7 +5242,9 @@
             <a:off x="3143240" y="1566855"/>
             <a:ext cx="3753200" cy="1004889"/>
           </a:xfrm>
-          <a:prstGeom prst="rect"/>
+          <a:prstGeom prst="rect">
+            <a:avLst/>
+          </a:prstGeom>
         </p:spPr>
       </p:pic>
       <p:sp>
@@ -5096,7 +5258,9 @@
             <a:off x="2071670" y="1928802"/>
             <a:ext cx="428628" cy="214314"/>
           </a:xfrm>
-          <a:prstGeom prst="rightArrow"/>
+          <a:prstGeom prst="rightArrow">
+            <a:avLst/>
+          </a:prstGeom>
         </p:spPr>
         <p:style>
           <a:lnRef idx="2">
@@ -5115,7 +5279,8 @@
           </a:fontRef>
         </p:style>
         <p:txBody>
-          <a:bodyPr anchor="ctr" rtlCol="0"/>
+          <a:bodyPr rtlCol="0" anchor="ctr"/>
+          <a:lstStyle/>
           <a:p>
             <a:pPr algn="ctr"/>
             <a:endParaRPr lang="en-IN"/>
@@ -5131,7 +5296,7 @@
           <p:nvPr/>
         </p:nvPicPr>
         <p:blipFill>
-          <a:blip xmlns:r="http://schemas.openxmlformats.org/officeDocument/2006/relationships" r:embed="rId2" cstate="print"/>
+          <a:blip r:embed="rId3" cstate="print"/>
           <a:stretch>
             <a:fillRect/>
           </a:stretch>
@@ -5141,7 +5306,9 @@
             <a:off x="642910" y="3071810"/>
             <a:ext cx="7943850" cy="3214710"/>
           </a:xfrm>
-          <a:prstGeom prst="rect"/>
+          <a:prstGeom prst="rect">
+            <a:avLst/>
+          </a:prstGeom>
         </p:spPr>
       </p:pic>
       <p:pic>
@@ -5153,7 +5320,7 @@
           <p:nvPr/>
         </p:nvPicPr>
         <p:blipFill>
-          <a:blip xmlns:r="http://schemas.openxmlformats.org/officeDocument/2006/relationships" r:embed="rId3" cstate="print"/>
+          <a:blip r:embed="rId4" cstate="print"/>
           <a:stretch>
             <a:fillRect/>
           </a:stretch>
@@ -5163,7 +5330,9 @@
             <a:off x="6228184" y="3212976"/>
             <a:ext cx="2124075" cy="1743075"/>
           </a:xfrm>
-          <a:prstGeom prst="rect"/>
+          <a:prstGeom prst="rect">
+            <a:avLst/>
+          </a:prstGeom>
         </p:spPr>
       </p:pic>
       <p:sp>
@@ -5177,27 +5346,22 @@
             <a:off x="3000364" y="6264495"/>
             <a:ext cx="3143272" cy="307777"/>
           </a:xfrm>
-          <a:prstGeom prst="rect"/>
+          <a:prstGeom prst="rect">
+            <a:avLst/>
+          </a:prstGeom>
           <a:noFill/>
         </p:spPr>
         <p:txBody>
-          <a:bodyPr rtlCol="0" wrap="square">
+          <a:bodyPr wrap="square" rtlCol="0">
             <a:spAutoFit/>
           </a:bodyPr>
-          <a:p>
-            <a:r>
-              <a:rPr dirty="0" sz="1400" lang="en-US" smtClean="0"/>
-              <a:t>Fig. </a:t>
-            </a:r>
-            <a:r>
-              <a:rPr dirty="0" sz="1400" lang="en-US" smtClean="0"/>
-              <a:t>6</a:t>
-            </a:r>
-            <a:r>
-              <a:rPr dirty="0" sz="1400" lang="en-US" smtClean="0"/>
-              <a:t> ( Feature importance plotting )</a:t>
-            </a:r>
-            <a:endParaRPr dirty="0" sz="1400" lang="en-IN"/>
+          <a:lstStyle/>
+          <a:p>
+            <a:r>
+              <a:rPr lang="en-US" sz="1400" dirty="0" smtClean="0"/>
+              <a:t>Fig. 6 ( Feature importance plotting )</a:t>
+            </a:r>
+            <a:endParaRPr lang="en-IN" sz="1400" dirty="0"/>
           </a:p>
         </p:txBody>
       </p:sp>
@@ -5214,9 +5378,11 @@
         <p:spPr/>
         <p:txBody>
           <a:bodyPr/>
+          <a:lstStyle/>
           <a:p>
             <a:fld id="{5CAF68EB-4A27-45BA-A4BF-36EB753465E6}" type="datetime1">
               <a:rPr lang="en-US" smtClean="0"/>
+              <a:pPr/>
               <a:t>1/20/2018</a:t>
             </a:fld>
             <a:endParaRPr lang="en-IN"/>
@@ -5236,9 +5402,11 @@
         <p:spPr/>
         <p:txBody>
           <a:bodyPr/>
+          <a:lstStyle/>
           <a:p>
             <a:fld id="{5D58D9AF-4558-4E0A-A928-CE81B774F127}" type="slidenum">
               <a:rPr lang="en-IN" smtClean="0"/>
+              <a:pPr/>
               <a:t>13</a:t>
             </a:fld>
             <a:endParaRPr lang="en-IN"/>
@@ -5253,6 +5421,13 @@
   <p:transition>
     <p:wipe dir="d"/>
   </p:transition>
+  <p:timing>
+    <p:tnLst>
+      <p:par>
+        <p:cTn id="1" dur="indefinite" restart="never" nodeType="tmRoot"/>
+      </p:par>
+    </p:tnLst>
+  </p:timing>
 </p:sld>
 </file>
 
@@ -5261,7 +5436,7 @@
   <p:cSld>
     <p:spTree>
       <p:nvGrpSpPr>
-        <p:cNvPr id="49" name=""/>
+        <p:cNvPr id="1" name=""/>
         <p:cNvGrpSpPr/>
         <p:nvPr/>
       </p:nvGrpSpPr>
@@ -5288,19 +5463,20 @@
           <a:bodyPr>
             <a:normAutofit/>
           </a:bodyPr>
-          <a:p>
-            <a:pPr algn="l" lvl="1" rtl="0">
+          <a:lstStyle/>
+          <a:p>
+            <a:pPr lvl="1" algn="l" rtl="0">
               <a:spcBef>
                 <a:spcPct val="0"/>
               </a:spcBef>
             </a:pPr>
             <a:r>
-              <a:rPr b="1" dirty="0" sz="3600" lang="en-IN" smtClean="0">
+              <a:rPr lang="en-IN" sz="3600" b="1" dirty="0" smtClean="0">
                 <a:latin typeface="+mj-lt"/>
               </a:rPr>
               <a:t>Conclusion</a:t>
             </a:r>
-            <a:endParaRPr b="1" dirty="0" sz="3600" lang="en-IN">
+            <a:endParaRPr lang="en-IN" sz="3600" b="1" dirty="0">
               <a:latin typeface="+mj-lt"/>
             </a:endParaRPr>
           </a:p>
@@ -5321,17 +5497,18 @@
           <a:bodyPr>
             <a:normAutofit/>
           </a:bodyPr>
+          <a:lstStyle/>
           <a:p>
             <a:pPr>
               <a:buNone/>
             </a:pPr>
             <a:r>
-              <a:rPr dirty="0" sz="2000" lang="en-US" smtClean="0">
+              <a:rPr lang="en-US" sz="2000" dirty="0" smtClean="0">
                 <a:cs typeface="Times New Roman" pitchFamily="18" charset="0"/>
               </a:rPr>
               <a:t>      From the above project done, it can be concluded that the Random Forest Classifier model, is the most accurate way of predicting the customer churn score, among the three models.</a:t>
             </a:r>
-            <a:endParaRPr dirty="0" sz="2000" lang="en-IN"/>
+            <a:endParaRPr lang="en-IN" sz="2000" dirty="0"/>
           </a:p>
         </p:txBody>
       </p:sp>
@@ -5348,7 +5525,9 @@
             <a:off x="500034" y="1214422"/>
             <a:ext cx="8143932" cy="1588"/>
           </a:xfrm>
-          <a:prstGeom prst="line"/>
+          <a:prstGeom prst="line">
+            <a:avLst/>
+          </a:prstGeom>
           <a:ln>
             <a:solidFill>
               <a:schemeClr val="tx1"/>
@@ -5383,9 +5562,11 @@
         <p:spPr/>
         <p:txBody>
           <a:bodyPr/>
+          <a:lstStyle/>
           <a:p>
             <a:fld id="{56B504D5-C299-47F5-A5FE-24D900F83764}" type="datetime1">
               <a:rPr lang="en-US" smtClean="0"/>
+              <a:pPr/>
               <a:t>1/20/2018</a:t>
             </a:fld>
             <a:endParaRPr lang="en-IN"/>
@@ -5405,9 +5586,11 @@
         <p:spPr/>
         <p:txBody>
           <a:bodyPr/>
+          <a:lstStyle/>
           <a:p>
             <a:fld id="{5D58D9AF-4558-4E0A-A928-CE81B774F127}" type="slidenum">
               <a:rPr lang="en-IN" smtClean="0"/>
+              <a:pPr/>
               <a:t>14</a:t>
             </a:fld>
             <a:endParaRPr lang="en-IN"/>
@@ -5422,6 +5605,13 @@
   <p:transition>
     <p:wipe dir="d"/>
   </p:transition>
+  <p:timing>
+    <p:tnLst>
+      <p:par>
+        <p:cTn id="1" dur="indefinite" restart="never" nodeType="tmRoot"/>
+      </p:par>
+    </p:tnLst>
+  </p:timing>
 </p:sld>
 </file>
 
@@ -5430,7 +5620,7 @@
   <p:cSld>
     <p:spTree>
       <p:nvGrpSpPr>
-        <p:cNvPr id="50" name=""/>
+        <p:cNvPr id="1" name=""/>
         <p:cNvGrpSpPr/>
         <p:nvPr/>
       </p:nvGrpSpPr>
@@ -5462,15 +5652,16 @@
           <a:bodyPr>
             <a:normAutofit/>
           </a:bodyPr>
+          <a:lstStyle/>
           <a:p>
             <a:pPr algn="l"/>
             <a:r>
-              <a:rPr b="1" dirty="0" sz="3600" lang="en-US" smtClean="0">
+              <a:rPr lang="en-US" sz="3600" b="1" dirty="0" smtClean="0">
                 <a:cs typeface="Times New Roman" pitchFamily="18" charset="0"/>
               </a:rPr>
               <a:t>References</a:t>
             </a:r>
-            <a:endParaRPr dirty="0" sz="3600" lang="en-IN"/>
+            <a:endParaRPr lang="en-IN" sz="3600" dirty="0"/>
           </a:p>
         </p:txBody>
       </p:sp>
@@ -5489,109 +5680,110 @@
           <a:bodyPr>
             <a:normAutofit/>
           </a:bodyPr>
-          <a:p>
-            <a:pPr indent="-514350" marL="514350">
+          <a:lstStyle/>
+          <a:p>
+            <a:pPr marL="514350" indent="-514350">
               <a:buFont typeface="+mj-lt"/>
               <a:buAutoNum type="romanUcPeriod"/>
             </a:pPr>
             <a:r>
-              <a:rPr dirty="0" sz="1800" lang="en-US" smtClean="0">
+              <a:rPr lang="en-US" sz="1800" dirty="0" smtClean="0">
                 <a:cs typeface="Times New Roman" pitchFamily="18" charset="0"/>
               </a:rPr>
               <a:t>http://ieeexplore.ieee.org/document/7570883/figures</a:t>
             </a:r>
           </a:p>
           <a:p>
-            <a:pPr indent="-514350" marL="514350">
+            <a:pPr marL="514350" indent="-514350">
               <a:buFont typeface="+mj-lt"/>
               <a:buAutoNum type="romanUcPeriod"/>
             </a:pPr>
             <a:r>
-              <a:rPr dirty="0" sz="1800" lang="en-US" smtClean="0">
+              <a:rPr lang="en-US" sz="1800" dirty="0" smtClean="0">
                 <a:cs typeface="Times New Roman" pitchFamily="18" charset="0"/>
               </a:rPr>
               <a:t>https://github.com/bensadeghi/pyspark-churn-prediction/blob/master/data/churn-bigml-80.csv</a:t>
             </a:r>
           </a:p>
           <a:p>
-            <a:pPr indent="-514350" marL="514350">
+            <a:pPr marL="514350" indent="-514350">
               <a:buFont typeface="+mj-lt"/>
               <a:buAutoNum type="romanUcPeriod"/>
             </a:pPr>
             <a:r>
-              <a:rPr dirty="0" sz="1800" lang="en-US" smtClean="0">
+              <a:rPr lang="en-US" sz="1800" dirty="0" smtClean="0">
                 <a:cs typeface="Times New Roman" pitchFamily="18" charset="0"/>
               </a:rPr>
               <a:t>https://github.com/bensadeghi/pyspark-churn-prediction/blob/master/churn-prediction.ipynb</a:t>
             </a:r>
           </a:p>
           <a:p>
-            <a:pPr indent="-514350" marL="514350">
+            <a:pPr marL="514350" indent="-514350">
               <a:buFont typeface="+mj-lt"/>
               <a:buAutoNum type="romanUcPeriod"/>
             </a:pPr>
             <a:r>
-              <a:rPr dirty="0" sz="1800" lang="en-US" smtClean="0">
+              <a:rPr lang="en-US" sz="1800" dirty="0" smtClean="0">
                 <a:cs typeface="Times New Roman" pitchFamily="18" charset="0"/>
               </a:rPr>
               <a:t>https://github.com/navdeep-G/customer-churn/blob/master/data/TelcoChurn.csv</a:t>
             </a:r>
           </a:p>
           <a:p>
-            <a:pPr indent="-514350" marL="514350">
+            <a:pPr marL="514350" indent="-514350">
               <a:buFont typeface="+mj-lt"/>
               <a:buAutoNum type="romanUcPeriod"/>
             </a:pPr>
             <a:r>
-              <a:rPr dirty="0" sz="1800" lang="en-US" smtClean="0">
+              <a:rPr lang="en-US" sz="1800" dirty="0" smtClean="0">
                 <a:cs typeface="Times New Roman" pitchFamily="18" charset="0"/>
               </a:rPr>
               <a:t>https://campus.datacamp.com/courses/cleaning-data-in-python</a:t>
             </a:r>
           </a:p>
           <a:p>
-            <a:pPr indent="-514350" marL="514350">
+            <a:pPr marL="514350" indent="-514350">
               <a:buFont typeface="+mj-lt"/>
               <a:buAutoNum type="romanUcPeriod"/>
             </a:pPr>
             <a:r>
-              <a:rPr dirty="0" sz="1800" lang="en-US" smtClean="0">
+              <a:rPr lang="en-US" sz="1800" dirty="0" smtClean="0">
                 <a:cs typeface="Times New Roman" pitchFamily="18" charset="0"/>
               </a:rPr>
               <a:t>https://qxf2.com/blog/cleaning-data-python-pandas/</a:t>
             </a:r>
           </a:p>
           <a:p>
-            <a:pPr indent="-514350" marL="514350">
+            <a:pPr marL="514350" indent="-514350">
               <a:buFont typeface="+mj-lt"/>
               <a:buAutoNum type="romanUcPeriod"/>
             </a:pPr>
             <a:r>
-              <a:rPr dirty="0" sz="1800" lang="en-US" smtClean="0">
+              <a:rPr lang="en-US" sz="1800" dirty="0" smtClean="0">
                 <a:cs typeface="Times New Roman" pitchFamily="18" charset="0"/>
               </a:rPr>
               <a:t>https://www.coursera.org/learn/machine-learning</a:t>
             </a:r>
           </a:p>
           <a:p>
-            <a:pPr indent="-514350" marL="514350">
+            <a:pPr marL="514350" indent="-514350">
               <a:buFont typeface="+mj-lt"/>
               <a:buAutoNum type="romanUcPeriod"/>
             </a:pPr>
             <a:r>
-              <a:rPr dirty="0" sz="1800" lang="en-US" smtClean="0">
+              <a:rPr lang="en-US" sz="1800" dirty="0" smtClean="0">
                 <a:cs typeface="Times New Roman" pitchFamily="18" charset="0"/>
               </a:rPr>
               <a:t>https://www.crowdanalytix.com/contests/why-customer-churn</a:t>
             </a:r>
           </a:p>
           <a:p>
-            <a:pPr indent="-514350" marL="514350">
+            <a:pPr marL="514350" indent="-514350">
               <a:buFont typeface="+mj-lt"/>
               <a:buAutoNum type="romanUcPeriod"/>
             </a:pPr>
             <a:r>
-              <a:rPr dirty="0" sz="1800" lang="en-US" smtClean="0">
+              <a:rPr lang="en-US" sz="1800" dirty="0" smtClean="0">
                 <a:cs typeface="Times New Roman" pitchFamily="18" charset="0"/>
               </a:rPr>
               <a:t>http://ieeexplore.ieee.org/document/7570883/figures</a:t>
@@ -5601,7 +5793,7 @@
             <a:pPr>
               <a:buNone/>
             </a:pPr>
-            <a:endParaRPr dirty="0" sz="1800" lang="en-IN"/>
+            <a:endParaRPr lang="en-IN" sz="1800" dirty="0"/>
           </a:p>
         </p:txBody>
       </p:sp>
@@ -5618,7 +5810,9 @@
             <a:off x="571472" y="1285860"/>
             <a:ext cx="8072494" cy="1588"/>
           </a:xfrm>
-          <a:prstGeom prst="line"/>
+          <a:prstGeom prst="line">
+            <a:avLst/>
+          </a:prstGeom>
           <a:ln>
             <a:solidFill>
               <a:schemeClr val="tx1"/>
@@ -5653,9 +5847,11 @@
         <p:spPr/>
         <p:txBody>
           <a:bodyPr/>
+          <a:lstStyle/>
           <a:p>
             <a:fld id="{A56BA8E3-A8D0-4940-8D3E-116892F5B2C8}" type="datetime1">
               <a:rPr lang="en-US" smtClean="0"/>
+              <a:pPr/>
               <a:t>1/20/2018</a:t>
             </a:fld>
             <a:endParaRPr lang="en-IN"/>
@@ -5675,9 +5871,11 @@
         <p:spPr/>
         <p:txBody>
           <a:bodyPr/>
+          <a:lstStyle/>
           <a:p>
             <a:fld id="{5D58D9AF-4558-4E0A-A928-CE81B774F127}" type="slidenum">
               <a:rPr lang="en-IN" smtClean="0"/>
+              <a:pPr/>
               <a:t>15</a:t>
             </a:fld>
             <a:endParaRPr lang="en-IN"/>
@@ -5692,6 +5890,13 @@
   <p:transition>
     <p:wipe dir="d"/>
   </p:transition>
+  <p:timing>
+    <p:tnLst>
+      <p:par>
+        <p:cTn id="1" dur="indefinite" restart="never" nodeType="tmRoot"/>
+      </p:par>
+    </p:tnLst>
+  </p:timing>
 </p:sld>
 </file>
 
@@ -5700,7 +5905,7 @@
   <p:cSld>
     <p:spTree>
       <p:nvGrpSpPr>
-        <p:cNvPr id="51" name=""/>
+        <p:cNvPr id="1" name=""/>
         <p:cNvGrpSpPr/>
         <p:nvPr/>
       </p:nvGrpSpPr>
@@ -5727,15 +5932,16 @@
           <a:bodyPr>
             <a:normAutofit/>
           </a:bodyPr>
+          <a:lstStyle/>
           <a:p>
             <a:pPr algn="l"/>
             <a:r>
-              <a:rPr b="1" dirty="0" sz="3600" lang="en-US" smtClean="0">
+              <a:rPr lang="en-US" sz="3600" b="1" dirty="0" smtClean="0">
                 <a:cs typeface="Times New Roman" pitchFamily="18" charset="0"/>
               </a:rPr>
               <a:t>Acknowledgement</a:t>
             </a:r>
-            <a:endParaRPr dirty="0" sz="3600" lang="en-IN"/>
+            <a:endParaRPr lang="en-IN" sz="3600" dirty="0"/>
           </a:p>
         </p:txBody>
       </p:sp>
@@ -5752,33 +5958,34 @@
         <p:spPr/>
         <p:txBody>
           <a:bodyPr/>
+          <a:lstStyle/>
           <a:p>
             <a:pPr>
               <a:buNone/>
             </a:pPr>
             <a:r>
-              <a:rPr dirty="0" lang="en-US" smtClean="0"/>
+              <a:rPr lang="en-US" dirty="0" smtClean="0"/>
               <a:t>   </a:t>
             </a:r>
             <a:r>
-              <a:rPr dirty="0" sz="2000" lang="en-US" smtClean="0"/>
+              <a:rPr lang="en-US" sz="2000" dirty="0" smtClean="0"/>
               <a:t>We are very grateful to </a:t>
             </a:r>
             <a:r>
-              <a:rPr dirty="0" sz="2000" lang="en-IN" smtClean="0"/>
+              <a:rPr lang="en-IN" sz="2000" dirty="0" smtClean="0"/>
               <a:t>Our Respected teacher </a:t>
             </a:r>
             <a:r>
-              <a:rPr dirty="0" sz="2000" lang="en-US" smtClean="0"/>
+              <a:rPr lang="en-US" sz="2000" dirty="0" smtClean="0"/>
               <a:t>for proper guidance and         support to make this presentation successful.</a:t>
             </a:r>
-            <a:endParaRPr dirty="0" lang="en-US" smtClean="0"/>
+            <a:endParaRPr lang="en-US" dirty="0" smtClean="0"/>
           </a:p>
           <a:p>
             <a:pPr>
               <a:buNone/>
             </a:pPr>
-            <a:endParaRPr dirty="0" lang="en-IN"/>
+            <a:endParaRPr lang="en-IN" dirty="0"/>
           </a:p>
         </p:txBody>
       </p:sp>
@@ -5795,7 +6002,9 @@
             <a:off x="500034" y="1214422"/>
             <a:ext cx="8143932" cy="1588"/>
           </a:xfrm>
-          <a:prstGeom prst="line"/>
+          <a:prstGeom prst="line">
+            <a:avLst/>
+          </a:prstGeom>
           <a:ln>
             <a:solidFill>
               <a:schemeClr val="tx1"/>
@@ -5830,9 +6039,11 @@
         <p:spPr/>
         <p:txBody>
           <a:bodyPr/>
+          <a:lstStyle/>
           <a:p>
             <a:fld id="{59723C9C-2DC8-4520-B919-FD6F5127F6A9}" type="datetime1">
               <a:rPr lang="en-US" smtClean="0"/>
+              <a:pPr/>
               <a:t>1/20/2018</a:t>
             </a:fld>
             <a:endParaRPr lang="en-IN"/>
@@ -5852,9 +6063,11 @@
         <p:spPr/>
         <p:txBody>
           <a:bodyPr/>
+          <a:lstStyle/>
           <a:p>
             <a:fld id="{5D58D9AF-4558-4E0A-A928-CE81B774F127}" type="slidenum">
               <a:rPr lang="en-IN" smtClean="0"/>
+              <a:pPr/>
               <a:t>16</a:t>
             </a:fld>
             <a:endParaRPr lang="en-IN"/>
@@ -5877,7 +6090,7 @@
   <p:cSld>
     <p:spTree>
       <p:nvGrpSpPr>
-        <p:cNvPr id="53" name=""/>
+        <p:cNvPr id="1" name=""/>
         <p:cNvGrpSpPr/>
         <p:nvPr/>
       </p:nvGrpSpPr>
@@ -5900,20 +6113,23 @@
             <a:off x="1928794" y="2928934"/>
             <a:ext cx="4875454" cy="1069340"/>
           </a:xfrm>
-          <a:prstGeom prst="rect"/>
+          <a:prstGeom prst="rect">
+            <a:avLst/>
+          </a:prstGeom>
           <a:noFill/>
         </p:spPr>
         <p:txBody>
-          <a:bodyPr rtlCol="0" wrap="square">
+          <a:bodyPr wrap="square" rtlCol="0">
             <a:spAutoFit/>
           </a:bodyPr>
+          <a:lstStyle/>
           <a:p>
             <a:pPr algn="ctr"/>
             <a:r>
-              <a:rPr dirty="0" sz="6600" lang="en-US" smtClean="0"/>
+              <a:rPr lang="en-US" sz="6600" dirty="0" smtClean="0"/>
               <a:t>Thank You…</a:t>
             </a:r>
-            <a:endParaRPr dirty="0" sz="6600" lang="en-IN"/>
+            <a:endParaRPr lang="en-IN" sz="6600" dirty="0"/>
           </a:p>
         </p:txBody>
       </p:sp>
@@ -5930,9 +6146,11 @@
         <p:spPr/>
         <p:txBody>
           <a:bodyPr/>
+          <a:lstStyle/>
           <a:p>
             <a:fld id="{FF4AEDB3-71D3-43CD-A499-B90B92A6DB5E}" type="datetime1">
               <a:rPr lang="en-US" smtClean="0"/>
+              <a:pPr/>
               <a:t>1/20/2018</a:t>
             </a:fld>
             <a:endParaRPr lang="en-IN"/>
@@ -5952,9 +6170,11 @@
         <p:spPr/>
         <p:txBody>
           <a:bodyPr/>
+          <a:lstStyle/>
           <a:p>
             <a:fld id="{5D58D9AF-4558-4E0A-A928-CE81B774F127}" type="slidenum">
               <a:rPr lang="en-IN" smtClean="0"/>
+              <a:pPr/>
               <a:t>17</a:t>
             </a:fld>
             <a:endParaRPr lang="en-IN"/>
@@ -5977,7 +6197,7 @@
   <p:cSld>
     <p:spTree>
       <p:nvGrpSpPr>
-        <p:cNvPr id="34" name=""/>
+        <p:cNvPr id="1" name=""/>
         <p:cNvGrpSpPr/>
         <p:nvPr/>
       </p:nvGrpSpPr>
@@ -6004,13 +6224,14 @@
           <a:bodyPr>
             <a:normAutofit/>
           </a:bodyPr>
+          <a:lstStyle/>
           <a:p>
             <a:pPr algn="l"/>
             <a:r>
-              <a:rPr b="1" dirty="0" sz="3600" lang="en-US" smtClean="0"/>
+              <a:rPr lang="en-US" sz="3600" b="1" dirty="0" smtClean="0"/>
               <a:t>Contents</a:t>
             </a:r>
-            <a:endParaRPr b="1" dirty="0" sz="3600" lang="en-IN"/>
+            <a:endParaRPr lang="en-IN" sz="3600" b="1" dirty="0"/>
           </a:p>
         </p:txBody>
       </p:sp>
@@ -6029,8 +6250,9 @@
           <a:bodyPr>
             <a:normAutofit/>
           </a:bodyPr>
-          <a:p>
-            <a:pPr indent="-514350" lvl="1" marL="971550">
+          <a:lstStyle/>
+          <a:p>
+            <a:pPr marL="971550" lvl="1" indent="-514350">
               <a:lnSpc>
                 <a:spcPct val="90000"/>
               </a:lnSpc>
@@ -6038,16 +6260,16 @@
               <a:buAutoNum type="arabicPeriod"/>
             </a:pPr>
             <a:r>
-              <a:rPr dirty="0" sz="2000" lang="en-US" smtClean="0"/>
+              <a:rPr lang="en-US" sz="2000" dirty="0" smtClean="0"/>
               <a:t>Introduction To Machine Learning</a:t>
             </a:r>
             <a:r>
-              <a:rPr dirty="0" sz="2000" lang="en-IN" smtClean="0"/>
+              <a:rPr lang="en-IN" sz="2000" dirty="0" smtClean="0"/>
               <a:t> </a:t>
             </a:r>
           </a:p>
           <a:p>
-            <a:pPr indent="-514350" lvl="1" marL="971550">
+            <a:pPr marL="971550" lvl="1" indent="-514350">
               <a:lnSpc>
                 <a:spcPct val="90000"/>
               </a:lnSpc>
@@ -6055,13 +6277,13 @@
               <a:buAutoNum type="arabicPeriod"/>
             </a:pPr>
             <a:r>
-              <a:rPr dirty="0" sz="2000" lang="en-US" smtClean="0"/>
+              <a:rPr lang="en-US" sz="2000" dirty="0" smtClean="0"/>
               <a:t>Several Ways To Implement Machine Learning Techniques</a:t>
             </a:r>
-            <a:endParaRPr dirty="0" sz="2000" lang="en-IN" smtClean="0"/>
-          </a:p>
-          <a:p>
-            <a:pPr indent="-514350" lvl="1" marL="971550">
+            <a:endParaRPr lang="en-IN" sz="2000" dirty="0" smtClean="0"/>
+          </a:p>
+          <a:p>
+            <a:pPr marL="971550" lvl="1" indent="-514350">
               <a:lnSpc>
                 <a:spcPct val="90000"/>
               </a:lnSpc>
@@ -6069,17 +6291,12 @@
               <a:buAutoNum type="arabicPeriod"/>
             </a:pPr>
             <a:r>
-              <a:rPr dirty="0" sz="2000" lang="en-IN" smtClean="0"/>
-              <a:t>Objective </a:t>
-            </a:r>
-            <a:r>
-              <a:rPr dirty="0" sz="2000" lang="en-IN" smtClean="0"/>
-              <a:t>of this Project</a:t>
-            </a:r>
-            <a:endParaRPr dirty="0" sz="2000" lang="en-IN" smtClean="0"/>
-          </a:p>
-          <a:p>
-            <a:pPr indent="-514350" lvl="1" marL="971550">
+              <a:rPr lang="en-IN" sz="2000" dirty="0" smtClean="0"/>
+              <a:t>Objective of this Project</a:t>
+            </a:r>
+          </a:p>
+          <a:p>
+            <a:pPr marL="971550" lvl="1" indent="-514350">
               <a:lnSpc>
                 <a:spcPct val="90000"/>
               </a:lnSpc>
@@ -6087,13 +6304,13 @@
               <a:buAutoNum type="arabicPeriod"/>
             </a:pPr>
             <a:r>
-              <a:rPr dirty="0" sz="2000" lang="en-IN" smtClean="0"/>
+              <a:rPr lang="en-IN" sz="2000" dirty="0" smtClean="0"/>
               <a:t>Learning/Prediction Steps</a:t>
             </a:r>
-            <a:endParaRPr dirty="0" sz="2000" lang="en-US" smtClean="0"/>
-          </a:p>
-          <a:p>
-            <a:pPr indent="-514350" lvl="1" marL="971550">
+            <a:endParaRPr lang="en-US" sz="2000" dirty="0" smtClean="0"/>
+          </a:p>
+          <a:p>
+            <a:pPr marL="971550" lvl="1" indent="-514350">
               <a:lnSpc>
                 <a:spcPct val="90000"/>
               </a:lnSpc>
@@ -6101,12 +6318,12 @@
               <a:buAutoNum type="arabicPeriod"/>
             </a:pPr>
             <a:r>
-              <a:rPr dirty="0" sz="2000" lang="en-US" smtClean="0"/>
+              <a:rPr lang="en-US" sz="2000" dirty="0" smtClean="0"/>
               <a:t>Algorithms Used</a:t>
             </a:r>
           </a:p>
           <a:p>
-            <a:pPr indent="-514350" lvl="1" marL="971550">
+            <a:pPr marL="971550" lvl="1" indent="-514350">
               <a:lnSpc>
                 <a:spcPct val="90000"/>
               </a:lnSpc>
@@ -6114,17 +6331,12 @@
               <a:buAutoNum type="arabicPeriod"/>
             </a:pPr>
             <a:r>
-              <a:rPr dirty="0" sz="2000" lang="en-US" smtClean="0"/>
-              <a:t>K-fold Cross </a:t>
-            </a:r>
-            <a:r>
-              <a:rPr dirty="0" sz="2000" lang="en-US" smtClean="0"/>
-              <a:t>Validation</a:t>
-            </a:r>
-            <a:endParaRPr dirty="0" sz="2000" lang="en-US" smtClean="0"/>
-          </a:p>
-          <a:p>
-            <a:pPr indent="-514350" lvl="1" marL="971550">
+              <a:rPr lang="en-US" sz="2000" dirty="0" smtClean="0"/>
+              <a:t>K-fold Cross Validation</a:t>
+            </a:r>
+          </a:p>
+          <a:p>
+            <a:pPr marL="971550" lvl="1" indent="-514350">
               <a:lnSpc>
                 <a:spcPct val="90000"/>
               </a:lnSpc>
@@ -6132,20 +6344,20 @@
               <a:buAutoNum type="arabicPeriod"/>
             </a:pPr>
             <a:r>
-              <a:rPr dirty="0" sz="2000" lang="en-US" smtClean="0"/>
+              <a:rPr lang="en-US" sz="2000" dirty="0" smtClean="0"/>
               <a:t>Naive </a:t>
             </a:r>
             <a:r>
-              <a:rPr dirty="0" sz="2000" lang="en-US" err="1" smtClean="0"/>
+              <a:rPr lang="en-US" sz="2000" dirty="0" err="1" smtClean="0"/>
               <a:t>Bayes</a:t>
             </a:r>
             <a:r>
-              <a:rPr dirty="0" sz="2000" lang="en-US" smtClean="0"/>
+              <a:rPr lang="en-US" sz="2000" dirty="0" smtClean="0"/>
               <a:t> Classification</a:t>
             </a:r>
           </a:p>
           <a:p>
-            <a:pPr indent="-514350" lvl="1" marL="971550">
+            <a:pPr marL="971550" lvl="1" indent="-514350">
               <a:lnSpc>
                 <a:spcPct val="90000"/>
               </a:lnSpc>
@@ -6153,13 +6365,12 @@
               <a:buAutoNum type="arabicPeriod"/>
             </a:pPr>
             <a:r>
-              <a:rPr dirty="0" sz="2000" lang="en-US" smtClean="0"/>
+              <a:rPr lang="en-US" sz="2000" dirty="0" smtClean="0"/>
               <a:t>K Nearest Neighbors Classification</a:t>
             </a:r>
-            <a:endParaRPr dirty="0" sz="2000" lang="en-US" smtClean="0"/>
-          </a:p>
-          <a:p>
-            <a:pPr indent="-514350" lvl="1" marL="971550">
+          </a:p>
+          <a:p>
+            <a:pPr marL="971550" lvl="1" indent="-514350">
               <a:lnSpc>
                 <a:spcPct val="90000"/>
               </a:lnSpc>
@@ -6167,12 +6378,12 @@
               <a:buAutoNum type="arabicPeriod"/>
             </a:pPr>
             <a:r>
-              <a:rPr dirty="0" sz="2000" lang="en-US" smtClean="0"/>
+              <a:rPr lang="en-US" sz="2000" dirty="0" smtClean="0"/>
               <a:t>Random Forest Classification</a:t>
             </a:r>
           </a:p>
           <a:p>
-            <a:pPr indent="-514350" lvl="1" marL="971550">
+            <a:pPr marL="971550" lvl="1" indent="-514350">
               <a:lnSpc>
                 <a:spcPct val="90000"/>
               </a:lnSpc>
@@ -6180,13 +6391,13 @@
               <a:buAutoNum type="arabicPeriod"/>
             </a:pPr>
             <a:r>
-              <a:rPr dirty="0" sz="2000" lang="en-IN" smtClean="0"/>
+              <a:rPr lang="en-IN" sz="2000" dirty="0" smtClean="0"/>
               <a:t>Conclusion</a:t>
             </a:r>
-            <a:endParaRPr dirty="0" sz="2000" lang="en-US" smtClean="0"/>
-          </a:p>
-          <a:p>
-            <a:pPr indent="-514350" lvl="1" marL="971550">
+            <a:endParaRPr lang="en-US" sz="2000" dirty="0" smtClean="0"/>
+          </a:p>
+          <a:p>
+            <a:pPr marL="971550" lvl="1" indent="-514350">
               <a:lnSpc>
                 <a:spcPct val="90000"/>
               </a:lnSpc>
@@ -6194,12 +6405,12 @@
               <a:buAutoNum type="arabicPeriod"/>
             </a:pPr>
             <a:r>
-              <a:rPr dirty="0" sz="2000" lang="en-US" smtClean="0"/>
+              <a:rPr lang="en-US" sz="2000" dirty="0" smtClean="0"/>
               <a:t>References</a:t>
             </a:r>
           </a:p>
           <a:p>
-            <a:pPr indent="-514350" lvl="1" marL="971550">
+            <a:pPr marL="971550" lvl="1" indent="-514350">
               <a:lnSpc>
                 <a:spcPct val="90000"/>
               </a:lnSpc>
@@ -6207,7 +6418,7 @@
               <a:buAutoNum type="arabicPeriod"/>
             </a:pPr>
             <a:r>
-              <a:rPr dirty="0" sz="2000" lang="en-US" smtClean="0"/>
+              <a:rPr lang="en-US" sz="2000" dirty="0" smtClean="0"/>
               <a:t>Acknowledgement</a:t>
             </a:r>
           </a:p>
@@ -6226,7 +6437,9 @@
             <a:off x="571472" y="1142984"/>
             <a:ext cx="8072494" cy="1588"/>
           </a:xfrm>
-          <a:prstGeom prst="line"/>
+          <a:prstGeom prst="line">
+            <a:avLst/>
+          </a:prstGeom>
           <a:ln>
             <a:solidFill>
               <a:schemeClr val="tx1"/>
@@ -6261,9 +6474,11 @@
         <p:spPr/>
         <p:txBody>
           <a:bodyPr/>
+          <a:lstStyle/>
           <a:p>
             <a:fld id="{CDC86CDD-086F-4C97-AB9D-E198DA7D3B72}" type="datetime1">
               <a:rPr lang="en-US" smtClean="0"/>
+              <a:pPr/>
               <a:t>1/20/2018</a:t>
             </a:fld>
             <a:endParaRPr lang="en-IN"/>
@@ -6283,9 +6498,11 @@
         <p:spPr/>
         <p:txBody>
           <a:bodyPr/>
+          <a:lstStyle/>
           <a:p>
             <a:fld id="{5D58D9AF-4558-4E0A-A928-CE81B774F127}" type="slidenum">
               <a:rPr lang="en-IN" smtClean="0"/>
+              <a:pPr/>
               <a:t>2</a:t>
             </a:fld>
             <a:endParaRPr lang="en-IN"/>
@@ -6308,7 +6525,7 @@
   <p:cSld>
     <p:spTree>
       <p:nvGrpSpPr>
-        <p:cNvPr id="35" name=""/>
+        <p:cNvPr id="1" name=""/>
         <p:cNvGrpSpPr/>
         <p:nvPr/>
       </p:nvGrpSpPr>
@@ -6340,28 +6557,29 @@
           <a:bodyPr>
             <a:normAutofit fontScale="90000"/>
           </a:bodyPr>
-          <a:p>
-            <a:pPr algn="l" lvl="1" rtl="0">
+          <a:lstStyle/>
+          <a:p>
+            <a:pPr lvl="1" algn="l" rtl="0">
               <a:spcBef>
                 <a:spcPct val="0"/>
               </a:spcBef>
             </a:pPr>
             <a:r>
-              <a:rPr b="1" dirty="0" sz="4000" lang="en-US" smtClean="0"/>
+              <a:rPr lang="en-US" sz="4000" b="1" dirty="0" smtClean="0"/>
               <a:t>Introduction to Machine Learning</a:t>
             </a:r>
             <a:r>
-              <a:rPr b="1" dirty="0" sz="4000" lang="en-IN" smtClean="0"/>
+              <a:rPr lang="en-IN" sz="4000" b="1" dirty="0" smtClean="0"/>
               <a:t> </a:t>
             </a:r>
             <a:r>
-              <a:rPr dirty="0" sz="2000" lang="en-IN" smtClean="0"/>
+              <a:rPr lang="en-IN" sz="2000" dirty="0" smtClean="0"/>
               <a:t/>
             </a:r>
             <a:br>
-              <a:rPr dirty="0" sz="2000" lang="en-IN" smtClean="0"/>
+              <a:rPr lang="en-IN" sz="2000" dirty="0" smtClean="0"/>
             </a:br>
-            <a:endParaRPr dirty="0" lang="en-IN"/>
+            <a:endParaRPr lang="en-IN" dirty="0"/>
           </a:p>
         </p:txBody>
       </p:sp>
@@ -6385,12 +6603,13 @@
           <a:bodyPr>
             <a:normAutofit/>
           </a:bodyPr>
+          <a:lstStyle/>
           <a:p>
             <a:pPr algn="just">
               <a:buNone/>
             </a:pPr>
             <a:r>
-              <a:rPr dirty="0" sz="2000" lang="en-IN" smtClean="0"/>
+              <a:rPr lang="en-IN" sz="2000" dirty="0" smtClean="0"/>
               <a:t>     Machine learning is an application of artificial intelligence that provides systems with the ability to automatically learn and improve from experience without being explicitly programmed. Machine learning focuses on the development of computer programs that can access data and use it to learn for themselves.</a:t>
             </a:r>
           </a:p>
@@ -6398,14 +6617,14 @@
             <a:pPr algn="just">
               <a:buNone/>
             </a:pPr>
-            <a:endParaRPr dirty="0" sz="2000" lang="en-US" smtClean="0"/>
+            <a:endParaRPr lang="en-US" sz="2000" dirty="0" smtClean="0"/>
           </a:p>
           <a:p>
             <a:pPr>
               <a:buNone/>
             </a:pPr>
             <a:r>
-              <a:rPr b="1" dirty="0" sz="2000" lang="en-IN" smtClean="0">
+              <a:rPr lang="en-IN" sz="2000" b="1" dirty="0" smtClean="0">
                 <a:cs typeface="Times New Roman" pitchFamily="18" charset="0"/>
               </a:rPr>
               <a:t>     e.g. –</a:t>
@@ -6416,42 +6635,18 @@
               <a:buNone/>
             </a:pPr>
             <a:r>
-              <a:rPr dirty="0" sz="2000" lang="en-IN" smtClean="0">
+              <a:rPr lang="en-IN" sz="2000" dirty="0" smtClean="0">
                 <a:cs typeface="Times New Roman" pitchFamily="18" charset="0"/>
               </a:rPr>
-              <a:t>     When we search a particular word in </a:t>
-            </a:r>
-            <a:r>
-              <a:rPr dirty="0" sz="2000" lang="en-IN" smtClean="0">
+              <a:t>     </a:t>
+            </a:r>
+            <a:r>
+              <a:rPr lang="en-IN" sz="2000" dirty="0" smtClean="0">
                 <a:cs typeface="Times New Roman" pitchFamily="18" charset="0"/>
               </a:rPr>
-              <a:t>Google </a:t>
-            </a:r>
-            <a:r>
-              <a:rPr dirty="0" sz="2000" lang="en-IN" smtClean="0">
-                <a:cs typeface="Times New Roman" pitchFamily="18" charset="0"/>
-              </a:rPr>
-              <a:t>search box</a:t>
-            </a:r>
-            <a:r>
-              <a:rPr sz="2000" lang="en-IN" smtClean="0">
-                <a:cs typeface="Times New Roman" pitchFamily="18" charset="0"/>
-              </a:rPr>
-              <a:t>, </a:t>
-            </a:r>
-            <a:r>
-              <a:rPr sz="2000" lang="en-IN" smtClean="0">
-                <a:cs typeface="Times New Roman" pitchFamily="18" charset="0"/>
-              </a:rPr>
-              <a:t>Google </a:t>
-            </a:r>
-            <a:r>
-              <a:rPr dirty="0" sz="2000" lang="en-IN" smtClean="0">
-                <a:cs typeface="Times New Roman" pitchFamily="18" charset="0"/>
-              </a:rPr>
-              <a:t>recommends so many keywords related to that particular word. </a:t>
-            </a:r>
-            <a:endParaRPr dirty="0" sz="2000" lang="en-IN"/>
+              <a:t>face recognition in Facebook, Google Ad sense etc. </a:t>
+            </a:r>
+            <a:endParaRPr lang="en-IN" sz="2000" dirty="0"/>
           </a:p>
         </p:txBody>
       </p:sp>
@@ -6468,7 +6663,9 @@
             <a:off x="467544" y="1268760"/>
             <a:ext cx="8143932" cy="1588"/>
           </a:xfrm>
-          <a:prstGeom prst="line"/>
+          <a:prstGeom prst="line">
+            <a:avLst/>
+          </a:prstGeom>
           <a:ln>
             <a:solidFill>
               <a:schemeClr val="tx1"/>
@@ -6503,9 +6700,11 @@
         <p:spPr/>
         <p:txBody>
           <a:bodyPr/>
+          <a:lstStyle/>
           <a:p>
             <a:fld id="{31718EDC-B7F5-4DDE-B84A-D4C0A3B72478}" type="datetime1">
               <a:rPr lang="en-US" smtClean="0"/>
+              <a:pPr/>
               <a:t>1/20/2018</a:t>
             </a:fld>
             <a:endParaRPr lang="en-IN"/>
@@ -6525,9 +6724,11 @@
         <p:spPr/>
         <p:txBody>
           <a:bodyPr/>
+          <a:lstStyle/>
           <a:p>
             <a:fld id="{5D58D9AF-4558-4E0A-A928-CE81B774F127}" type="slidenum">
               <a:rPr lang="en-IN" smtClean="0"/>
+              <a:pPr/>
               <a:t>3</a:t>
             </a:fld>
             <a:endParaRPr lang="en-IN"/>
@@ -6542,6 +6743,13 @@
   <p:transition>
     <p:wipe dir="d"/>
   </p:transition>
+  <p:timing>
+    <p:tnLst>
+      <p:par>
+        <p:cTn id="1" dur="indefinite" restart="never" nodeType="tmRoot"/>
+      </p:par>
+    </p:tnLst>
+  </p:timing>
 </p:sld>
 </file>
 
@@ -6550,7 +6758,7 @@
   <p:cSld>
     <p:spTree>
       <p:nvGrpSpPr>
-        <p:cNvPr id="37" name=""/>
+        <p:cNvPr id="1" name=""/>
         <p:cNvGrpSpPr/>
         <p:nvPr/>
       </p:nvGrpSpPr>
@@ -6577,26 +6785,27 @@
           <a:bodyPr>
             <a:normAutofit fontScale="90000"/>
           </a:bodyPr>
-          <a:p>
-            <a:pPr algn="l" lvl="1" rtl="0">
+          <a:lstStyle/>
+          <a:p>
+            <a:pPr lvl="1" algn="l" rtl="0">
               <a:spcBef>
                 <a:spcPct val="0"/>
               </a:spcBef>
             </a:pPr>
             <a:r>
-              <a:rPr b="1" dirty="0" sz="4000" lang="en-US" smtClean="0">
+              <a:rPr lang="en-US" sz="4000" b="1" dirty="0" smtClean="0">
                 <a:latin typeface="+mj-lt"/>
               </a:rPr>
               <a:t>Several Ways to Implement Machine Learning Techniques</a:t>
             </a:r>
             <a:r>
-              <a:rPr dirty="0" sz="2000" lang="en-IN" smtClean="0"/>
+              <a:rPr lang="en-IN" sz="2000" dirty="0" smtClean="0"/>
               <a:t/>
             </a:r>
             <a:br>
-              <a:rPr dirty="0" sz="2000" lang="en-IN" smtClean="0"/>
+              <a:rPr lang="en-IN" sz="2000" dirty="0" smtClean="0"/>
             </a:br>
-            <a:endParaRPr dirty="0" lang="en-IN"/>
+            <a:endParaRPr lang="en-IN" dirty="0"/>
           </a:p>
         </p:txBody>
       </p:sp>
@@ -6618,9 +6827,10 @@
         </p:spPr>
         <p:txBody>
           <a:bodyPr/>
-          <a:p>
-            <a:r>
-              <a:rPr dirty="0" lang="en-US" u="sng">
+          <a:lstStyle/>
+          <a:p>
+            <a:r>
+              <a:rPr lang="en-US" u="sng" dirty="0">
                 <a:solidFill>
                   <a:schemeClr val="tx2">
                     <a:lumMod val="60000"/>
@@ -6631,7 +6841,7 @@
               <a:t>Supervised </a:t>
             </a:r>
             <a:r>
-              <a:rPr dirty="0" lang="en-US" u="sng" smtClean="0">
+              <a:rPr lang="en-US" u="sng" dirty="0" smtClean="0">
                 <a:solidFill>
                   <a:schemeClr val="tx2">
                     <a:lumMod val="60000"/>
@@ -6641,7 +6851,7 @@
               </a:rPr>
               <a:t>Learning</a:t>
             </a:r>
-            <a:endParaRPr dirty="0" lang="en-US" u="sng">
+            <a:endParaRPr lang="en-US" u="sng" dirty="0">
               <a:solidFill>
                 <a:schemeClr val="tx2">
                   <a:lumMod val="60000"/>
@@ -6665,12 +6875,13 @@
         <p:spPr/>
         <p:txBody>
           <a:bodyPr/>
+          <a:lstStyle/>
           <a:p>
             <a:pPr>
               <a:buNone/>
             </a:pPr>
             <a:r>
-              <a:rPr dirty="0" lang="en-US" u="sng" smtClean="0"/>
+              <a:rPr lang="en-US" u="sng" dirty="0" smtClean="0"/>
               <a:t>Classification:</a:t>
             </a:r>
           </a:p>
@@ -6679,21 +6890,21 @@
               <a:buNone/>
             </a:pPr>
             <a:r>
-              <a:rPr dirty="0" lang="en-US" smtClean="0"/>
+              <a:rPr lang="en-US" dirty="0" smtClean="0"/>
               <a:t>-  Naive </a:t>
             </a:r>
             <a:r>
-              <a:rPr dirty="0" lang="en-US" err="1" smtClean="0"/>
+              <a:rPr lang="en-US" dirty="0" err="1" smtClean="0"/>
               <a:t>Bayes</a:t>
             </a:r>
-            <a:endParaRPr dirty="0" lang="en-US" smtClean="0"/>
+            <a:endParaRPr lang="en-US" dirty="0" smtClean="0"/>
           </a:p>
           <a:p>
             <a:pPr lvl="1">
               <a:buNone/>
             </a:pPr>
             <a:r>
-              <a:rPr dirty="0" lang="en-US" smtClean="0"/>
+              <a:rPr lang="en-US" dirty="0" smtClean="0"/>
               <a:t>-  SVM (Support Vector Machine)</a:t>
             </a:r>
           </a:p>
@@ -6702,7 +6913,7 @@
               <a:buNone/>
             </a:pPr>
             <a:r>
-              <a:rPr dirty="0" lang="en-US" smtClean="0"/>
+              <a:rPr lang="en-US" dirty="0" smtClean="0"/>
               <a:t>-  Random Forest</a:t>
             </a:r>
           </a:p>
@@ -6710,14 +6921,14 @@
             <a:pPr>
               <a:buNone/>
             </a:pPr>
-            <a:endParaRPr dirty="0" lang="en-US" smtClean="0"/>
+            <a:endParaRPr lang="en-US" dirty="0" smtClean="0"/>
           </a:p>
           <a:p>
             <a:pPr>
               <a:buNone/>
             </a:pPr>
             <a:r>
-              <a:rPr dirty="0" lang="en-US" u="sng" smtClean="0"/>
+              <a:rPr lang="en-US" u="sng" dirty="0" smtClean="0"/>
               <a:t>Regression:</a:t>
             </a:r>
           </a:p>
@@ -6726,7 +6937,7 @@
               <a:buNone/>
             </a:pPr>
             <a:r>
-              <a:rPr dirty="0" lang="en-US" smtClean="0"/>
+              <a:rPr lang="en-US" dirty="0" smtClean="0"/>
               <a:t>-  Linear</a:t>
             </a:r>
           </a:p>
@@ -6735,7 +6946,7 @@
               <a:buNone/>
             </a:pPr>
             <a:r>
-              <a:rPr dirty="0" lang="en-US" smtClean="0"/>
+              <a:rPr lang="en-US" dirty="0" smtClean="0"/>
               <a:t>-  Logistic</a:t>
             </a:r>
           </a:p>
@@ -6743,7 +6954,7 @@
             <a:pPr>
               <a:buNone/>
             </a:pPr>
-            <a:endParaRPr dirty="0" lang="en-IN"/>
+            <a:endParaRPr lang="en-IN" dirty="0"/>
           </a:p>
         </p:txBody>
       </p:sp>
@@ -6765,9 +6976,10 @@
         </p:spPr>
         <p:txBody>
           <a:bodyPr/>
-          <a:p>
-            <a:r>
-              <a:rPr dirty="0" lang="en-US" u="sng" smtClean="0">
+          <a:lstStyle/>
+          <a:p>
+            <a:r>
+              <a:rPr lang="en-US" u="sng" dirty="0" smtClean="0">
                 <a:solidFill>
                   <a:schemeClr val="tx2">
                     <a:lumMod val="60000"/>
@@ -6777,7 +6989,7 @@
               </a:rPr>
               <a:t>Unsupervised Learning</a:t>
             </a:r>
-            <a:endParaRPr dirty="0" lang="en-US" u="sng">
+            <a:endParaRPr lang="en-US" u="sng" dirty="0">
               <a:solidFill>
                 <a:schemeClr val="tx2">
                   <a:lumMod val="60000"/>
@@ -6801,12 +7013,13 @@
         <p:spPr/>
         <p:txBody>
           <a:bodyPr/>
+          <a:lstStyle/>
           <a:p>
             <a:pPr>
               <a:buNone/>
             </a:pPr>
             <a:r>
-              <a:rPr dirty="0" lang="en-US" u="sng" smtClean="0"/>
+              <a:rPr lang="en-US" u="sng" dirty="0" smtClean="0"/>
               <a:t>Clustering:</a:t>
             </a:r>
           </a:p>
@@ -6816,7 +7029,7 @@
               <a:buChar char="-"/>
             </a:pPr>
             <a:r>
-              <a:rPr dirty="0" lang="en-US" smtClean="0"/>
+              <a:rPr lang="en-US" dirty="0" smtClean="0"/>
               <a:t>K Means</a:t>
             </a:r>
           </a:p>
@@ -6824,27 +7037,27 @@
             <a:pPr lvl="1">
               <a:buNone/>
             </a:pPr>
-            <a:endParaRPr dirty="0" lang="en-US"/>
+            <a:endParaRPr lang="en-US" dirty="0"/>
           </a:p>
           <a:p>
             <a:pPr lvl="1">
               <a:buNone/>
             </a:pPr>
-            <a:endParaRPr dirty="0" lang="en-US" smtClean="0"/>
+            <a:endParaRPr lang="en-US" dirty="0" smtClean="0"/>
           </a:p>
           <a:p>
             <a:pPr>
               <a:buFontTx/>
               <a:buChar char="-"/>
             </a:pPr>
-            <a:endParaRPr dirty="0" lang="en-US"/>
+            <a:endParaRPr lang="en-US" dirty="0"/>
           </a:p>
           <a:p>
             <a:pPr>
               <a:buNone/>
             </a:pPr>
             <a:r>
-              <a:rPr dirty="0" lang="en-US" u="sng" smtClean="0"/>
+              <a:rPr lang="en-US" u="sng" dirty="0" smtClean="0"/>
               <a:t>Dimensionality Reduction:</a:t>
             </a:r>
           </a:p>
@@ -6853,7 +7066,7 @@
               <a:buNone/>
             </a:pPr>
             <a:r>
-              <a:rPr dirty="0" lang="en-US" smtClean="0"/>
+              <a:rPr lang="en-US" dirty="0" smtClean="0"/>
               <a:t>- Principal component Analysis</a:t>
             </a:r>
           </a:p>
@@ -6862,10 +7075,10 @@
               <a:buNone/>
             </a:pPr>
             <a:r>
-              <a:rPr dirty="0" lang="en-US" smtClean="0"/>
+              <a:rPr lang="en-US" dirty="0" smtClean="0"/>
               <a:t>- SVD (Singular Value Decomposition)</a:t>
             </a:r>
-            <a:endParaRPr dirty="0" lang="en-IN"/>
+            <a:endParaRPr lang="en-IN" dirty="0"/>
           </a:p>
         </p:txBody>
       </p:sp>
@@ -6882,7 +7095,9 @@
             <a:off x="500034" y="1357298"/>
             <a:ext cx="8143932" cy="1588"/>
           </a:xfrm>
-          <a:prstGeom prst="line"/>
+          <a:prstGeom prst="line">
+            <a:avLst/>
+          </a:prstGeom>
           <a:ln>
             <a:solidFill>
               <a:schemeClr val="tx1"/>
@@ -6917,7 +7132,9 @@
             <a:off x="1964513" y="3893347"/>
             <a:ext cx="4214842" cy="1588"/>
           </a:xfrm>
-          <a:prstGeom prst="line"/>
+          <a:prstGeom prst="line">
+            <a:avLst/>
+          </a:prstGeom>
           <a:ln>
             <a:solidFill>
               <a:schemeClr val="tx1"/>
@@ -6952,9 +7169,11 @@
         <p:spPr/>
         <p:txBody>
           <a:bodyPr/>
+          <a:lstStyle/>
           <a:p>
             <a:fld id="{A3815F1C-67E9-4777-9DB0-67C4699F9571}" type="datetime1">
               <a:rPr lang="en-US" smtClean="0"/>
+              <a:pPr/>
               <a:t>1/20/2018</a:t>
             </a:fld>
             <a:endParaRPr lang="en-IN"/>
@@ -6974,9 +7193,11 @@
         <p:spPr/>
         <p:txBody>
           <a:bodyPr/>
+          <a:lstStyle/>
           <a:p>
             <a:fld id="{5D58D9AF-4558-4E0A-A928-CE81B774F127}" type="slidenum">
               <a:rPr lang="en-IN" smtClean="0"/>
+              <a:pPr/>
               <a:t>4</a:t>
             </a:fld>
             <a:endParaRPr lang="en-IN"/>
@@ -6991,6 +7212,13 @@
   <p:transition>
     <p:wipe dir="d"/>
   </p:transition>
+  <p:timing>
+    <p:tnLst>
+      <p:par>
+        <p:cTn id="1" dur="indefinite" restart="never" nodeType="tmRoot"/>
+      </p:par>
+    </p:tnLst>
+  </p:timing>
 </p:sld>
 </file>
 
@@ -6999,7 +7227,7 @@
   <p:cSld>
     <p:spTree>
       <p:nvGrpSpPr>
-        <p:cNvPr id="38" name=""/>
+        <p:cNvPr id="1" name=""/>
         <p:cNvGrpSpPr/>
         <p:nvPr/>
       </p:nvGrpSpPr>
@@ -7026,21 +7254,16 @@
           <a:bodyPr>
             <a:normAutofit/>
           </a:bodyPr>
+          <a:lstStyle/>
           <a:p>
             <a:pPr algn="l"/>
             <a:r>
-              <a:rPr b="1" dirty="0" sz="3600" lang="en-US" smtClean="0">
+              <a:rPr lang="en-US" sz="3600" b="1" dirty="0" smtClean="0">
                 <a:cs typeface="Times New Roman" pitchFamily="18" charset="0"/>
               </a:rPr>
-              <a:t>Objective </a:t>
-            </a:r>
-            <a:r>
-              <a:rPr b="1" dirty="0" sz="3600" lang="en-US" smtClean="0">
-                <a:cs typeface="Times New Roman" pitchFamily="18" charset="0"/>
-              </a:rPr>
-              <a:t>of this Project</a:t>
-            </a:r>
-            <a:endParaRPr dirty="0" sz="3600" lang="en-IN"/>
+              <a:t>Objective of this Project</a:t>
+            </a:r>
+            <a:endParaRPr lang="en-IN" sz="3600" dirty="0"/>
           </a:p>
         </p:txBody>
       </p:sp>
@@ -7064,6 +7287,7 @@
           <a:bodyPr>
             <a:normAutofit fontScale="72727" lnSpcReduction="20000"/>
           </a:bodyPr>
+          <a:lstStyle/>
           <a:p>
             <a:pPr algn="just">
               <a:lnSpc>
@@ -7072,11 +7296,11 @@
               <a:buNone/>
             </a:pPr>
             <a:r>
-              <a:rPr dirty="0" sz="4000" lang="en-US" smtClean="0"/>
+              <a:rPr lang="en-US" sz="4000" dirty="0" smtClean="0"/>
               <a:t>   </a:t>
             </a:r>
             <a:r>
-              <a:rPr dirty="0" sz="2800" lang="en-US" smtClean="0"/>
+              <a:rPr lang="en-US" sz="2800" dirty="0" smtClean="0"/>
               <a:t>The objective of this project is to predict customer churn. Based on the public dataset that has customer usage pattern, we have predicted whether the customer has churned or not depending on following features:</a:t>
             </a:r>
           </a:p>
@@ -7087,64 +7311,64 @@
               </a:lnSpc>
               <a:buNone/>
             </a:pPr>
-            <a:endParaRPr dirty="0" sz="2600" lang="en-US" smtClean="0"/>
+            <a:endParaRPr lang="en-US" sz="2600" dirty="0" smtClean="0"/>
           </a:p>
           <a:p>
             <a:pPr lvl="1"/>
             <a:r>
-              <a:rPr dirty="0" sz="2600" lang="en-US" smtClean="0"/>
+              <a:rPr lang="en-US" sz="2600" dirty="0" smtClean="0"/>
               <a:t>account length</a:t>
             </a:r>
           </a:p>
           <a:p>
             <a:pPr lvl="1"/>
             <a:r>
-              <a:rPr dirty="0" sz="2600" lang="en-US" smtClean="0"/>
+              <a:rPr lang="en-US" sz="2600" dirty="0" smtClean="0"/>
               <a:t>international plan</a:t>
             </a:r>
           </a:p>
           <a:p>
             <a:pPr lvl="1"/>
             <a:r>
-              <a:rPr dirty="0" sz="2600" lang="en-US" smtClean="0"/>
+              <a:rPr lang="en-US" sz="2600" dirty="0" smtClean="0"/>
               <a:t>voice mail plan</a:t>
             </a:r>
           </a:p>
           <a:p>
             <a:pPr lvl="1"/>
             <a:r>
-              <a:rPr dirty="0" sz="2600" lang="en-US" smtClean="0"/>
+              <a:rPr lang="en-US" sz="2600" dirty="0" smtClean="0"/>
               <a:t>number of voice mail messages</a:t>
             </a:r>
           </a:p>
           <a:p>
             <a:pPr lvl="1"/>
             <a:r>
-              <a:rPr dirty="0" sz="2600" lang="en-US" smtClean="0"/>
+              <a:rPr lang="en-US" sz="2600" dirty="0" smtClean="0"/>
               <a:t>total day minutes used</a:t>
             </a:r>
           </a:p>
           <a:p>
             <a:pPr lvl="1"/>
             <a:r>
-              <a:rPr dirty="0" sz="2600" lang="en-US" smtClean="0"/>
+              <a:rPr lang="en-US" sz="2600" dirty="0" smtClean="0"/>
               <a:t>day calls made</a:t>
             </a:r>
           </a:p>
           <a:p>
             <a:pPr lvl="1"/>
             <a:r>
-              <a:rPr dirty="0" sz="2600" lang="en-US" smtClean="0"/>
+              <a:rPr lang="en-US" sz="2600" dirty="0" smtClean="0"/>
               <a:t>total day charge</a:t>
             </a:r>
           </a:p>
           <a:p>
             <a:pPr lvl="1"/>
             <a:r>
-              <a:rPr dirty="0" sz="2600" lang="en-US" smtClean="0"/>
+              <a:rPr lang="en-US" sz="2600" dirty="0" smtClean="0"/>
               <a:t>total evening minutes, etc</a:t>
             </a:r>
-            <a:endParaRPr dirty="0" sz="2900" lang="en-US" smtClean="0"/>
+            <a:endParaRPr lang="en-US" sz="2900" dirty="0" smtClean="0"/>
           </a:p>
           <a:p>
             <a:pPr lvl="1">
@@ -7154,29 +7378,29 @@
               <a:buNone/>
             </a:pPr>
             <a:r>
-              <a:rPr b="1" dirty="0" sz="2900" lang="en-IN" u="sng" smtClean="0"/>
+              <a:rPr lang="en-IN" sz="2900" b="1" u="sng" dirty="0" smtClean="0"/>
               <a:t>Target Variable</a:t>
             </a:r>
             <a:r>
-              <a:rPr b="1" dirty="0" sz="2900" lang="en-IN" smtClean="0"/>
+              <a:rPr lang="en-IN" sz="2900" b="1" dirty="0" smtClean="0"/>
               <a:t>:</a:t>
             </a:r>
             <a:r>
-              <a:rPr dirty="0" sz="2900" lang="en-IN" smtClean="0"/>
+              <a:rPr lang="en-IN" sz="2900" dirty="0" smtClean="0"/>
               <a:t/>
             </a:r>
             <a:br>
-              <a:rPr dirty="0" sz="2900" lang="en-IN" smtClean="0"/>
+              <a:rPr lang="en-IN" sz="2900" dirty="0" smtClean="0"/>
             </a:br>
             <a:r>
-              <a:rPr dirty="0" sz="2900" lang="en-IN" smtClean="0"/>
+              <a:rPr lang="en-IN" sz="2900" dirty="0" smtClean="0"/>
               <a:t>Churn: if the customer has churned (1=yes; 0 = no)</a:t>
             </a:r>
-            <a:endParaRPr dirty="0" sz="2600" lang="en-US" smtClean="0"/>
+            <a:endParaRPr lang="en-US" sz="2600" dirty="0" smtClean="0"/>
           </a:p>
           <a:p>
             <a:pPr lvl="1"/>
-            <a:endParaRPr dirty="0" sz="2200" lang="en-IN"/>
+            <a:endParaRPr lang="en-IN" sz="2200" dirty="0"/>
           </a:p>
         </p:txBody>
       </p:sp>
@@ -7193,7 +7417,9 @@
             <a:off x="500034" y="1214422"/>
             <a:ext cx="8143932" cy="1588"/>
           </a:xfrm>
-          <a:prstGeom prst="line"/>
+          <a:prstGeom prst="line">
+            <a:avLst/>
+          </a:prstGeom>
           <a:ln>
             <a:solidFill>
               <a:schemeClr val="tx1"/>
@@ -7228,9 +7454,11 @@
         <p:spPr/>
         <p:txBody>
           <a:bodyPr/>
+          <a:lstStyle/>
           <a:p>
             <a:fld id="{33C772F1-BB7F-4DA9-B57F-B6936D4BFD61}" type="datetime1">
               <a:rPr lang="en-US" smtClean="0"/>
+              <a:pPr/>
               <a:t>1/20/2018</a:t>
             </a:fld>
             <a:endParaRPr lang="en-IN"/>
@@ -7250,9 +7478,11 @@
         <p:spPr/>
         <p:txBody>
           <a:bodyPr/>
+          <a:lstStyle/>
           <a:p>
             <a:fld id="{5D58D9AF-4558-4E0A-A928-CE81B774F127}" type="slidenum">
               <a:rPr lang="en-IN" smtClean="0"/>
+              <a:pPr/>
               <a:t>5</a:t>
             </a:fld>
             <a:endParaRPr lang="en-IN"/>
@@ -7267,6 +7497,13 @@
   <p:transition>
     <p:wipe dir="d"/>
   </p:transition>
+  <p:timing>
+    <p:tnLst>
+      <p:par>
+        <p:cTn id="1" dur="indefinite" restart="never" nodeType="tmRoot"/>
+      </p:par>
+    </p:tnLst>
+  </p:timing>
 </p:sld>
 </file>
 
@@ -7275,7 +7512,7 @@
   <p:cSld>
     <p:spTree>
       <p:nvGrpSpPr>
-        <p:cNvPr id="39" name=""/>
+        <p:cNvPr id="1" name=""/>
         <p:cNvGrpSpPr/>
         <p:nvPr/>
       </p:nvGrpSpPr>
@@ -7307,13 +7544,14 @@
           <a:bodyPr>
             <a:normAutofit/>
           </a:bodyPr>
+          <a:lstStyle/>
           <a:p>
             <a:pPr algn="l"/>
             <a:r>
-              <a:rPr b="1" dirty="0" sz="3600" lang="en-IN" smtClean="0"/>
+              <a:rPr lang="en-IN" sz="3600" b="1" dirty="0" smtClean="0"/>
               <a:t>Learning/Prediction Steps</a:t>
             </a:r>
-            <a:endParaRPr dirty="0" sz="3600" lang="en-IN"/>
+            <a:endParaRPr lang="en-IN" sz="3600" dirty="0"/>
           </a:p>
         </p:txBody>
       </p:sp>
@@ -7335,11 +7573,12 @@
         </p:spPr>
         <p:txBody>
           <a:bodyPr/>
+          <a:lstStyle/>
           <a:p>
             <a:pPr>
               <a:buNone/>
             </a:pPr>
-            <a:endParaRPr dirty="0" lang="en-IN"/>
+            <a:endParaRPr lang="en-IN" dirty="0"/>
           </a:p>
         </p:txBody>
       </p:sp>
@@ -7356,9 +7595,11 @@
         <p:spPr/>
         <p:txBody>
           <a:bodyPr/>
+          <a:lstStyle/>
           <a:p>
             <a:fld id="{4F2F26B5-F710-420A-BA0B-BAB85524BAB1}" type="datetime1">
               <a:rPr lang="en-US" smtClean="0"/>
+              <a:pPr/>
               <a:t>1/20/2018</a:t>
             </a:fld>
             <a:endParaRPr lang="en-IN"/>
@@ -7378,9 +7619,11 @@
         <p:spPr/>
         <p:txBody>
           <a:bodyPr/>
+          <a:lstStyle/>
           <a:p>
             <a:fld id="{5D58D9AF-4558-4E0A-A928-CE81B774F127}" type="slidenum">
               <a:rPr lang="en-IN" smtClean="0"/>
+              <a:pPr/>
               <a:t>6</a:t>
             </a:fld>
             <a:endParaRPr lang="en-IN"/>
@@ -7398,7 +7641,9 @@
             <a:off x="642910" y="1428736"/>
             <a:ext cx="1071570" cy="928694"/>
           </a:xfrm>
-          <a:prstGeom prst="rect"/>
+          <a:prstGeom prst="rect">
+            <a:avLst/>
+          </a:prstGeom>
         </p:spPr>
         <p:style>
           <a:lnRef idx="2">
@@ -7417,14 +7662,15 @@
           </a:fontRef>
         </p:style>
         <p:txBody>
-          <a:bodyPr anchor="ctr" rtlCol="0"/>
+          <a:bodyPr rtlCol="0" anchor="ctr"/>
+          <a:lstStyle/>
           <a:p>
             <a:pPr algn="ctr"/>
             <a:r>
-              <a:rPr dirty="0" lang="en-US" smtClean="0"/>
+              <a:rPr lang="en-US" dirty="0" smtClean="0"/>
               <a:t>Get Dataset</a:t>
             </a:r>
-            <a:endParaRPr dirty="0" lang="en-IN"/>
+            <a:endParaRPr lang="en-IN" dirty="0"/>
           </a:p>
         </p:txBody>
       </p:sp>
@@ -7439,7 +7685,9 @@
             <a:off x="2000232" y="2428868"/>
             <a:ext cx="1071570" cy="928694"/>
           </a:xfrm>
-          <a:prstGeom prst="rect"/>
+          <a:prstGeom prst="rect">
+            <a:avLst/>
+          </a:prstGeom>
         </p:spPr>
         <p:style>
           <a:lnRef idx="2">
@@ -7458,14 +7706,15 @@
           </a:fontRef>
         </p:style>
         <p:txBody>
-          <a:bodyPr anchor="ctr" rtlCol="0"/>
+          <a:bodyPr rtlCol="0" anchor="ctr"/>
+          <a:lstStyle/>
           <a:p>
             <a:pPr algn="ctr"/>
             <a:r>
-              <a:rPr dirty="0" lang="en-US" smtClean="0"/>
+              <a:rPr lang="en-US" dirty="0" smtClean="0"/>
               <a:t>Clean Dataset</a:t>
             </a:r>
-            <a:endParaRPr dirty="0" lang="en-IN"/>
+            <a:endParaRPr lang="en-IN" dirty="0"/>
           </a:p>
         </p:txBody>
       </p:sp>
@@ -7480,7 +7729,9 @@
             <a:off x="3428992" y="3357562"/>
             <a:ext cx="1071570" cy="928694"/>
           </a:xfrm>
-          <a:prstGeom prst="rect"/>
+          <a:prstGeom prst="rect">
+            <a:avLst/>
+          </a:prstGeom>
         </p:spPr>
         <p:style>
           <a:lnRef idx="2">
@@ -7499,14 +7750,15 @@
           </a:fontRef>
         </p:style>
         <p:txBody>
-          <a:bodyPr anchor="ctr" rtlCol="0"/>
+          <a:bodyPr rtlCol="0" anchor="ctr"/>
+          <a:lstStyle/>
           <a:p>
             <a:pPr algn="ctr"/>
             <a:r>
-              <a:rPr dirty="0" lang="en-US" smtClean="0"/>
+              <a:rPr lang="en-US" dirty="0" smtClean="0"/>
               <a:t>Train Model</a:t>
             </a:r>
-            <a:endParaRPr dirty="0" lang="en-IN"/>
+            <a:endParaRPr lang="en-IN" dirty="0"/>
           </a:p>
         </p:txBody>
       </p:sp>
@@ -7521,7 +7773,9 @@
             <a:off x="4857752" y="4357694"/>
             <a:ext cx="1071570" cy="928694"/>
           </a:xfrm>
-          <a:prstGeom prst="rect"/>
+          <a:prstGeom prst="rect">
+            <a:avLst/>
+          </a:prstGeom>
         </p:spPr>
         <p:style>
           <a:lnRef idx="2">
@@ -7540,14 +7794,15 @@
           </a:fontRef>
         </p:style>
         <p:txBody>
-          <a:bodyPr anchor="ctr" rtlCol="0"/>
+          <a:bodyPr rtlCol="0" anchor="ctr"/>
+          <a:lstStyle/>
           <a:p>
             <a:pPr algn="ctr"/>
             <a:r>
-              <a:rPr dirty="0" lang="en-US" smtClean="0"/>
+              <a:rPr lang="en-US" dirty="0" smtClean="0"/>
               <a:t>Test Data</a:t>
             </a:r>
-            <a:endParaRPr dirty="0" lang="en-IN"/>
+            <a:endParaRPr lang="en-IN" dirty="0"/>
           </a:p>
         </p:txBody>
       </p:sp>
@@ -7562,7 +7817,9 @@
             <a:off x="2000232" y="1785926"/>
             <a:ext cx="500066" cy="500066"/>
           </a:xfrm>
-          <a:prstGeom prst="bentArrow"/>
+          <a:prstGeom prst="bentArrow">
+            <a:avLst/>
+          </a:prstGeom>
         </p:spPr>
         <p:style>
           <a:lnRef idx="2">
@@ -7581,7 +7838,8 @@
           </a:fontRef>
         </p:style>
         <p:txBody>
-          <a:bodyPr anchor="ctr" rtlCol="0"/>
+          <a:bodyPr rtlCol="0" anchor="ctr"/>
+          <a:lstStyle/>
           <a:p>
             <a:pPr algn="ctr"/>
             <a:endParaRPr lang="en-IN">
@@ -7603,7 +7861,9 @@
             <a:off x="3428992" y="2714620"/>
             <a:ext cx="500066" cy="500066"/>
           </a:xfrm>
-          <a:prstGeom prst="bentArrow"/>
+          <a:prstGeom prst="bentArrow">
+            <a:avLst/>
+          </a:prstGeom>
         </p:spPr>
         <p:style>
           <a:lnRef idx="2">
@@ -7622,7 +7882,8 @@
           </a:fontRef>
         </p:style>
         <p:txBody>
-          <a:bodyPr anchor="ctr" rtlCol="0"/>
+          <a:bodyPr rtlCol="0" anchor="ctr"/>
+          <a:lstStyle/>
           <a:p>
             <a:pPr algn="ctr"/>
             <a:endParaRPr lang="en-IN">
@@ -7644,7 +7905,9 @@
             <a:off x="4857752" y="3714752"/>
             <a:ext cx="500066" cy="500066"/>
           </a:xfrm>
-          <a:prstGeom prst="bentArrow"/>
+          <a:prstGeom prst="bentArrow">
+            <a:avLst/>
+          </a:prstGeom>
         </p:spPr>
         <p:style>
           <a:lnRef idx="2">
@@ -7663,7 +7926,8 @@
           </a:fontRef>
         </p:style>
         <p:txBody>
-          <a:bodyPr anchor="ctr" rtlCol="0"/>
+          <a:bodyPr rtlCol="0" anchor="ctr"/>
+          <a:lstStyle/>
           <a:p>
             <a:pPr algn="ctr"/>
             <a:endParaRPr lang="en-IN">
@@ -7685,7 +7949,9 @@
             <a:off x="6357950" y="4714884"/>
             <a:ext cx="500066" cy="500066"/>
           </a:xfrm>
-          <a:prstGeom prst="bentArrow"/>
+          <a:prstGeom prst="bentArrow">
+            <a:avLst/>
+          </a:prstGeom>
         </p:spPr>
         <p:style>
           <a:lnRef idx="2">
@@ -7704,7 +7970,8 @@
           </a:fontRef>
         </p:style>
         <p:txBody>
-          <a:bodyPr anchor="ctr" rtlCol="0"/>
+          <a:bodyPr rtlCol="0" anchor="ctr"/>
+          <a:lstStyle/>
           <a:p>
             <a:pPr algn="ctr"/>
             <a:endParaRPr lang="en-IN">
@@ -7728,7 +7995,9 @@
             <a:off x="500034" y="1000108"/>
             <a:ext cx="8143932" cy="1588"/>
           </a:xfrm>
-          <a:prstGeom prst="line"/>
+          <a:prstGeom prst="line">
+            <a:avLst/>
+          </a:prstGeom>
           <a:ln>
             <a:solidFill>
               <a:schemeClr val="tx1"/>
@@ -7761,7 +8030,9 @@
             <a:off x="6286512" y="5357826"/>
             <a:ext cx="1071570" cy="928694"/>
           </a:xfrm>
-          <a:prstGeom prst="rect"/>
+          <a:prstGeom prst="rect">
+            <a:avLst/>
+          </a:prstGeom>
         </p:spPr>
         <p:style>
           <a:lnRef idx="2">
@@ -7780,14 +8051,15 @@
           </a:fontRef>
         </p:style>
         <p:txBody>
-          <a:bodyPr anchor="ctr" rtlCol="0"/>
+          <a:bodyPr rtlCol="0" anchor="ctr"/>
+          <a:lstStyle/>
           <a:p>
             <a:pPr algn="ctr"/>
             <a:r>
-              <a:rPr dirty="0" lang="en-US" smtClean="0"/>
+              <a:rPr lang="en-US" dirty="0" smtClean="0"/>
               <a:t>Result &amp; Accuracy</a:t>
             </a:r>
-            <a:endParaRPr dirty="0" lang="en-IN"/>
+            <a:endParaRPr lang="en-IN" dirty="0"/>
           </a:p>
         </p:txBody>
       </p:sp>
@@ -7802,19 +8074,22 @@
             <a:off x="3071802" y="6072206"/>
             <a:ext cx="2357454" cy="307777"/>
           </a:xfrm>
-          <a:prstGeom prst="rect"/>
+          <a:prstGeom prst="rect">
+            <a:avLst/>
+          </a:prstGeom>
           <a:noFill/>
         </p:spPr>
         <p:txBody>
-          <a:bodyPr rtlCol="0" wrap="square">
+          <a:bodyPr wrap="square" rtlCol="0">
             <a:spAutoFit/>
           </a:bodyPr>
-          <a:p>
-            <a:r>
-              <a:rPr dirty="0" sz="1400" lang="en-US" smtClean="0"/>
+          <a:lstStyle/>
+          <a:p>
+            <a:r>
+              <a:rPr lang="en-US" sz="1400" dirty="0" smtClean="0"/>
               <a:t>Fig. 1 (Predicting Model)</a:t>
             </a:r>
-            <a:endParaRPr dirty="0" lang="en-IN"/>
+            <a:endParaRPr lang="en-IN" dirty="0"/>
           </a:p>
         </p:txBody>
       </p:sp>
@@ -7826,6 +8101,13 @@
   <p:transition>
     <p:wipe dir="d"/>
   </p:transition>
+  <p:timing>
+    <p:tnLst>
+      <p:par>
+        <p:cTn id="1" dur="indefinite" restart="never" nodeType="tmRoot"/>
+      </p:par>
+    </p:tnLst>
+  </p:timing>
 </p:sld>
 </file>
 
@@ -7834,7 +8116,7 @@
   <p:cSld>
     <p:spTree>
       <p:nvGrpSpPr>
-        <p:cNvPr id="40" name=""/>
+        <p:cNvPr id="1" name=""/>
         <p:cNvGrpSpPr/>
         <p:nvPr/>
       </p:nvGrpSpPr>
@@ -7861,13 +8143,14 @@
           <a:bodyPr>
             <a:normAutofit/>
           </a:bodyPr>
+          <a:lstStyle/>
           <a:p>
             <a:pPr algn="l"/>
             <a:r>
-              <a:rPr b="1" dirty="0" sz="3600" lang="en-US" smtClean="0"/>
+              <a:rPr lang="en-US" sz="3600" b="1" dirty="0" smtClean="0"/>
               <a:t>Algorithms Used</a:t>
             </a:r>
-            <a:endParaRPr b="1" dirty="0" sz="3600" lang="en-IN"/>
+            <a:endParaRPr lang="en-IN" sz="3600" b="1" dirty="0"/>
           </a:p>
         </p:txBody>
       </p:sp>
@@ -7884,6 +8167,7 @@
         <p:spPr/>
         <p:txBody>
           <a:bodyPr/>
+          <a:lstStyle/>
           <a:p>
             <a:pPr lvl="1">
               <a:lnSpc>
@@ -7893,7 +8177,7 @@
               <a:buChar char="Ø"/>
             </a:pPr>
             <a:r>
-              <a:rPr dirty="0" lang="en-US" smtClean="0"/>
+              <a:rPr lang="en-US" dirty="0" smtClean="0"/>
               <a:t> K- fold Cross Validation</a:t>
             </a:r>
           </a:p>
@@ -7906,14 +8190,14 @@
               <a:buChar char="Ø"/>
             </a:pPr>
             <a:r>
-              <a:rPr dirty="0" lang="en-US" smtClean="0"/>
+              <a:rPr lang="en-US" dirty="0" smtClean="0"/>
               <a:t> Naive </a:t>
             </a:r>
             <a:r>
-              <a:rPr dirty="0" lang="en-US" err="1" smtClean="0"/>
+              <a:rPr lang="en-US" dirty="0" err="1" smtClean="0"/>
               <a:t>Bayes</a:t>
             </a:r>
-            <a:endParaRPr dirty="0" lang="en-US" smtClean="0"/>
+            <a:endParaRPr lang="en-US" dirty="0" smtClean="0"/>
           </a:p>
           <a:p>
             <a:pPr lvl="1">
@@ -7924,11 +8208,11 @@
               <a:buChar char="Ø"/>
             </a:pPr>
             <a:r>
-              <a:rPr dirty="0" lang="en-US"/>
+              <a:rPr lang="en-US" dirty="0"/>
               <a:t> </a:t>
             </a:r>
             <a:r>
-              <a:rPr dirty="0" lang="en-US" smtClean="0"/>
+              <a:rPr lang="en-US" dirty="0" smtClean="0"/>
               <a:t>K Nearest Neighbors</a:t>
             </a:r>
           </a:p>
@@ -7941,10 +8225,10 @@
               <a:buChar char="Ø"/>
             </a:pPr>
             <a:r>
-              <a:rPr dirty="0" lang="en-US" smtClean="0"/>
+              <a:rPr lang="en-US" dirty="0" smtClean="0"/>
               <a:t> Random forest Classifier </a:t>
             </a:r>
-            <a:endParaRPr dirty="0" lang="en-IN"/>
+            <a:endParaRPr lang="en-IN" dirty="0"/>
           </a:p>
         </p:txBody>
       </p:sp>
@@ -7961,7 +8245,9 @@
             <a:off x="500034" y="1214422"/>
             <a:ext cx="8143932" cy="1588"/>
           </a:xfrm>
-          <a:prstGeom prst="line"/>
+          <a:prstGeom prst="line">
+            <a:avLst/>
+          </a:prstGeom>
           <a:ln>
             <a:solidFill>
               <a:schemeClr val="tx1"/>
@@ -7996,9 +8282,11 @@
         <p:spPr/>
         <p:txBody>
           <a:bodyPr/>
+          <a:lstStyle/>
           <a:p>
             <a:fld id="{26B8036B-A58C-4E7E-8923-68EB7A4BEDAC}" type="datetime1">
               <a:rPr lang="en-US" smtClean="0"/>
+              <a:pPr/>
               <a:t>1/20/2018</a:t>
             </a:fld>
             <a:endParaRPr lang="en-IN"/>
@@ -8018,9 +8306,11 @@
         <p:spPr/>
         <p:txBody>
           <a:bodyPr/>
+          <a:lstStyle/>
           <a:p>
             <a:fld id="{5D58D9AF-4558-4E0A-A928-CE81B774F127}" type="slidenum">
               <a:rPr lang="en-IN" smtClean="0"/>
+              <a:pPr/>
               <a:t>7</a:t>
             </a:fld>
             <a:endParaRPr lang="en-IN"/>
@@ -8035,6 +8325,13 @@
   <p:transition>
     <p:wipe dir="d"/>
   </p:transition>
+  <p:timing>
+    <p:tnLst>
+      <p:par>
+        <p:cTn id="1" dur="indefinite" restart="never" nodeType="tmRoot"/>
+      </p:par>
+    </p:tnLst>
+  </p:timing>
 </p:sld>
 </file>
 
@@ -8043,7 +8340,7 @@
   <p:cSld>
     <p:spTree>
       <p:nvGrpSpPr>
-        <p:cNvPr id="41" name=""/>
+        <p:cNvPr id="1" name=""/>
         <p:cNvGrpSpPr/>
         <p:nvPr/>
       </p:nvGrpSpPr>
@@ -8070,13 +8367,14 @@
           <a:bodyPr>
             <a:normAutofit/>
           </a:bodyPr>
+          <a:lstStyle/>
           <a:p>
             <a:pPr algn="l"/>
             <a:r>
-              <a:rPr b="1" dirty="0" sz="4000" lang="en-US" smtClean="0"/>
+              <a:rPr lang="en-US" sz="4000" b="1" dirty="0" smtClean="0"/>
               <a:t>K-fold Cross Validation</a:t>
             </a:r>
-            <a:endParaRPr b="1" dirty="0" sz="4000" lang="en-IN"/>
+            <a:endParaRPr lang="en-IN" sz="4000" b="1" dirty="0"/>
           </a:p>
         </p:txBody>
       </p:sp>
@@ -8098,38 +8396,39 @@
         </p:spPr>
         <p:txBody>
           <a:bodyPr/>
+          <a:lstStyle/>
           <a:p>
             <a:pPr>
               <a:buNone/>
             </a:pPr>
             <a:r>
-              <a:rPr dirty="0" lang="en-IN" smtClean="0"/>
+              <a:rPr lang="en-IN" dirty="0" smtClean="0"/>
               <a:t>   </a:t>
             </a:r>
             <a:r>
-              <a:rPr dirty="0" sz="2000" lang="en-IN" smtClean="0"/>
+              <a:rPr lang="en-IN" sz="2000" dirty="0" smtClean="0"/>
               <a:t>K-Folds cross-validation method provides train/test indices to split data in train/test sets. It splits dataset into k consecutive folds.</a:t>
             </a:r>
-            <a:endParaRPr dirty="0" lang="en-IN" smtClean="0"/>
+            <a:endParaRPr lang="en-IN" dirty="0" smtClean="0"/>
           </a:p>
           <a:p>
             <a:pPr>
               <a:buNone/>
             </a:pPr>
-            <a:endParaRPr dirty="0" sz="2000" lang="en-US" smtClean="0"/>
+            <a:endParaRPr lang="en-US" sz="2000" dirty="0" smtClean="0"/>
           </a:p>
           <a:p>
             <a:pPr>
               <a:buNone/>
             </a:pPr>
-            <a:endParaRPr dirty="0" sz="2000" lang="en-US" smtClean="0"/>
+            <a:endParaRPr lang="en-US" sz="2000" dirty="0" smtClean="0"/>
           </a:p>
           <a:p>
             <a:pPr>
               <a:buNone/>
             </a:pPr>
             <a:r>
-              <a:rPr dirty="0" sz="2000" lang="en-US" smtClean="0"/>
+              <a:rPr lang="en-US" sz="2000" dirty="0" smtClean="0"/>
               <a:t>Code:</a:t>
             </a:r>
           </a:p>
@@ -8137,24 +8436,24 @@
             <a:pPr>
               <a:buNone/>
             </a:pPr>
-            <a:endParaRPr b="1" dirty="0" sz="2000" lang="en-US" smtClean="0"/>
+            <a:endParaRPr lang="en-US" sz="2000" b="1" dirty="0" smtClean="0"/>
           </a:p>
           <a:p>
             <a:pPr>
               <a:buNone/>
             </a:pPr>
-            <a:endParaRPr b="1" dirty="0" sz="2000" lang="en-US" smtClean="0"/>
+            <a:endParaRPr lang="en-US" sz="2000" b="1" dirty="0" smtClean="0"/>
           </a:p>
           <a:p>
             <a:pPr>
               <a:buNone/>
             </a:pPr>
             <a:r>
-              <a:rPr b="1" dirty="0" sz="2000" lang="en-US" u="sng" smtClean="0"/>
+              <a:rPr lang="en-US" sz="2000" b="1" u="sng" dirty="0" smtClean="0"/>
               <a:t>Advantages</a:t>
             </a:r>
             <a:r>
-              <a:rPr b="1" dirty="0" sz="2000" lang="en-US" smtClean="0"/>
+              <a:rPr lang="en-US" sz="2000" b="1" dirty="0" smtClean="0"/>
               <a:t>:</a:t>
             </a:r>
           </a:p>
@@ -8164,15 +8463,15 @@
               <a:buChar char="§"/>
             </a:pPr>
             <a:r>
-              <a:rPr dirty="0" sz="1600" lang="en-US" smtClean="0"/>
+              <a:rPr lang="en-US" sz="1600" dirty="0" smtClean="0"/>
               <a:t>In this method the dataset can be partitioned into separate train and test set </a:t>
             </a:r>
             <a:r>
-              <a:rPr dirty="0" sz="1600" lang="en-IN" smtClean="0"/>
+              <a:rPr lang="en-IN" sz="1600" dirty="0" smtClean="0"/>
               <a:t> without losing significant modelling or testing capability.</a:t>
             </a:r>
             <a:r>
-              <a:rPr dirty="0" sz="1600" lang="en-US" smtClean="0"/>
+              <a:rPr lang="en-US" sz="1600" dirty="0" smtClean="0"/>
               <a:t> </a:t>
             </a:r>
           </a:p>
@@ -8182,7 +8481,7 @@
               <a:buChar char="§"/>
             </a:pPr>
             <a:r>
-              <a:rPr dirty="0" sz="1600" lang="en-US" smtClean="0"/>
+              <a:rPr lang="en-US" sz="1600" dirty="0" smtClean="0"/>
               <a:t>Less Noise</a:t>
             </a:r>
           </a:p>
@@ -8191,7 +8490,7 @@
               <a:buNone/>
             </a:pPr>
             <a:r>
-              <a:rPr b="1" dirty="0" sz="2000" lang="en-US" u="sng" smtClean="0"/>
+              <a:rPr lang="en-US" sz="2000" b="1" u="sng" dirty="0" smtClean="0"/>
               <a:t>Disadvantages:</a:t>
             </a:r>
           </a:p>
@@ -8201,7 +8500,7 @@
               <a:buChar char="§"/>
             </a:pPr>
             <a:r>
-              <a:rPr dirty="0" sz="1600" lang="en-US" smtClean="0"/>
+              <a:rPr lang="en-US" sz="1600" dirty="0" smtClean="0"/>
               <a:t>Computationally expensive</a:t>
             </a:r>
           </a:p>
@@ -8211,28 +8510,28 @@
               <a:buChar char="§"/>
             </a:pPr>
             <a:r>
-              <a:rPr dirty="0" sz="1600" lang="en-IN" smtClean="0"/>
+              <a:rPr lang="en-IN" sz="1600" dirty="0" smtClean="0"/>
               <a:t>It represents a biased model.</a:t>
             </a:r>
-            <a:endParaRPr dirty="0" sz="1600" lang="en-US" smtClean="0"/>
+            <a:endParaRPr lang="en-US" sz="1600" dirty="0" smtClean="0"/>
           </a:p>
           <a:p>
             <a:pPr>
               <a:buNone/>
             </a:pPr>
-            <a:endParaRPr b="1" dirty="0" sz="2000" lang="en-US" smtClean="0"/>
+            <a:endParaRPr lang="en-US" sz="2000" b="1" dirty="0" smtClean="0"/>
           </a:p>
           <a:p>
             <a:pPr>
               <a:buNone/>
             </a:pPr>
-            <a:endParaRPr b="1" dirty="0" sz="2000" lang="en-US" smtClean="0"/>
+            <a:endParaRPr lang="en-US" sz="2000" b="1" dirty="0" smtClean="0"/>
           </a:p>
           <a:p>
             <a:pPr>
               <a:buNone/>
             </a:pPr>
-            <a:endParaRPr b="1" dirty="0" sz="2000" lang="en-US" smtClean="0"/>
+            <a:endParaRPr lang="en-US" sz="2000" b="1" dirty="0" smtClean="0"/>
           </a:p>
         </p:txBody>
       </p:sp>
@@ -8249,7 +8548,9 @@
             <a:off x="500034" y="1142984"/>
             <a:ext cx="8143932" cy="1588"/>
           </a:xfrm>
-          <a:prstGeom prst="line"/>
+          <a:prstGeom prst="line">
+            <a:avLst/>
+          </a:prstGeom>
           <a:ln>
             <a:solidFill>
               <a:schemeClr val="tx1"/>
@@ -8280,7 +8581,7 @@
           <p:nvPr/>
         </p:nvPicPr>
         <p:blipFill>
-          <a:blip xmlns:r="http://schemas.openxmlformats.org/officeDocument/2006/relationships" r:embed="rId1" cstate="print"/>
+          <a:blip r:embed="rId3" cstate="print"/>
           <a:stretch>
             <a:fillRect/>
           </a:stretch>
@@ -8290,7 +8591,9 @@
             <a:off x="2123728" y="2780928"/>
             <a:ext cx="6048101" cy="1368152"/>
           </a:xfrm>
-          <a:prstGeom prst="rect"/>
+          <a:prstGeom prst="rect">
+            <a:avLst/>
+          </a:prstGeom>
         </p:spPr>
       </p:pic>
       <p:sp>
@@ -8304,7 +8607,9 @@
             <a:off x="1259632" y="3356992"/>
             <a:ext cx="360040" cy="144016"/>
           </a:xfrm>
-          <a:prstGeom prst="rightArrow"/>
+          <a:prstGeom prst="rightArrow">
+            <a:avLst/>
+          </a:prstGeom>
         </p:spPr>
         <p:style>
           <a:lnRef idx="2">
@@ -8323,7 +8628,8 @@
           </a:fontRef>
         </p:style>
         <p:txBody>
-          <a:bodyPr anchor="ctr" rtlCol="0"/>
+          <a:bodyPr rtlCol="0" anchor="ctr"/>
+          <a:lstStyle/>
           <a:p>
             <a:pPr algn="ctr"/>
             <a:endParaRPr lang="en-IN"/>
@@ -8343,9 +8649,11 @@
         <p:spPr/>
         <p:txBody>
           <a:bodyPr/>
+          <a:lstStyle/>
           <a:p>
             <a:fld id="{0ADEF219-FEFF-4044-8444-7D086B515177}" type="datetime1">
               <a:rPr lang="en-US" smtClean="0"/>
+              <a:pPr/>
               <a:t>1/20/2018</a:t>
             </a:fld>
             <a:endParaRPr lang="en-IN"/>
@@ -8365,9 +8673,11 @@
         <p:spPr/>
         <p:txBody>
           <a:bodyPr/>
+          <a:lstStyle/>
           <a:p>
             <a:fld id="{5D58D9AF-4558-4E0A-A928-CE81B774F127}" type="slidenum">
               <a:rPr lang="en-IN" smtClean="0"/>
+              <a:pPr/>
               <a:t>8</a:t>
             </a:fld>
             <a:endParaRPr lang="en-IN"/>
@@ -8382,6 +8692,13 @@
   <p:transition>
     <p:wipe dir="d"/>
   </p:transition>
+  <p:timing>
+    <p:tnLst>
+      <p:par>
+        <p:cTn id="1" dur="indefinite" restart="never" nodeType="tmRoot"/>
+      </p:par>
+    </p:tnLst>
+  </p:timing>
 </p:sld>
 </file>
 
@@ -8390,7 +8707,7 @@
   <p:cSld>
     <p:spTree>
       <p:nvGrpSpPr>
-        <p:cNvPr id="44" name=""/>
+        <p:cNvPr id="1" name=""/>
         <p:cNvGrpSpPr/>
         <p:nvPr/>
       </p:nvGrpSpPr>
@@ -8422,17 +8739,18 @@
           <a:bodyPr>
             <a:normAutofit/>
           </a:bodyPr>
+          <a:lstStyle/>
           <a:p>
             <a:pPr algn="l"/>
             <a:r>
-              <a:rPr b="1" dirty="0" sz="3600" lang="en-US" smtClean="0"/>
+              <a:rPr lang="en-US" sz="3600" b="1" dirty="0" smtClean="0"/>
               <a:t>Naive </a:t>
             </a:r>
             <a:r>
-              <a:rPr b="1" dirty="0" sz="3600" lang="en-US" err="1" smtClean="0"/>
+              <a:rPr lang="en-US" sz="3600" b="1" dirty="0" err="1" smtClean="0"/>
               <a:t>Bayes</a:t>
             </a:r>
-            <a:endParaRPr b="1" dirty="0" sz="3600" lang="en-IN"/>
+            <a:endParaRPr lang="en-IN" sz="3600" b="1" dirty="0"/>
           </a:p>
         </p:txBody>
       </p:sp>
@@ -8454,32 +8772,33 @@
         </p:spPr>
         <p:txBody>
           <a:bodyPr/>
+          <a:lstStyle/>
           <a:p>
             <a:pPr>
               <a:buNone/>
             </a:pPr>
             <a:r>
-              <a:rPr dirty="0" lang="en-IN" smtClean="0"/>
+              <a:rPr lang="en-IN" dirty="0" smtClean="0"/>
               <a:t>   </a:t>
             </a:r>
             <a:r>
-              <a:rPr dirty="0" sz="2000" lang="en-IN" smtClean="0"/>
+              <a:rPr lang="en-IN" sz="2000" dirty="0" smtClean="0"/>
               <a:t>Naive </a:t>
             </a:r>
             <a:r>
-              <a:rPr dirty="0" sz="2000" lang="en-IN" err="1" smtClean="0"/>
+              <a:rPr lang="en-IN" sz="2000" dirty="0" err="1" smtClean="0"/>
               <a:t>Bayes</a:t>
             </a:r>
             <a:r>
-              <a:rPr dirty="0" sz="2000" lang="en-IN" smtClean="0"/>
+              <a:rPr lang="en-IN" sz="2000" dirty="0" smtClean="0"/>
               <a:t> methods are a set of supervised learning algorithms based on applying </a:t>
             </a:r>
             <a:r>
-              <a:rPr dirty="0" sz="2000" lang="en-IN" err="1" smtClean="0"/>
+              <a:rPr lang="en-IN" sz="2000" dirty="0" err="1" smtClean="0"/>
               <a:t>Bayes</a:t>
             </a:r>
             <a:r>
-              <a:rPr dirty="0" sz="2000" lang="en-IN" smtClean="0"/>
+              <a:rPr lang="en-IN" sz="2000" dirty="0" smtClean="0"/>
               <a:t>’ theorem.</a:t>
             </a:r>
           </a:p>
@@ -8487,56 +8806,56 @@
             <a:pPr>
               <a:buNone/>
             </a:pPr>
-            <a:endParaRPr dirty="0" sz="2000" lang="en-US" smtClean="0"/>
+            <a:endParaRPr lang="en-US" sz="2000" dirty="0" smtClean="0"/>
           </a:p>
           <a:p>
             <a:pPr>
               <a:buNone/>
             </a:pPr>
             <a:r>
-              <a:rPr b="1" dirty="0" sz="2000" lang="en-US" smtClean="0"/>
-              <a:t>Confusion Matrix:                                      Accuracy: </a:t>
+              <a:rPr lang="en-US" sz="2000" b="1" dirty="0" smtClean="0"/>
+              <a:t>Confusion Matrix:                                       Accuracy: </a:t>
             </a:r>
           </a:p>
           <a:p>
             <a:pPr>
               <a:buNone/>
             </a:pPr>
-            <a:endParaRPr dirty="0" sz="2000" lang="en-US" smtClean="0"/>
+            <a:endParaRPr lang="en-US" sz="2000" dirty="0" smtClean="0"/>
           </a:p>
           <a:p>
             <a:pPr>
               <a:buNone/>
             </a:pPr>
-            <a:endParaRPr dirty="0" sz="2000" lang="en-US" smtClean="0"/>
+            <a:endParaRPr lang="en-US" sz="2000" dirty="0" smtClean="0"/>
           </a:p>
           <a:p>
             <a:pPr>
               <a:buNone/>
             </a:pPr>
-            <a:endParaRPr dirty="0" sz="2000" lang="en-US" smtClean="0"/>
+            <a:endParaRPr lang="en-US" sz="2000" dirty="0" smtClean="0"/>
           </a:p>
           <a:p>
             <a:pPr>
               <a:buNone/>
             </a:pPr>
-            <a:endParaRPr dirty="0" sz="2000" lang="en-US" smtClean="0"/>
+            <a:endParaRPr lang="en-US" sz="2000" dirty="0" smtClean="0"/>
           </a:p>
           <a:p>
             <a:pPr>
               <a:buNone/>
             </a:pPr>
-            <a:endParaRPr dirty="0" sz="2000" lang="en-US" smtClean="0"/>
+            <a:endParaRPr lang="en-US" sz="2000" dirty="0" smtClean="0"/>
           </a:p>
           <a:p>
             <a:pPr>
               <a:buNone/>
             </a:pPr>
             <a:r>
-              <a:rPr b="1" dirty="0" sz="2000" lang="en-US" smtClean="0"/>
+              <a:rPr lang="en-US" sz="2000" b="1" dirty="0" smtClean="0"/>
               <a:t>Roc Curve:   </a:t>
             </a:r>
-            <a:endParaRPr b="1" dirty="0" sz="1800" lang="en-IN"/>
+            <a:endParaRPr lang="en-IN" sz="1800" b="1" dirty="0"/>
           </a:p>
         </p:txBody>
       </p:sp>
@@ -8553,7 +8872,9 @@
             <a:off x="500034" y="1214422"/>
             <a:ext cx="8143932" cy="1588"/>
           </a:xfrm>
-          <a:prstGeom prst="line"/>
+          <a:prstGeom prst="line">
+            <a:avLst/>
+          </a:prstGeom>
           <a:ln>
             <a:solidFill>
               <a:schemeClr val="tx1"/>
@@ -8584,17 +8905,19 @@
           <p:nvPr/>
         </p:nvPicPr>
         <p:blipFill>
-          <a:blip xmlns:r="http://schemas.openxmlformats.org/officeDocument/2006/relationships" r:embed="rId1" cstate="print"/>
+          <a:blip r:embed="rId2" cstate="print"/>
           <a:stretch>
             <a:fillRect/>
           </a:stretch>
         </p:blipFill>
         <p:spPr>
           <a:xfrm>
-            <a:off x="2771800" y="2348880"/>
-            <a:ext cx="1752600" cy="999562"/>
-          </a:xfrm>
-          <a:prstGeom prst="rect"/>
+            <a:off x="2771800" y="2276872"/>
+            <a:ext cx="2016224" cy="1221923"/>
+          </a:xfrm>
+          <a:prstGeom prst="rect">
+            <a:avLst/>
+          </a:prstGeom>
         </p:spPr>
       </p:pic>
       <p:pic>
@@ -8606,7 +8929,7 @@
           <p:nvPr/>
         </p:nvPicPr>
         <p:blipFill>
-          <a:blip xmlns:r="http://schemas.openxmlformats.org/officeDocument/2006/relationships" r:embed="rId2" cstate="print"/>
+          <a:blip r:embed="rId3" cstate="print"/>
           <a:stretch>
             <a:fillRect/>
           </a:stretch>
@@ -8616,7 +8939,9 @@
             <a:off x="2643174" y="3786190"/>
             <a:ext cx="3771900" cy="2571750"/>
           </a:xfrm>
-          <a:prstGeom prst="rect"/>
+          <a:prstGeom prst="rect">
+            <a:avLst/>
+          </a:prstGeom>
         </p:spPr>
       </p:pic>
       <p:pic>
@@ -8628,7 +8953,7 @@
           <p:nvPr/>
         </p:nvPicPr>
         <p:blipFill>
-          <a:blip xmlns:r="http://schemas.openxmlformats.org/officeDocument/2006/relationships" r:embed="rId3" cstate="print"/>
+          <a:blip r:embed="rId4" cstate="print"/>
           <a:stretch>
             <a:fillRect/>
           </a:stretch>
@@ -8638,7 +8963,9 @@
             <a:off x="6300192" y="2348880"/>
             <a:ext cx="2532802" cy="928694"/>
           </a:xfrm>
-          <a:prstGeom prst="rect"/>
+          <a:prstGeom prst="rect">
+            <a:avLst/>
+          </a:prstGeom>
         </p:spPr>
       </p:pic>
       <p:sp>
@@ -8652,7 +8979,9 @@
             <a:off x="2483768" y="2780928"/>
             <a:ext cx="214314" cy="71438"/>
           </a:xfrm>
-          <a:prstGeom prst="rightArrow"/>
+          <a:prstGeom prst="rightArrow">
+            <a:avLst/>
+          </a:prstGeom>
         </p:spPr>
         <p:style>
           <a:lnRef idx="2">
@@ -8671,7 +9000,8 @@
           </a:fontRef>
         </p:style>
         <p:txBody>
-          <a:bodyPr anchor="ctr" rtlCol="0"/>
+          <a:bodyPr rtlCol="0" anchor="ctr"/>
+          <a:lstStyle/>
           <a:p>
             <a:pPr algn="ctr"/>
             <a:endParaRPr lang="en-IN"/>
@@ -8689,7 +9019,9 @@
             <a:off x="1857356" y="4929198"/>
             <a:ext cx="428628" cy="142876"/>
           </a:xfrm>
-          <a:prstGeom prst="rightArrow"/>
+          <a:prstGeom prst="rightArrow">
+            <a:avLst/>
+          </a:prstGeom>
         </p:spPr>
         <p:style>
           <a:lnRef idx="2">
@@ -8708,7 +9040,8 @@
           </a:fontRef>
         </p:style>
         <p:txBody>
-          <a:bodyPr anchor="ctr" rtlCol="0"/>
+          <a:bodyPr rtlCol="0" anchor="ctr"/>
+          <a:lstStyle/>
           <a:p>
             <a:pPr algn="ctr"/>
             <a:endParaRPr lang="en-IN"/>
@@ -8726,7 +9059,9 @@
             <a:off x="6012160" y="2780928"/>
             <a:ext cx="214314" cy="71438"/>
           </a:xfrm>
-          <a:prstGeom prst="rightArrow"/>
+          <a:prstGeom prst="rightArrow">
+            <a:avLst/>
+          </a:prstGeom>
         </p:spPr>
         <p:style>
           <a:lnRef idx="2">
@@ -8745,7 +9080,8 @@
           </a:fontRef>
         </p:style>
         <p:txBody>
-          <a:bodyPr anchor="ctr" rtlCol="0"/>
+          <a:bodyPr rtlCol="0" anchor="ctr"/>
+          <a:lstStyle/>
           <a:p>
             <a:pPr algn="ctr"/>
             <a:endParaRPr lang="en-IN"/>
@@ -8765,9 +9101,11 @@
         <p:spPr/>
         <p:txBody>
           <a:bodyPr/>
+          <a:lstStyle/>
           <a:p>
             <a:fld id="{190E4137-7CF4-40DF-B3A4-3686C2D7344B}" type="datetime1">
               <a:rPr lang="en-US" smtClean="0"/>
+              <a:pPr/>
               <a:t>1/20/2018</a:t>
             </a:fld>
             <a:endParaRPr lang="en-IN"/>
@@ -8787,9 +9125,11 @@
         <p:spPr/>
         <p:txBody>
           <a:bodyPr/>
+          <a:lstStyle/>
           <a:p>
             <a:fld id="{5D58D9AF-4558-4E0A-A928-CE81B774F127}" type="slidenum">
               <a:rPr lang="en-IN" smtClean="0"/>
+              <a:pPr/>
               <a:t>9</a:t>
             </a:fld>
             <a:endParaRPr lang="en-IN"/>
@@ -8807,19 +9147,22 @@
             <a:off x="3714744" y="6357958"/>
             <a:ext cx="2143140" cy="276999"/>
           </a:xfrm>
-          <a:prstGeom prst="rect"/>
+          <a:prstGeom prst="rect">
+            <a:avLst/>
+          </a:prstGeom>
           <a:noFill/>
         </p:spPr>
         <p:txBody>
-          <a:bodyPr rtlCol="0" wrap="square">
+          <a:bodyPr wrap="square" rtlCol="0">
             <a:spAutoFit/>
           </a:bodyPr>
-          <a:p>
-            <a:r>
-              <a:rPr dirty="0" sz="1200" lang="en-US" smtClean="0"/>
+          <a:lstStyle/>
+          <a:p>
+            <a:r>
+              <a:rPr lang="en-US" sz="1200" dirty="0" smtClean="0"/>
               <a:t>Fig.2(ROC Curve)</a:t>
             </a:r>
-            <a:endParaRPr dirty="0" sz="1200" lang="en-IN"/>
+            <a:endParaRPr lang="en-IN" sz="1200" dirty="0"/>
           </a:p>
         </p:txBody>
       </p:sp>
@@ -8831,6 +9174,13 @@
   <p:transition>
     <p:wipe dir="d"/>
   </p:transition>
+  <p:timing>
+    <p:tnLst>
+      <p:par>
+        <p:cTn id="1" dur="indefinite" restart="never" nodeType="tmRoot"/>
+      </p:par>
+    </p:tnLst>
+  </p:timing>
 </p:sld>
 </file>
 
@@ -8839,10 +9189,10 @@
   <a:themeElements>
     <a:clrScheme name="Office">
       <a:dk1>
-        <a:sysClr lastClr="000000" val="windowText"/>
+        <a:sysClr val="windowText" lastClr="000000"/>
       </a:dk1>
       <a:lt1>
-        <a:sysClr lastClr="FFFFFF" val="window"/>
+        <a:sysClr val="window" lastClr="FFFFFF"/>
       </a:lt1>
       <a:dk2>
         <a:srgbClr val="1F497D"/>
@@ -9023,7 +9373,7 @@
       <a:effectStyleLst>
         <a:effectStyle>
           <a:effectLst>
-            <a:outerShdw blurRad="40000" dir="5400000" dist="20000" rotWithShape="0">
+            <a:outerShdw blurRad="40000" dist="20000" dir="5400000" rotWithShape="0">
               <a:srgbClr val="000000">
                 <a:alpha val="38000"/>
               </a:srgbClr>
@@ -9032,7 +9382,7 @@
         </a:effectStyle>
         <a:effectStyle>
           <a:effectLst>
-            <a:outerShdw blurRad="40000" dir="5400000" dist="23000" rotWithShape="0">
+            <a:outerShdw blurRad="40000" dist="23000" dir="5400000" rotWithShape="0">
               <a:srgbClr val="000000">
                 <a:alpha val="35000"/>
               </a:srgbClr>
@@ -9041,7 +9391,7 @@
         </a:effectStyle>
         <a:effectStyle>
           <a:effectLst>
-            <a:outerShdw blurRad="40000" dir="5400000" dist="23000" rotWithShape="0">
+            <a:outerShdw blurRad="40000" dist="23000" dir="5400000" rotWithShape="0">
               <a:srgbClr val="000000">
                 <a:alpha val="35000"/>
               </a:srgbClr>
@@ -9051,7 +9401,7 @@
             <a:camera prst="orthographicFront">
               <a:rot lat="0" lon="0" rev="0"/>
             </a:camera>
-            <a:lightRig dir="t" rig="threePt">
+            <a:lightRig rig="threePt" dir="t">
               <a:rot lat="0" lon="0" rev="1200000"/>
             </a:lightRig>
           </a:scene3d>
@@ -9139,6 +9489,7 @@
       </a:style>
     </a:lnDef>
   </a:objectDefaults>
+  <a:extraClrSchemeLst/>
 </a:theme>
 </file>
 
@@ -9147,10 +9498,10 @@
   <a:themeElements>
     <a:clrScheme name="Office">
       <a:dk1>
-        <a:sysClr lastClr="000000" val="windowText"/>
+        <a:sysClr val="windowText" lastClr="000000"/>
       </a:dk1>
       <a:lt1>
-        <a:sysClr lastClr="FFFFFF" val="window"/>
+        <a:sysClr val="window" lastClr="FFFFFF"/>
       </a:lt1>
       <a:dk2>
         <a:srgbClr val="1F497D"/>
@@ -9331,7 +9682,7 @@
       <a:effectStyleLst>
         <a:effectStyle>
           <a:effectLst>
-            <a:outerShdw blurRad="40000" dir="5400000" dist="20000" rotWithShape="0">
+            <a:outerShdw blurRad="40000" dist="20000" dir="5400000" rotWithShape="0">
               <a:srgbClr val="000000">
                 <a:alpha val="38000"/>
               </a:srgbClr>
@@ -9340,7 +9691,7 @@
         </a:effectStyle>
         <a:effectStyle>
           <a:effectLst>
-            <a:outerShdw blurRad="40000" dir="5400000" dist="23000" rotWithShape="0">
+            <a:outerShdw blurRad="40000" dist="23000" dir="5400000" rotWithShape="0">
               <a:srgbClr val="000000">
                 <a:alpha val="35000"/>
               </a:srgbClr>
@@ -9349,7 +9700,7 @@
         </a:effectStyle>
         <a:effectStyle>
           <a:effectLst>
-            <a:outerShdw blurRad="40000" dir="5400000" dist="23000" rotWithShape="0">
+            <a:outerShdw blurRad="40000" dist="23000" dir="5400000" rotWithShape="0">
               <a:srgbClr val="000000">
                 <a:alpha val="35000"/>
               </a:srgbClr>
@@ -9359,7 +9710,7 @@
             <a:camera prst="orthographicFront">
               <a:rot lat="0" lon="0" rev="0"/>
             </a:camera>
-            <a:lightRig dir="t" rig="threePt">
+            <a:lightRig rig="threePt" dir="t">
               <a:rot lat="0" lon="0" rev="1200000"/>
             </a:lightRig>
           </a:scene3d>
@@ -9420,5 +9771,7 @@
       </a:bgFillStyleLst>
     </a:fmtScheme>
   </a:themeElements>
+  <a:objectDefaults/>
+  <a:extraClrSchemeLst/>
 </a:theme>
 </file>
--- a/Customer Churn Prediction In Telecom Industry-edited.pptx
+++ b/Customer Churn Prediction In Telecom Industry-edited.pptx
@@ -3894,6 +3894,13 @@
   <p:transition>
     <p:wipe dir="d"/>
   </p:transition>
+  <p:timing>
+    <p:tnLst>
+      <p:par>
+        <p:cTn id="1" dur="indefinite" restart="never" nodeType="tmRoot"/>
+      </p:par>
+    </p:tnLst>
+  </p:timing>
 </p:sld>
 </file>
 
@@ -5597,6 +5604,32 @@
           </a:p>
         </p:txBody>
       </p:sp>
+      <p:pic>
+        <p:nvPicPr>
+          <p:cNvPr id="1026" name="Picture 2" descr="D:\Capture.JPG"/>
+          <p:cNvPicPr>
+            <a:picLocks noChangeAspect="1" noChangeArrowheads="1"/>
+          </p:cNvPicPr>
+          <p:nvPr/>
+        </p:nvPicPr>
+        <p:blipFill>
+          <a:blip r:embed="rId2" cstate="print"/>
+          <a:srcRect/>
+          <a:stretch>
+            <a:fillRect/>
+          </a:stretch>
+        </p:blipFill>
+        <p:spPr bwMode="auto">
+          <a:xfrm>
+            <a:off x="2051720" y="2924944"/>
+            <a:ext cx="4730954" cy="3117577"/>
+          </a:xfrm>
+          <a:prstGeom prst="rect">
+            <a:avLst/>
+          </a:prstGeom>
+          <a:noFill/>
+        </p:spPr>
+      </p:pic>
     </p:spTree>
   </p:cSld>
   <p:clrMapOvr>
@@ -6517,6 +6550,13 @@
   <p:transition>
     <p:wipe dir="d"/>
   </p:transition>
+  <p:timing>
+    <p:tnLst>
+      <p:par>
+        <p:cTn id="1" dur="indefinite" restart="never" nodeType="tmRoot"/>
+      </p:par>
+    </p:tnLst>
+  </p:timing>
 </p:sld>
 </file>
 
@@ -6638,13 +6678,7 @@
               <a:rPr lang="en-IN" sz="2000" dirty="0" smtClean="0">
                 <a:cs typeface="Times New Roman" pitchFamily="18" charset="0"/>
               </a:rPr>
-              <a:t>     </a:t>
-            </a:r>
-            <a:r>
-              <a:rPr lang="en-IN" sz="2000" dirty="0" smtClean="0">
-                <a:cs typeface="Times New Roman" pitchFamily="18" charset="0"/>
-              </a:rPr>
-              <a:t>face recognition in Facebook, Google Ad sense etc. </a:t>
+              <a:t>     face recognition in Facebook, Google Ad sense etc. </a:t>
             </a:r>
             <a:endParaRPr lang="en-IN" sz="2000" dirty="0"/>
           </a:p>
@@ -7044,41 +7078,6 @@
               <a:buNone/>
             </a:pPr>
             <a:endParaRPr lang="en-US" dirty="0" smtClean="0"/>
-          </a:p>
-          <a:p>
-            <a:pPr>
-              <a:buFontTx/>
-              <a:buChar char="-"/>
-            </a:pPr>
-            <a:endParaRPr lang="en-US" dirty="0"/>
-          </a:p>
-          <a:p>
-            <a:pPr>
-              <a:buNone/>
-            </a:pPr>
-            <a:r>
-              <a:rPr lang="en-US" u="sng" dirty="0" smtClean="0"/>
-              <a:t>Dimensionality Reduction:</a:t>
-            </a:r>
-          </a:p>
-          <a:p>
-            <a:pPr lvl="1">
-              <a:buNone/>
-            </a:pPr>
-            <a:r>
-              <a:rPr lang="en-US" dirty="0" smtClean="0"/>
-              <a:t>- Principal component Analysis</a:t>
-            </a:r>
-          </a:p>
-          <a:p>
-            <a:pPr lvl="1">
-              <a:buNone/>
-            </a:pPr>
-            <a:r>
-              <a:rPr lang="en-US" dirty="0" smtClean="0"/>
-              <a:t>- SVD (Singular Value Decomposition)</a:t>
-            </a:r>
-            <a:endParaRPr lang="en-IN" dirty="0"/>
           </a:p>
         </p:txBody>
       </p:sp>
